--- a/solution_technique.pptx
+++ b/solution_technique.pptx
@@ -77,20 +77,17 @@
           <a:noFill/>
         </a:ln>
         <a:solidFill>
-          <a:schemeClr val="accent1">
-            <a:satOff val="-9155"/>
-            <a:lumOff val="-32673"/>
-          </a:schemeClr>
+          <a:srgbClr val="53585F"/>
         </a:solidFill>
         <a:effectLst/>
         <a:uFillTx/>
-        <a:latin typeface="Avenir Next Regular"/>
-        <a:ea typeface="Avenir Next Regular"/>
-        <a:cs typeface="Avenir Next Regular"/>
-        <a:sym typeface="Avenir Next Regular"/>
+        <a:latin typeface="Produkt Extralight"/>
+        <a:ea typeface="Produkt Extralight"/>
+        <a:cs typeface="Produkt Extralight"/>
+        <a:sym typeface="Produkt Extralight"/>
       </a:defRPr>
     </a:lvl1pPr>
-    <a:lvl2pPr marL="0" marR="0" indent="457200" algn="l" defTabSz="355600" rtl="0" fontAlgn="auto" latinLnBrk="0" hangingPunct="0">
+    <a:lvl2pPr marL="0" marR="0" indent="0" algn="l" defTabSz="355600" rtl="0" fontAlgn="auto" latinLnBrk="0" hangingPunct="0">
       <a:lnSpc>
         <a:spcPct val="100000"/>
       </a:lnSpc>
@@ -110,20 +107,17 @@
           <a:noFill/>
         </a:ln>
         <a:solidFill>
-          <a:schemeClr val="accent1">
-            <a:satOff val="-9155"/>
-            <a:lumOff val="-32673"/>
-          </a:schemeClr>
+          <a:srgbClr val="53585F"/>
         </a:solidFill>
         <a:effectLst/>
         <a:uFillTx/>
-        <a:latin typeface="Avenir Next Regular"/>
-        <a:ea typeface="Avenir Next Regular"/>
-        <a:cs typeface="Avenir Next Regular"/>
-        <a:sym typeface="Avenir Next Regular"/>
+        <a:latin typeface="Produkt Extralight"/>
+        <a:ea typeface="Produkt Extralight"/>
+        <a:cs typeface="Produkt Extralight"/>
+        <a:sym typeface="Produkt Extralight"/>
       </a:defRPr>
     </a:lvl2pPr>
-    <a:lvl3pPr marL="0" marR="0" indent="914400" algn="l" defTabSz="355600" rtl="0" fontAlgn="auto" latinLnBrk="0" hangingPunct="0">
+    <a:lvl3pPr marL="0" marR="0" indent="0" algn="l" defTabSz="355600" rtl="0" fontAlgn="auto" latinLnBrk="0" hangingPunct="0">
       <a:lnSpc>
         <a:spcPct val="100000"/>
       </a:lnSpc>
@@ -143,20 +137,17 @@
           <a:noFill/>
         </a:ln>
         <a:solidFill>
-          <a:schemeClr val="accent1">
-            <a:satOff val="-9155"/>
-            <a:lumOff val="-32673"/>
-          </a:schemeClr>
+          <a:srgbClr val="53585F"/>
         </a:solidFill>
         <a:effectLst/>
         <a:uFillTx/>
-        <a:latin typeface="Avenir Next Regular"/>
-        <a:ea typeface="Avenir Next Regular"/>
-        <a:cs typeface="Avenir Next Regular"/>
-        <a:sym typeface="Avenir Next Regular"/>
+        <a:latin typeface="Produkt Extralight"/>
+        <a:ea typeface="Produkt Extralight"/>
+        <a:cs typeface="Produkt Extralight"/>
+        <a:sym typeface="Produkt Extralight"/>
       </a:defRPr>
     </a:lvl3pPr>
-    <a:lvl4pPr marL="0" marR="0" indent="1371600" algn="l" defTabSz="355600" rtl="0" fontAlgn="auto" latinLnBrk="0" hangingPunct="0">
+    <a:lvl4pPr marL="0" marR="0" indent="0" algn="l" defTabSz="355600" rtl="0" fontAlgn="auto" latinLnBrk="0" hangingPunct="0">
       <a:lnSpc>
         <a:spcPct val="100000"/>
       </a:lnSpc>
@@ -176,20 +167,17 @@
           <a:noFill/>
         </a:ln>
         <a:solidFill>
-          <a:schemeClr val="accent1">
-            <a:satOff val="-9155"/>
-            <a:lumOff val="-32673"/>
-          </a:schemeClr>
+          <a:srgbClr val="53585F"/>
         </a:solidFill>
         <a:effectLst/>
         <a:uFillTx/>
-        <a:latin typeface="Avenir Next Regular"/>
-        <a:ea typeface="Avenir Next Regular"/>
-        <a:cs typeface="Avenir Next Regular"/>
-        <a:sym typeface="Avenir Next Regular"/>
+        <a:latin typeface="Produkt Extralight"/>
+        <a:ea typeface="Produkt Extralight"/>
+        <a:cs typeface="Produkt Extralight"/>
+        <a:sym typeface="Produkt Extralight"/>
       </a:defRPr>
     </a:lvl4pPr>
-    <a:lvl5pPr marL="0" marR="0" indent="1828800" algn="l" defTabSz="355600" rtl="0" fontAlgn="auto" latinLnBrk="0" hangingPunct="0">
+    <a:lvl5pPr marL="0" marR="0" indent="0" algn="l" defTabSz="355600" rtl="0" fontAlgn="auto" latinLnBrk="0" hangingPunct="0">
       <a:lnSpc>
         <a:spcPct val="100000"/>
       </a:lnSpc>
@@ -209,20 +197,17 @@
           <a:noFill/>
         </a:ln>
         <a:solidFill>
-          <a:schemeClr val="accent1">
-            <a:satOff val="-9155"/>
-            <a:lumOff val="-32673"/>
-          </a:schemeClr>
+          <a:srgbClr val="53585F"/>
         </a:solidFill>
         <a:effectLst/>
         <a:uFillTx/>
-        <a:latin typeface="Avenir Next Regular"/>
-        <a:ea typeface="Avenir Next Regular"/>
-        <a:cs typeface="Avenir Next Regular"/>
-        <a:sym typeface="Avenir Next Regular"/>
+        <a:latin typeface="Produkt Extralight"/>
+        <a:ea typeface="Produkt Extralight"/>
+        <a:cs typeface="Produkt Extralight"/>
+        <a:sym typeface="Produkt Extralight"/>
       </a:defRPr>
     </a:lvl5pPr>
-    <a:lvl6pPr marL="0" marR="0" indent="2286000" algn="l" defTabSz="355600" rtl="0" fontAlgn="auto" latinLnBrk="0" hangingPunct="0">
+    <a:lvl6pPr marL="0" marR="0" indent="0" algn="l" defTabSz="355600" rtl="0" fontAlgn="auto" latinLnBrk="0" hangingPunct="0">
       <a:lnSpc>
         <a:spcPct val="100000"/>
       </a:lnSpc>
@@ -242,20 +227,17 @@
           <a:noFill/>
         </a:ln>
         <a:solidFill>
-          <a:schemeClr val="accent1">
-            <a:satOff val="-9155"/>
-            <a:lumOff val="-32673"/>
-          </a:schemeClr>
+          <a:srgbClr val="53585F"/>
         </a:solidFill>
         <a:effectLst/>
         <a:uFillTx/>
-        <a:latin typeface="Avenir Next Regular"/>
-        <a:ea typeface="Avenir Next Regular"/>
-        <a:cs typeface="Avenir Next Regular"/>
-        <a:sym typeface="Avenir Next Regular"/>
+        <a:latin typeface="Produkt Extralight"/>
+        <a:ea typeface="Produkt Extralight"/>
+        <a:cs typeface="Produkt Extralight"/>
+        <a:sym typeface="Produkt Extralight"/>
       </a:defRPr>
     </a:lvl6pPr>
-    <a:lvl7pPr marL="0" marR="0" indent="2743200" algn="l" defTabSz="355600" rtl="0" fontAlgn="auto" latinLnBrk="0" hangingPunct="0">
+    <a:lvl7pPr marL="0" marR="0" indent="0" algn="l" defTabSz="355600" rtl="0" fontAlgn="auto" latinLnBrk="0" hangingPunct="0">
       <a:lnSpc>
         <a:spcPct val="100000"/>
       </a:lnSpc>
@@ -275,20 +257,17 @@
           <a:noFill/>
         </a:ln>
         <a:solidFill>
-          <a:schemeClr val="accent1">
-            <a:satOff val="-9155"/>
-            <a:lumOff val="-32673"/>
-          </a:schemeClr>
+          <a:srgbClr val="53585F"/>
         </a:solidFill>
         <a:effectLst/>
         <a:uFillTx/>
-        <a:latin typeface="Avenir Next Regular"/>
-        <a:ea typeface="Avenir Next Regular"/>
-        <a:cs typeface="Avenir Next Regular"/>
-        <a:sym typeface="Avenir Next Regular"/>
+        <a:latin typeface="Produkt Extralight"/>
+        <a:ea typeface="Produkt Extralight"/>
+        <a:cs typeface="Produkt Extralight"/>
+        <a:sym typeface="Produkt Extralight"/>
       </a:defRPr>
     </a:lvl7pPr>
-    <a:lvl8pPr marL="0" marR="0" indent="3200400" algn="l" defTabSz="355600" rtl="0" fontAlgn="auto" latinLnBrk="0" hangingPunct="0">
+    <a:lvl8pPr marL="0" marR="0" indent="0" algn="l" defTabSz="355600" rtl="0" fontAlgn="auto" latinLnBrk="0" hangingPunct="0">
       <a:lnSpc>
         <a:spcPct val="100000"/>
       </a:lnSpc>
@@ -308,20 +287,17 @@
           <a:noFill/>
         </a:ln>
         <a:solidFill>
-          <a:schemeClr val="accent1">
-            <a:satOff val="-9155"/>
-            <a:lumOff val="-32673"/>
-          </a:schemeClr>
+          <a:srgbClr val="53585F"/>
         </a:solidFill>
         <a:effectLst/>
         <a:uFillTx/>
-        <a:latin typeface="Avenir Next Regular"/>
-        <a:ea typeface="Avenir Next Regular"/>
-        <a:cs typeface="Avenir Next Regular"/>
-        <a:sym typeface="Avenir Next Regular"/>
+        <a:latin typeface="Produkt Extralight"/>
+        <a:ea typeface="Produkt Extralight"/>
+        <a:cs typeface="Produkt Extralight"/>
+        <a:sym typeface="Produkt Extralight"/>
       </a:defRPr>
     </a:lvl8pPr>
-    <a:lvl9pPr marL="0" marR="0" indent="3657600" algn="l" defTabSz="355600" rtl="0" fontAlgn="auto" latinLnBrk="0" hangingPunct="0">
+    <a:lvl9pPr marL="0" marR="0" indent="0" algn="l" defTabSz="355600" rtl="0" fontAlgn="auto" latinLnBrk="0" hangingPunct="0">
       <a:lnSpc>
         <a:spcPct val="100000"/>
       </a:lnSpc>
@@ -341,17 +317,14 @@
           <a:noFill/>
         </a:ln>
         <a:solidFill>
-          <a:schemeClr val="accent1">
-            <a:satOff val="-9155"/>
-            <a:lumOff val="-32673"/>
-          </a:schemeClr>
+          <a:srgbClr val="53585F"/>
         </a:solidFill>
         <a:effectLst/>
         <a:uFillTx/>
-        <a:latin typeface="Avenir Next Regular"/>
-        <a:ea typeface="Avenir Next Regular"/>
-        <a:cs typeface="Avenir Next Regular"/>
-        <a:sym typeface="Avenir Next Regular"/>
+        <a:latin typeface="Produkt Extralight"/>
+        <a:ea typeface="Produkt Extralight"/>
+        <a:cs typeface="Produkt Extralight"/>
+        <a:sym typeface="Produkt Extralight"/>
       </a:defRPr>
     </a:lvl9pPr>
   </p:defaultTextStyle>
@@ -438,9 +411,9 @@
         <a:spcPct val="117999"/>
       </a:lnSpc>
       <a:defRPr sz="2200">
-        <a:latin typeface="Helvetica Neue"/>
-        <a:ea typeface="Helvetica Neue"/>
-        <a:cs typeface="Helvetica Neue"/>
+        <a:latin typeface="+mj-lt"/>
+        <a:ea typeface="+mj-ea"/>
+        <a:cs typeface="+mj-cs"/>
         <a:sym typeface="Helvetica Neue"/>
       </a:defRPr>
     </a:lvl1pPr>
@@ -449,9 +422,9 @@
         <a:spcPct val="117999"/>
       </a:lnSpc>
       <a:defRPr sz="2200">
-        <a:latin typeface="Helvetica Neue"/>
-        <a:ea typeface="Helvetica Neue"/>
-        <a:cs typeface="Helvetica Neue"/>
+        <a:latin typeface="+mj-lt"/>
+        <a:ea typeface="+mj-ea"/>
+        <a:cs typeface="+mj-cs"/>
         <a:sym typeface="Helvetica Neue"/>
       </a:defRPr>
     </a:lvl2pPr>
@@ -460,9 +433,9 @@
         <a:spcPct val="117999"/>
       </a:lnSpc>
       <a:defRPr sz="2200">
-        <a:latin typeface="Helvetica Neue"/>
-        <a:ea typeface="Helvetica Neue"/>
-        <a:cs typeface="Helvetica Neue"/>
+        <a:latin typeface="+mj-lt"/>
+        <a:ea typeface="+mj-ea"/>
+        <a:cs typeface="+mj-cs"/>
         <a:sym typeface="Helvetica Neue"/>
       </a:defRPr>
     </a:lvl3pPr>
@@ -471,9 +444,9 @@
         <a:spcPct val="117999"/>
       </a:lnSpc>
       <a:defRPr sz="2200">
-        <a:latin typeface="Helvetica Neue"/>
-        <a:ea typeface="Helvetica Neue"/>
-        <a:cs typeface="Helvetica Neue"/>
+        <a:latin typeface="+mj-lt"/>
+        <a:ea typeface="+mj-ea"/>
+        <a:cs typeface="+mj-cs"/>
         <a:sym typeface="Helvetica Neue"/>
       </a:defRPr>
     </a:lvl4pPr>
@@ -482,9 +455,9 @@
         <a:spcPct val="117999"/>
       </a:lnSpc>
       <a:defRPr sz="2200">
-        <a:latin typeface="Helvetica Neue"/>
-        <a:ea typeface="Helvetica Neue"/>
-        <a:cs typeface="Helvetica Neue"/>
+        <a:latin typeface="+mj-lt"/>
+        <a:ea typeface="+mj-ea"/>
+        <a:cs typeface="+mj-cs"/>
         <a:sym typeface="Helvetica Neue"/>
       </a:defRPr>
     </a:lvl5pPr>
@@ -493,9 +466,9 @@
         <a:spcPct val="117999"/>
       </a:lnSpc>
       <a:defRPr sz="2200">
-        <a:latin typeface="Helvetica Neue"/>
-        <a:ea typeface="Helvetica Neue"/>
-        <a:cs typeface="Helvetica Neue"/>
+        <a:latin typeface="+mj-lt"/>
+        <a:ea typeface="+mj-ea"/>
+        <a:cs typeface="+mj-cs"/>
         <a:sym typeface="Helvetica Neue"/>
       </a:defRPr>
     </a:lvl6pPr>
@@ -504,9 +477,9 @@
         <a:spcPct val="117999"/>
       </a:lnSpc>
       <a:defRPr sz="2200">
-        <a:latin typeface="Helvetica Neue"/>
-        <a:ea typeface="Helvetica Neue"/>
-        <a:cs typeface="Helvetica Neue"/>
+        <a:latin typeface="+mj-lt"/>
+        <a:ea typeface="+mj-ea"/>
+        <a:cs typeface="+mj-cs"/>
         <a:sym typeface="Helvetica Neue"/>
       </a:defRPr>
     </a:lvl7pPr>
@@ -515,9 +488,9 @@
         <a:spcPct val="117999"/>
       </a:lnSpc>
       <a:defRPr sz="2200">
-        <a:latin typeface="Helvetica Neue"/>
-        <a:ea typeface="Helvetica Neue"/>
-        <a:cs typeface="Helvetica Neue"/>
+        <a:latin typeface="+mj-lt"/>
+        <a:ea typeface="+mj-ea"/>
+        <a:cs typeface="+mj-cs"/>
         <a:sym typeface="Helvetica Neue"/>
       </a:defRPr>
     </a:lvl8pPr>
@@ -526,9 +499,9 @@
         <a:spcPct val="117999"/>
       </a:lnSpc>
       <a:defRPr sz="2200">
-        <a:latin typeface="Helvetica Neue"/>
-        <a:ea typeface="Helvetica Neue"/>
-        <a:cs typeface="Helvetica Neue"/>
+        <a:latin typeface="+mj-lt"/>
+        <a:ea typeface="+mj-ea"/>
+        <a:cs typeface="+mj-cs"/>
         <a:sym typeface="Helvetica Neue"/>
       </a:defRPr>
     </a:lvl9pPr>
@@ -537,7 +510,7 @@
 </file>
 
 <file path=ppt/slideLayouts/slideLayout1.xml><?xml version="1.0" encoding="utf-8"?>
-<p:sldLayout xmlns:a="http://schemas.openxmlformats.org/drawingml/2006/main" xmlns:r="http://schemas.openxmlformats.org/officeDocument/2006/relationships" xmlns:p="http://schemas.openxmlformats.org/presentationml/2006/main" xmlns:m="http://schemas.openxmlformats.org/officeDocument/2006/math" xmlns:a14="http://schemas.microsoft.com/office/drawing/2010/main" type="title" showMasterSp="1" showMasterPhAnim="1">
+<p:sldLayout xmlns:a="http://schemas.openxmlformats.org/drawingml/2006/main" xmlns:r="http://schemas.openxmlformats.org/officeDocument/2006/relationships" xmlns:p="http://schemas.openxmlformats.org/presentationml/2006/main" xmlns:m="http://schemas.openxmlformats.org/officeDocument/2006/math" xmlns:a14="http://schemas.microsoft.com/office/drawing/2010/main" type="tx" showMasterSp="1" showMasterPhAnim="1">
   <p:cSld name="Titre">
     <p:bg>
       <p:bgPr>
@@ -566,23 +539,23 @@
       </p:grpSpPr>
       <p:sp>
         <p:nvSpPr>
-          <p:cNvPr id="11" name="Auteur et date"/>
+          <p:cNvPr id="11" name="Texte niveau 1…"/>
           <p:cNvSpPr txBox="1"/>
           <p:nvPr>
-            <p:ph type="body" sz="quarter" idx="21" hasCustomPrompt="1"/>
+            <p:ph type="body" sz="quarter" idx="1" hasCustomPrompt="1"/>
           </p:nvPr>
         </p:nvSpPr>
         <p:spPr>
           <a:xfrm>
             <a:off x="1206500" y="12268950"/>
-            <a:ext cx="21971000" cy="660401"/>
-          </a:xfrm>
-          <a:prstGeom prst="rect">
-            <a:avLst/>
-          </a:prstGeom>
-        </p:spPr>
-        <p:txBody>
-          <a:bodyPr lIns="45719" tIns="45719" rIns="45719" bIns="45719" anchor="b"/>
+            <a:ext cx="21971000" cy="660402"/>
+          </a:xfrm>
+          <a:prstGeom prst="rect">
+            <a:avLst/>
+          </a:prstGeom>
+        </p:spPr>
+        <p:txBody>
+          <a:bodyPr lIns="45718" tIns="45718" rIns="45718" bIns="45718" anchor="b"/>
           <a:lstStyle>
             <a:lvl1pPr marL="0" indent="0" defTabSz="825500">
               <a:spcBef>
@@ -597,11 +570,79 @@
                 <a:sym typeface="Produkt Light"/>
               </a:defRPr>
             </a:lvl1pPr>
+            <a:lvl2pPr marL="834389" indent="-377189" defTabSz="825500">
+              <a:spcBef>
+                <a:spcPts val="0"/>
+              </a:spcBef>
+              <a:defRPr sz="3300">
+                <a:latin typeface="Produkt Light"/>
+                <a:ea typeface="Produkt Light"/>
+                <a:cs typeface="Produkt Light"/>
+                <a:sym typeface="Produkt Light"/>
+              </a:defRPr>
+            </a:lvl2pPr>
+            <a:lvl3pPr marL="1291589" indent="-377189" defTabSz="825500">
+              <a:spcBef>
+                <a:spcPts val="0"/>
+              </a:spcBef>
+              <a:defRPr sz="3300">
+                <a:latin typeface="Produkt Light"/>
+                <a:ea typeface="Produkt Light"/>
+                <a:cs typeface="Produkt Light"/>
+                <a:sym typeface="Produkt Light"/>
+              </a:defRPr>
+            </a:lvl3pPr>
+            <a:lvl4pPr marL="1748789" indent="-377189" defTabSz="825500">
+              <a:spcBef>
+                <a:spcPts val="0"/>
+              </a:spcBef>
+              <a:defRPr sz="3300">
+                <a:latin typeface="Produkt Light"/>
+                <a:ea typeface="Produkt Light"/>
+                <a:cs typeface="Produkt Light"/>
+                <a:sym typeface="Produkt Light"/>
+              </a:defRPr>
+            </a:lvl4pPr>
+            <a:lvl5pPr marL="2205989" indent="-377189" defTabSz="825500">
+              <a:spcBef>
+                <a:spcPts val="0"/>
+              </a:spcBef>
+              <a:defRPr sz="3300">
+                <a:latin typeface="Produkt Light"/>
+                <a:ea typeface="Produkt Light"/>
+                <a:cs typeface="Produkt Light"/>
+                <a:sym typeface="Produkt Light"/>
+              </a:defRPr>
+            </a:lvl5pPr>
           </a:lstStyle>
           <a:p>
             <a:pPr/>
             <a:r>
               <a:t>Auteur et date</a:t>
+            </a:r>
+          </a:p>
+          <a:p>
+            <a:pPr lvl="1"/>
+            <a:r>
+              <a:t/>
+            </a:r>
+          </a:p>
+          <a:p>
+            <a:pPr lvl="2"/>
+            <a:r>
+              <a:t/>
+            </a:r>
+          </a:p>
+          <a:p>
+            <a:pPr lvl="3"/>
+            <a:r>
+              <a:t/>
+            </a:r>
+          </a:p>
+          <a:p>
+            <a:pPr lvl="4"/>
+            <a:r>
+              <a:t/>
             </a:r>
           </a:p>
         </p:txBody>
@@ -611,7 +652,7 @@
           <p:cNvPr id="12" name="Texte niveau 1…"/>
           <p:cNvSpPr txBox="1"/>
           <p:nvPr>
-            <p:ph type="body" sz="quarter" idx="1" hasCustomPrompt="1"/>
+            <p:ph type="body" sz="quarter" idx="21" hasCustomPrompt="1"/>
           </p:nvPr>
         </p:nvSpPr>
         <p:spPr>
@@ -633,93 +674,17 @@
               <a:buSzTx/>
               <a:buNone/>
               <a:defRPr sz="5500">
-                <a:latin typeface="+mn-lt"/>
-                <a:ea typeface="+mn-ea"/>
-                <a:cs typeface="+mn-cs"/>
+                <a:latin typeface="Produkt Extralight"/>
+                <a:ea typeface="Produkt Extralight"/>
+                <a:cs typeface="Produkt Extralight"/>
                 <a:sym typeface="Produkt Extralight"/>
               </a:defRPr>
             </a:lvl1pPr>
-            <a:lvl2pPr marL="0" indent="457200" defTabSz="825500">
-              <a:spcBef>
-                <a:spcPts val="0"/>
-              </a:spcBef>
-              <a:buSzTx/>
-              <a:buNone/>
-              <a:defRPr sz="5500">
-                <a:latin typeface="+mn-lt"/>
-                <a:ea typeface="+mn-ea"/>
-                <a:cs typeface="+mn-cs"/>
-                <a:sym typeface="Produkt Extralight"/>
-              </a:defRPr>
-            </a:lvl2pPr>
-            <a:lvl3pPr marL="0" indent="914400" defTabSz="825500">
-              <a:spcBef>
-                <a:spcPts val="0"/>
-              </a:spcBef>
-              <a:buSzTx/>
-              <a:buNone/>
-              <a:defRPr sz="5500">
-                <a:latin typeface="+mn-lt"/>
-                <a:ea typeface="+mn-ea"/>
-                <a:cs typeface="+mn-cs"/>
-                <a:sym typeface="Produkt Extralight"/>
-              </a:defRPr>
-            </a:lvl3pPr>
-            <a:lvl4pPr marL="0" indent="1371600" defTabSz="825500">
-              <a:spcBef>
-                <a:spcPts val="0"/>
-              </a:spcBef>
-              <a:buSzTx/>
-              <a:buNone/>
-              <a:defRPr sz="5500">
-                <a:latin typeface="+mn-lt"/>
-                <a:ea typeface="+mn-ea"/>
-                <a:cs typeface="+mn-cs"/>
-                <a:sym typeface="Produkt Extralight"/>
-              </a:defRPr>
-            </a:lvl4pPr>
-            <a:lvl5pPr marL="0" indent="1828800" defTabSz="825500">
-              <a:spcBef>
-                <a:spcPts val="0"/>
-              </a:spcBef>
-              <a:buSzTx/>
-              <a:buNone/>
-              <a:defRPr sz="5500">
-                <a:latin typeface="+mn-lt"/>
-                <a:ea typeface="+mn-ea"/>
-                <a:cs typeface="+mn-cs"/>
-                <a:sym typeface="Produkt Extralight"/>
-              </a:defRPr>
-            </a:lvl5pPr>
           </a:lstStyle>
           <a:p>
             <a:pPr/>
             <a:r>
               <a:t>Sous-titre de la présentation</a:t>
-            </a:r>
-          </a:p>
-          <a:p>
-            <a:pPr lvl="1"/>
-            <a:r>
-              <a:t/>
-            </a:r>
-          </a:p>
-          <a:p>
-            <a:pPr lvl="2"/>
-            <a:r>
-              <a:t/>
-            </a:r>
-          </a:p>
-          <a:p>
-            <a:pPr lvl="3"/>
-            <a:r>
-              <a:t/>
-            </a:r>
-          </a:p>
-          <a:p>
-            <a:pPr lvl="4"/>
-            <a:r>
-              <a:t/>
             </a:r>
           </a:p>
         </p:txBody>
@@ -735,7 +700,7 @@
         <p:spPr>
           <a:xfrm>
             <a:off x="1206500" y="2616200"/>
-            <a:ext cx="21971004" cy="4648200"/>
+            <a:ext cx="21971005" cy="4648200"/>
           </a:xfrm>
           <a:prstGeom prst="rect">
             <a:avLst/>
@@ -810,10 +775,10 @@
       </p:grpSpPr>
       <p:sp>
         <p:nvSpPr>
-          <p:cNvPr id="99" name="Sous-titre de diapositive"/>
+          <p:cNvPr id="99" name="Texte niveau 1…"/>
           <p:cNvSpPr txBox="1"/>
           <p:nvPr>
-            <p:ph type="body" sz="quarter" idx="21" hasCustomPrompt="1"/>
+            <p:ph type="body" sz="quarter" idx="1" hasCustomPrompt="1"/>
           </p:nvPr>
         </p:nvSpPr>
         <p:spPr>
@@ -826,7 +791,7 @@
           </a:prstGeom>
         </p:spPr>
         <p:txBody>
-          <a:bodyPr lIns="45719" tIns="45719" rIns="45719" bIns="45719"/>
+          <a:bodyPr lIns="45718" tIns="45718" rIns="45718" bIns="45718"/>
           <a:lstStyle>
             <a:lvl1pPr marL="0" indent="0" defTabSz="825500">
               <a:spcBef>
@@ -835,17 +800,85 @@
               <a:buSzTx/>
               <a:buNone/>
               <a:defRPr sz="5500">
-                <a:latin typeface="+mn-lt"/>
-                <a:ea typeface="+mn-ea"/>
-                <a:cs typeface="+mn-cs"/>
+                <a:latin typeface="Produkt Extralight"/>
+                <a:ea typeface="Produkt Extralight"/>
+                <a:cs typeface="Produkt Extralight"/>
                 <a:sym typeface="Produkt Extralight"/>
               </a:defRPr>
             </a:lvl1pPr>
+            <a:lvl2pPr marL="1085850" indent="-628650" defTabSz="825500">
+              <a:spcBef>
+                <a:spcPts val="0"/>
+              </a:spcBef>
+              <a:defRPr sz="5500">
+                <a:latin typeface="Produkt Extralight"/>
+                <a:ea typeface="Produkt Extralight"/>
+                <a:cs typeface="Produkt Extralight"/>
+                <a:sym typeface="Produkt Extralight"/>
+              </a:defRPr>
+            </a:lvl2pPr>
+            <a:lvl3pPr marL="1543050" indent="-628650" defTabSz="825500">
+              <a:spcBef>
+                <a:spcPts val="0"/>
+              </a:spcBef>
+              <a:defRPr sz="5500">
+                <a:latin typeface="Produkt Extralight"/>
+                <a:ea typeface="Produkt Extralight"/>
+                <a:cs typeface="Produkt Extralight"/>
+                <a:sym typeface="Produkt Extralight"/>
+              </a:defRPr>
+            </a:lvl3pPr>
+            <a:lvl4pPr marL="2000250" indent="-628650" defTabSz="825500">
+              <a:spcBef>
+                <a:spcPts val="0"/>
+              </a:spcBef>
+              <a:defRPr sz="5500">
+                <a:latin typeface="Produkt Extralight"/>
+                <a:ea typeface="Produkt Extralight"/>
+                <a:cs typeface="Produkt Extralight"/>
+                <a:sym typeface="Produkt Extralight"/>
+              </a:defRPr>
+            </a:lvl4pPr>
+            <a:lvl5pPr marL="2457450" indent="-628650" defTabSz="825500">
+              <a:spcBef>
+                <a:spcPts val="0"/>
+              </a:spcBef>
+              <a:defRPr sz="5500">
+                <a:latin typeface="Produkt Extralight"/>
+                <a:ea typeface="Produkt Extralight"/>
+                <a:cs typeface="Produkt Extralight"/>
+                <a:sym typeface="Produkt Extralight"/>
+              </a:defRPr>
+            </a:lvl5pPr>
           </a:lstStyle>
           <a:p>
             <a:pPr/>
             <a:r>
               <a:t>Sous-titre de diapositive</a:t>
+            </a:r>
+          </a:p>
+          <a:p>
+            <a:pPr lvl="1"/>
+            <a:r>
+              <a:t/>
+            </a:r>
+          </a:p>
+          <a:p>
+            <a:pPr lvl="2"/>
+            <a:r>
+              <a:t/>
+            </a:r>
+          </a:p>
+          <a:p>
+            <a:pPr lvl="3"/>
+            <a:r>
+              <a:t/>
+            </a:r>
+          </a:p>
+          <a:p>
+            <a:pPr lvl="4"/>
+            <a:r>
+              <a:t/>
             </a:r>
           </a:p>
         </p:txBody>
@@ -859,6 +892,10 @@
           </p:nvPr>
         </p:nvSpPr>
         <p:spPr>
+          <a:xfrm>
+            <a:off x="1206500" y="635000"/>
+            <a:ext cx="21971000" cy="1689100"/>
+          </a:xfrm>
           <a:prstGeom prst="rect">
             <a:avLst/>
           </a:prstGeom>
@@ -924,10 +961,10 @@
       </p:grpSpPr>
       <p:sp>
         <p:nvSpPr>
-          <p:cNvPr id="108" name="Sous-titre de l’ordre du jour"/>
+          <p:cNvPr id="108" name="Texte niveau 1…"/>
           <p:cNvSpPr txBox="1"/>
           <p:nvPr>
-            <p:ph type="body" sz="quarter" idx="21" hasCustomPrompt="1"/>
+            <p:ph type="body" sz="quarter" idx="1" hasCustomPrompt="1"/>
           </p:nvPr>
         </p:nvSpPr>
         <p:spPr>
@@ -940,7 +977,7 @@
           </a:prstGeom>
         </p:spPr>
         <p:txBody>
-          <a:bodyPr lIns="45719" tIns="45719" rIns="45719" bIns="45719"/>
+          <a:bodyPr lIns="45718" tIns="45718" rIns="45718" bIns="45718"/>
           <a:lstStyle>
             <a:lvl1pPr marL="0" indent="0" defTabSz="825500">
               <a:spcBef>
@@ -949,17 +986,85 @@
               <a:buSzTx/>
               <a:buNone/>
               <a:defRPr sz="5500">
-                <a:latin typeface="+mn-lt"/>
-                <a:ea typeface="+mn-ea"/>
-                <a:cs typeface="+mn-cs"/>
+                <a:latin typeface="Produkt Extralight"/>
+                <a:ea typeface="Produkt Extralight"/>
+                <a:cs typeface="Produkt Extralight"/>
                 <a:sym typeface="Produkt Extralight"/>
               </a:defRPr>
             </a:lvl1pPr>
+            <a:lvl2pPr marL="1085850" indent="-628650" defTabSz="825500">
+              <a:spcBef>
+                <a:spcPts val="0"/>
+              </a:spcBef>
+              <a:defRPr sz="5500">
+                <a:latin typeface="Produkt Extralight"/>
+                <a:ea typeface="Produkt Extralight"/>
+                <a:cs typeface="Produkt Extralight"/>
+                <a:sym typeface="Produkt Extralight"/>
+              </a:defRPr>
+            </a:lvl2pPr>
+            <a:lvl3pPr marL="1543050" indent="-628650" defTabSz="825500">
+              <a:spcBef>
+                <a:spcPts val="0"/>
+              </a:spcBef>
+              <a:defRPr sz="5500">
+                <a:latin typeface="Produkt Extralight"/>
+                <a:ea typeface="Produkt Extralight"/>
+                <a:cs typeface="Produkt Extralight"/>
+                <a:sym typeface="Produkt Extralight"/>
+              </a:defRPr>
+            </a:lvl3pPr>
+            <a:lvl4pPr marL="2000250" indent="-628650" defTabSz="825500">
+              <a:spcBef>
+                <a:spcPts val="0"/>
+              </a:spcBef>
+              <a:defRPr sz="5500">
+                <a:latin typeface="Produkt Extralight"/>
+                <a:ea typeface="Produkt Extralight"/>
+                <a:cs typeface="Produkt Extralight"/>
+                <a:sym typeface="Produkt Extralight"/>
+              </a:defRPr>
+            </a:lvl4pPr>
+            <a:lvl5pPr marL="2457450" indent="-628650" defTabSz="825500">
+              <a:spcBef>
+                <a:spcPts val="0"/>
+              </a:spcBef>
+              <a:defRPr sz="5500">
+                <a:latin typeface="Produkt Extralight"/>
+                <a:ea typeface="Produkt Extralight"/>
+                <a:cs typeface="Produkt Extralight"/>
+                <a:sym typeface="Produkt Extralight"/>
+              </a:defRPr>
+            </a:lvl5pPr>
           </a:lstStyle>
           <a:p>
             <a:pPr/>
             <a:r>
               <a:t>Sous-titre de l’ordre du jour</a:t>
+            </a:r>
+          </a:p>
+          <a:p>
+            <a:pPr lvl="1"/>
+            <a:r>
+              <a:t/>
+            </a:r>
+          </a:p>
+          <a:p>
+            <a:pPr lvl="2"/>
+            <a:r>
+              <a:t/>
+            </a:r>
+          </a:p>
+          <a:p>
+            <a:pPr lvl="3"/>
+            <a:r>
+              <a:t/>
+            </a:r>
+          </a:p>
+          <a:p>
+            <a:pPr lvl="4"/>
+            <a:r>
+              <a:t/>
             </a:r>
           </a:p>
         </p:txBody>
@@ -969,10 +1074,14 @@
           <p:cNvPr id="109" name="Texte niveau 1…"/>
           <p:cNvSpPr txBox="1"/>
           <p:nvPr>
-            <p:ph type="body" idx="1" hasCustomPrompt="1"/>
-          </p:nvPr>
-        </p:nvSpPr>
-        <p:spPr>
+            <p:ph type="body" idx="21" hasCustomPrompt="1"/>
+          </p:nvPr>
+        </p:nvSpPr>
+        <p:spPr>
+          <a:xfrm>
+            <a:off x="1206500" y="4248503"/>
+            <a:ext cx="21971000" cy="8256014"/>
+          </a:xfrm>
           <a:prstGeom prst="rect">
             <a:avLst/>
           </a:prstGeom>
@@ -988,67 +1097,11 @@
               <a:buNone/>
               <a:defRPr sz="5000"/>
             </a:lvl1pPr>
-            <a:lvl2pPr marL="0" indent="457200">
-              <a:spcBef>
-                <a:spcPts val="6000"/>
-              </a:spcBef>
-              <a:buSzTx/>
-              <a:buNone/>
-              <a:defRPr sz="5000"/>
-            </a:lvl2pPr>
-            <a:lvl3pPr marL="0" indent="914400">
-              <a:spcBef>
-                <a:spcPts val="6000"/>
-              </a:spcBef>
-              <a:buSzTx/>
-              <a:buNone/>
-              <a:defRPr sz="5000"/>
-            </a:lvl3pPr>
-            <a:lvl4pPr marL="0" indent="1371600">
-              <a:spcBef>
-                <a:spcPts val="6000"/>
-              </a:spcBef>
-              <a:buSzTx/>
-              <a:buNone/>
-              <a:defRPr sz="5000"/>
-            </a:lvl4pPr>
-            <a:lvl5pPr marL="0" indent="1828800">
-              <a:spcBef>
-                <a:spcPts val="6000"/>
-              </a:spcBef>
-              <a:buSzTx/>
-              <a:buNone/>
-              <a:defRPr sz="5000"/>
-            </a:lvl5pPr>
           </a:lstStyle>
           <a:p>
             <a:pPr/>
             <a:r>
               <a:t>Rubriques de l’ordre du jour</a:t>
-            </a:r>
-          </a:p>
-          <a:p>
-            <a:pPr lvl="1"/>
-            <a:r>
-              <a:t/>
-            </a:r>
-          </a:p>
-          <a:p>
-            <a:pPr lvl="2"/>
-            <a:r>
-              <a:t/>
-            </a:r>
-          </a:p>
-          <a:p>
-            <a:pPr lvl="3"/>
-            <a:r>
-              <a:t/>
-            </a:r>
-          </a:p>
-          <a:p>
-            <a:pPr lvl="4"/>
-            <a:r>
-              <a:t/>
             </a:r>
           </a:p>
         </p:txBody>
@@ -1062,6 +1115,10 @@
           </p:nvPr>
         </p:nvSpPr>
         <p:spPr>
+          <a:xfrm>
+            <a:off x="1206500" y="635000"/>
+            <a:ext cx="21971000" cy="1689100"/>
+          </a:xfrm>
           <a:prstGeom prst="rect">
             <a:avLst/>
           </a:prstGeom>
@@ -1166,13 +1223,13 @@
               <a:buSzTx/>
               <a:buNone/>
               <a:defRPr spc="-119" sz="12000">
-                <a:latin typeface="+mn-lt"/>
-                <a:ea typeface="+mn-ea"/>
-                <a:cs typeface="+mn-cs"/>
+                <a:latin typeface="Produkt Extralight"/>
+                <a:ea typeface="Produkt Extralight"/>
+                <a:cs typeface="Produkt Extralight"/>
                 <a:sym typeface="Produkt Extralight"/>
               </a:defRPr>
             </a:lvl1pPr>
-            <a:lvl2pPr marL="0" indent="457200" algn="ctr" defTabSz="2438400">
+            <a:lvl2pPr marL="0" indent="0" algn="ctr" defTabSz="2438400">
               <a:lnSpc>
                 <a:spcPct val="90000"/>
               </a:lnSpc>
@@ -1182,13 +1239,13 @@
               <a:buSzTx/>
               <a:buNone/>
               <a:defRPr spc="-119" sz="12000">
-                <a:latin typeface="+mn-lt"/>
-                <a:ea typeface="+mn-ea"/>
-                <a:cs typeface="+mn-cs"/>
+                <a:latin typeface="Produkt Extralight"/>
+                <a:ea typeface="Produkt Extralight"/>
+                <a:cs typeface="Produkt Extralight"/>
                 <a:sym typeface="Produkt Extralight"/>
               </a:defRPr>
             </a:lvl2pPr>
-            <a:lvl3pPr marL="0" indent="914400" algn="ctr" defTabSz="2438400">
+            <a:lvl3pPr marL="0" indent="0" algn="ctr" defTabSz="2438400">
               <a:lnSpc>
                 <a:spcPct val="90000"/>
               </a:lnSpc>
@@ -1198,13 +1255,13 @@
               <a:buSzTx/>
               <a:buNone/>
               <a:defRPr spc="-119" sz="12000">
-                <a:latin typeface="+mn-lt"/>
-                <a:ea typeface="+mn-ea"/>
-                <a:cs typeface="+mn-cs"/>
+                <a:latin typeface="Produkt Extralight"/>
+                <a:ea typeface="Produkt Extralight"/>
+                <a:cs typeface="Produkt Extralight"/>
                 <a:sym typeface="Produkt Extralight"/>
               </a:defRPr>
             </a:lvl3pPr>
-            <a:lvl4pPr marL="0" indent="1371600" algn="ctr" defTabSz="2438400">
+            <a:lvl4pPr marL="0" indent="0" algn="ctr" defTabSz="2438400">
               <a:lnSpc>
                 <a:spcPct val="90000"/>
               </a:lnSpc>
@@ -1214,13 +1271,13 @@
               <a:buSzTx/>
               <a:buNone/>
               <a:defRPr spc="-119" sz="12000">
-                <a:latin typeface="+mn-lt"/>
-                <a:ea typeface="+mn-ea"/>
-                <a:cs typeface="+mn-cs"/>
+                <a:latin typeface="Produkt Extralight"/>
+                <a:ea typeface="Produkt Extralight"/>
+                <a:cs typeface="Produkt Extralight"/>
                 <a:sym typeface="Produkt Extralight"/>
               </a:defRPr>
             </a:lvl4pPr>
-            <a:lvl5pPr marL="0" indent="1828800" algn="ctr" defTabSz="2438400">
+            <a:lvl5pPr marL="0" indent="0" algn="ctr" defTabSz="2438400">
               <a:lnSpc>
                 <a:spcPct val="90000"/>
               </a:lnSpc>
@@ -1230,9 +1287,9 @@
               <a:buSzTx/>
               <a:buNone/>
               <a:defRPr spc="-119" sz="12000">
-                <a:latin typeface="+mn-lt"/>
-                <a:ea typeface="+mn-ea"/>
-                <a:cs typeface="+mn-cs"/>
+                <a:latin typeface="Produkt Extralight"/>
+                <a:ea typeface="Produkt Extralight"/>
+                <a:cs typeface="Produkt Extralight"/>
                 <a:sym typeface="Produkt Extralight"/>
               </a:defRPr>
             </a:lvl5pPr>
@@ -1358,13 +1415,13 @@
               <a:buSzTx/>
               <a:buNone/>
               <a:defRPr spc="-1750" sz="35000">
-                <a:latin typeface="+mn-lt"/>
-                <a:ea typeface="+mn-ea"/>
-                <a:cs typeface="+mn-cs"/>
+                <a:latin typeface="Produkt Extralight"/>
+                <a:ea typeface="Produkt Extralight"/>
+                <a:cs typeface="Produkt Extralight"/>
                 <a:sym typeface="Produkt Extralight"/>
               </a:defRPr>
             </a:lvl1pPr>
-            <a:lvl2pPr marL="0" indent="457200" algn="ctr" defTabSz="2438400">
+            <a:lvl2pPr marL="0" indent="0" algn="ctr" defTabSz="2438400">
               <a:lnSpc>
                 <a:spcPct val="90000"/>
               </a:lnSpc>
@@ -1374,13 +1431,13 @@
               <a:buSzTx/>
               <a:buNone/>
               <a:defRPr spc="-1750" sz="35000">
-                <a:latin typeface="+mn-lt"/>
-                <a:ea typeface="+mn-ea"/>
-                <a:cs typeface="+mn-cs"/>
+                <a:latin typeface="Produkt Extralight"/>
+                <a:ea typeface="Produkt Extralight"/>
+                <a:cs typeface="Produkt Extralight"/>
                 <a:sym typeface="Produkt Extralight"/>
               </a:defRPr>
             </a:lvl2pPr>
-            <a:lvl3pPr marL="0" indent="914400" algn="ctr" defTabSz="2438400">
+            <a:lvl3pPr marL="0" indent="0" algn="ctr" defTabSz="2438400">
               <a:lnSpc>
                 <a:spcPct val="90000"/>
               </a:lnSpc>
@@ -1390,13 +1447,13 @@
               <a:buSzTx/>
               <a:buNone/>
               <a:defRPr spc="-1750" sz="35000">
-                <a:latin typeface="+mn-lt"/>
-                <a:ea typeface="+mn-ea"/>
-                <a:cs typeface="+mn-cs"/>
+                <a:latin typeface="Produkt Extralight"/>
+                <a:ea typeface="Produkt Extralight"/>
+                <a:cs typeface="Produkt Extralight"/>
                 <a:sym typeface="Produkt Extralight"/>
               </a:defRPr>
             </a:lvl3pPr>
-            <a:lvl4pPr marL="0" indent="1371600" algn="ctr" defTabSz="2438400">
+            <a:lvl4pPr marL="0" indent="0" algn="ctr" defTabSz="2438400">
               <a:lnSpc>
                 <a:spcPct val="90000"/>
               </a:lnSpc>
@@ -1406,13 +1463,13 @@
               <a:buSzTx/>
               <a:buNone/>
               <a:defRPr spc="-1750" sz="35000">
-                <a:latin typeface="+mn-lt"/>
-                <a:ea typeface="+mn-ea"/>
-                <a:cs typeface="+mn-cs"/>
+                <a:latin typeface="Produkt Extralight"/>
+                <a:ea typeface="Produkt Extralight"/>
+                <a:cs typeface="Produkt Extralight"/>
                 <a:sym typeface="Produkt Extralight"/>
               </a:defRPr>
             </a:lvl4pPr>
-            <a:lvl5pPr marL="0" indent="1828800" algn="ctr" defTabSz="2438400">
+            <a:lvl5pPr marL="0" indent="0" algn="ctr" defTabSz="2438400">
               <a:lnSpc>
                 <a:spcPct val="90000"/>
               </a:lnSpc>
@@ -1422,9 +1479,9 @@
               <a:buSzTx/>
               <a:buNone/>
               <a:defRPr spc="-1750" sz="35000">
-                <a:latin typeface="+mn-lt"/>
-                <a:ea typeface="+mn-ea"/>
-                <a:cs typeface="+mn-cs"/>
+                <a:latin typeface="Produkt Extralight"/>
+                <a:ea typeface="Produkt Extralight"/>
+                <a:cs typeface="Produkt Extralight"/>
                 <a:sym typeface="Produkt Extralight"/>
               </a:defRPr>
             </a:lvl5pPr>
@@ -1479,7 +1536,7 @@
           </a:prstGeom>
         </p:spPr>
         <p:txBody>
-          <a:bodyPr lIns="45719" tIns="45719" rIns="45719" bIns="45719"/>
+          <a:bodyPr lIns="45718" tIns="45718" rIns="45718" bIns="45718"/>
           <a:lstStyle>
             <a:lvl1pPr marL="0" indent="0" algn="ctr" defTabSz="825500">
               <a:lnSpc>
@@ -1490,10 +1547,10 @@
               </a:spcBef>
               <a:buSzTx/>
               <a:buNone/>
-              <a:defRPr spc="-55" sz="5500">
-                <a:latin typeface="+mn-lt"/>
-                <a:ea typeface="+mn-ea"/>
-                <a:cs typeface="+mn-cs"/>
+              <a:defRPr spc="-99" sz="5500">
+                <a:latin typeface="Produkt Extralight"/>
+                <a:ea typeface="Produkt Extralight"/>
+                <a:cs typeface="Produkt Extralight"/>
                 <a:sym typeface="Produkt Extralight"/>
               </a:defRPr>
             </a:lvl1pPr>
@@ -1567,10 +1624,10 @@
       </p:grpSpPr>
       <p:sp>
         <p:nvSpPr>
-          <p:cNvPr id="135" name="Attribution"/>
+          <p:cNvPr id="135" name="Texte niveau 1…"/>
           <p:cNvSpPr txBox="1"/>
           <p:nvPr>
-            <p:ph type="body" sz="quarter" idx="21" hasCustomPrompt="1"/>
+            <p:ph type="body" sz="quarter" idx="1" hasCustomPrompt="1"/>
           </p:nvPr>
         </p:nvSpPr>
         <p:spPr>
@@ -1583,7 +1640,7 @@
           </a:prstGeom>
         </p:spPr>
         <p:txBody>
-          <a:bodyPr lIns="45719" tIns="45719" rIns="45719" bIns="45719"/>
+          <a:bodyPr lIns="45718" tIns="45718" rIns="45718" bIns="45718"/>
           <a:lstStyle>
             <a:lvl1pPr marL="0" indent="0" defTabSz="825500">
               <a:spcBef>
@@ -1598,11 +1655,79 @@
                 <a:sym typeface="Produkt Light"/>
               </a:defRPr>
             </a:lvl1pPr>
+            <a:lvl2pPr marL="868679" indent="-411479" defTabSz="825500">
+              <a:spcBef>
+                <a:spcPts val="0"/>
+              </a:spcBef>
+              <a:defRPr sz="3600">
+                <a:latin typeface="Produkt Light"/>
+                <a:ea typeface="Produkt Light"/>
+                <a:cs typeface="Produkt Light"/>
+                <a:sym typeface="Produkt Light"/>
+              </a:defRPr>
+            </a:lvl2pPr>
+            <a:lvl3pPr marL="1325879" indent="-411479" defTabSz="825500">
+              <a:spcBef>
+                <a:spcPts val="0"/>
+              </a:spcBef>
+              <a:defRPr sz="3600">
+                <a:latin typeface="Produkt Light"/>
+                <a:ea typeface="Produkt Light"/>
+                <a:cs typeface="Produkt Light"/>
+                <a:sym typeface="Produkt Light"/>
+              </a:defRPr>
+            </a:lvl3pPr>
+            <a:lvl4pPr marL="1783079" indent="-411479" defTabSz="825500">
+              <a:spcBef>
+                <a:spcPts val="0"/>
+              </a:spcBef>
+              <a:defRPr sz="3600">
+                <a:latin typeface="Produkt Light"/>
+                <a:ea typeface="Produkt Light"/>
+                <a:cs typeface="Produkt Light"/>
+                <a:sym typeface="Produkt Light"/>
+              </a:defRPr>
+            </a:lvl4pPr>
+            <a:lvl5pPr marL="2240279" indent="-411479" defTabSz="825500">
+              <a:spcBef>
+                <a:spcPts val="0"/>
+              </a:spcBef>
+              <a:defRPr sz="3600">
+                <a:latin typeface="Produkt Light"/>
+                <a:ea typeface="Produkt Light"/>
+                <a:cs typeface="Produkt Light"/>
+                <a:sym typeface="Produkt Light"/>
+              </a:defRPr>
+            </a:lvl5pPr>
           </a:lstStyle>
           <a:p>
             <a:pPr/>
             <a:r>
               <a:t>Attribution</a:t>
+            </a:r>
+          </a:p>
+          <a:p>
+            <a:pPr lvl="1"/>
+            <a:r>
+              <a:t/>
+            </a:r>
+          </a:p>
+          <a:p>
+            <a:pPr lvl="2"/>
+            <a:r>
+              <a:t/>
+            </a:r>
+          </a:p>
+          <a:p>
+            <a:pPr lvl="3"/>
+            <a:r>
+              <a:t/>
+            </a:r>
+          </a:p>
+          <a:p>
+            <a:pPr lvl="4"/>
+            <a:r>
+              <a:t/>
             </a:r>
           </a:p>
         </p:txBody>
@@ -1612,7 +1737,7 @@
           <p:cNvPr id="136" name="Texte niveau 1…"/>
           <p:cNvSpPr txBox="1"/>
           <p:nvPr>
-            <p:ph type="body" sz="quarter" idx="1" hasCustomPrompt="1"/>
+            <p:ph type="body" sz="quarter" idx="21" hasCustomPrompt="1"/>
           </p:nvPr>
         </p:nvSpPr>
         <p:spPr>
@@ -1626,8 +1751,9 @@
         </p:spPr>
         <p:txBody>
           <a:bodyPr anchor="b"/>
-          <a:lstStyle>
-            <a:lvl1pPr marL="254000" indent="-254000" defTabSz="2438400">
+          <a:lstStyle/>
+          <a:p>
+            <a:pPr lvl="4" marL="0" indent="1493520" defTabSz="1463040">
               <a:lnSpc>
                 <a:spcPct val="90000"/>
               </a:lnSpc>
@@ -1636,106 +1762,16 @@
               </a:spcBef>
               <a:buSzTx/>
               <a:buNone/>
-              <a:defRPr spc="-93" sz="9300">
-                <a:latin typeface="+mn-lt"/>
-                <a:ea typeface="+mn-ea"/>
-                <a:cs typeface="+mn-cs"/>
+              <a:defRPr spc="-60" sz="5580">
+                <a:latin typeface="Produkt Extralight"/>
+                <a:ea typeface="Produkt Extralight"/>
+                <a:cs typeface="Produkt Extralight"/>
                 <a:sym typeface="Produkt Extralight"/>
               </a:defRPr>
-            </a:lvl1pPr>
-            <a:lvl2pPr marL="254000" indent="203200" defTabSz="2438400">
-              <a:lnSpc>
-                <a:spcPct val="90000"/>
-              </a:lnSpc>
-              <a:spcBef>
-                <a:spcPts val="0"/>
-              </a:spcBef>
-              <a:buSzTx/>
-              <a:buNone/>
-              <a:defRPr spc="-93" sz="9300">
-                <a:latin typeface="+mn-lt"/>
-                <a:ea typeface="+mn-ea"/>
-                <a:cs typeface="+mn-cs"/>
-                <a:sym typeface="Produkt Extralight"/>
-              </a:defRPr>
-            </a:lvl2pPr>
-            <a:lvl3pPr marL="254000" indent="660400" defTabSz="2438400">
-              <a:lnSpc>
-                <a:spcPct val="90000"/>
-              </a:lnSpc>
-              <a:spcBef>
-                <a:spcPts val="0"/>
-              </a:spcBef>
-              <a:buSzTx/>
-              <a:buNone/>
-              <a:defRPr spc="-93" sz="9300">
-                <a:latin typeface="+mn-lt"/>
-                <a:ea typeface="+mn-ea"/>
-                <a:cs typeface="+mn-cs"/>
-                <a:sym typeface="Produkt Extralight"/>
-              </a:defRPr>
-            </a:lvl3pPr>
-            <a:lvl4pPr marL="254000" indent="1117600" defTabSz="2438400">
-              <a:lnSpc>
-                <a:spcPct val="90000"/>
-              </a:lnSpc>
-              <a:spcBef>
-                <a:spcPts val="0"/>
-              </a:spcBef>
-              <a:buSzTx/>
-              <a:buNone/>
-              <a:defRPr spc="-93" sz="9300">
-                <a:latin typeface="+mn-lt"/>
-                <a:ea typeface="+mn-ea"/>
-                <a:cs typeface="+mn-cs"/>
-                <a:sym typeface="Produkt Extralight"/>
-              </a:defRPr>
-            </a:lvl4pPr>
-            <a:lvl5pPr marL="254000" indent="1574800" defTabSz="2438400">
-              <a:lnSpc>
-                <a:spcPct val="90000"/>
-              </a:lnSpc>
-              <a:spcBef>
-                <a:spcPts val="0"/>
-              </a:spcBef>
-              <a:buSzTx/>
-              <a:buNone/>
-              <a:defRPr spc="-93" sz="9300">
-                <a:latin typeface="+mn-lt"/>
-                <a:ea typeface="+mn-ea"/>
-                <a:cs typeface="+mn-cs"/>
-                <a:sym typeface="Produkt Extralight"/>
-              </a:defRPr>
-            </a:lvl5pPr>
-          </a:lstStyle>
-          <a:p>
-            <a:pPr/>
-            <a:r>
-              <a:t>« Citation notable »</a:t>
-            </a:r>
-          </a:p>
-          <a:p>
-            <a:pPr lvl="1"/>
-            <a:r>
-              <a:t/>
-            </a:r>
-          </a:p>
-          <a:p>
-            <a:pPr lvl="2"/>
-            <a:r>
-              <a:t/>
-            </a:r>
-          </a:p>
-          <a:p>
-            <a:pPr lvl="3"/>
-            <a:r>
-              <a:t/>
-            </a:r>
-          </a:p>
-          <a:p>
-            <a:pPr lvl="4"/>
-            <a:r>
-              <a:t/>
+            </a:pPr>
+            <a:r>
+              <a:t>« Citation notable »
+</a:t>
             </a:r>
           </a:p>
         </p:txBody>
@@ -1826,7 +1862,7 @@
         <p:spPr>
           <a:xfrm>
             <a:off x="6577500" y="3632200"/>
-            <a:ext cx="11228999" cy="6451600"/>
+            <a:ext cx="11229000" cy="6451600"/>
           </a:xfrm>
           <a:prstGeom prst="rect">
             <a:avLst/>
@@ -2094,10 +2130,10 @@
       </p:sp>
       <p:sp>
         <p:nvSpPr>
-          <p:cNvPr id="22" name="Auteur et date"/>
+          <p:cNvPr id="22" name="Texte niveau 1…"/>
           <p:cNvSpPr txBox="1"/>
           <p:nvPr>
-            <p:ph type="body" sz="quarter" idx="22" hasCustomPrompt="1"/>
+            <p:ph type="body" sz="quarter" idx="1" hasCustomPrompt="1"/>
           </p:nvPr>
         </p:nvSpPr>
         <p:spPr>
@@ -2110,7 +2146,7 @@
           </a:prstGeom>
         </p:spPr>
         <p:txBody>
-          <a:bodyPr lIns="45719" tIns="45719" rIns="45719" bIns="45719" anchor="b"/>
+          <a:bodyPr lIns="45718" tIns="45718" rIns="45718" bIns="45718" anchor="b"/>
           <a:lstStyle>
             <a:lvl1pPr marL="0" indent="0" defTabSz="825500">
               <a:spcBef>
@@ -2125,11 +2161,79 @@
                 <a:sym typeface="Produkt Light"/>
               </a:defRPr>
             </a:lvl1pPr>
+            <a:lvl2pPr marL="834389" indent="-377189" defTabSz="825500">
+              <a:spcBef>
+                <a:spcPts val="0"/>
+              </a:spcBef>
+              <a:defRPr sz="3300">
+                <a:latin typeface="Produkt Light"/>
+                <a:ea typeface="Produkt Light"/>
+                <a:cs typeface="Produkt Light"/>
+                <a:sym typeface="Produkt Light"/>
+              </a:defRPr>
+            </a:lvl2pPr>
+            <a:lvl3pPr marL="1291589" indent="-377189" defTabSz="825500">
+              <a:spcBef>
+                <a:spcPts val="0"/>
+              </a:spcBef>
+              <a:defRPr sz="3300">
+                <a:latin typeface="Produkt Light"/>
+                <a:ea typeface="Produkt Light"/>
+                <a:cs typeface="Produkt Light"/>
+                <a:sym typeface="Produkt Light"/>
+              </a:defRPr>
+            </a:lvl3pPr>
+            <a:lvl4pPr marL="1748789" indent="-377189" defTabSz="825500">
+              <a:spcBef>
+                <a:spcPts val="0"/>
+              </a:spcBef>
+              <a:defRPr sz="3300">
+                <a:latin typeface="Produkt Light"/>
+                <a:ea typeface="Produkt Light"/>
+                <a:cs typeface="Produkt Light"/>
+                <a:sym typeface="Produkt Light"/>
+              </a:defRPr>
+            </a:lvl4pPr>
+            <a:lvl5pPr marL="2205989" indent="-377189" defTabSz="825500">
+              <a:spcBef>
+                <a:spcPts val="0"/>
+              </a:spcBef>
+              <a:defRPr sz="3300">
+                <a:latin typeface="Produkt Light"/>
+                <a:ea typeface="Produkt Light"/>
+                <a:cs typeface="Produkt Light"/>
+                <a:sym typeface="Produkt Light"/>
+              </a:defRPr>
+            </a:lvl5pPr>
           </a:lstStyle>
           <a:p>
             <a:pPr/>
             <a:r>
               <a:t>Auteur et date</a:t>
+            </a:r>
+          </a:p>
+          <a:p>
+            <a:pPr lvl="1"/>
+            <a:r>
+              <a:t/>
+            </a:r>
+          </a:p>
+          <a:p>
+            <a:pPr lvl="2"/>
+            <a:r>
+              <a:t/>
+            </a:r>
+          </a:p>
+          <a:p>
+            <a:pPr lvl="3"/>
+            <a:r>
+              <a:t/>
+            </a:r>
+          </a:p>
+          <a:p>
+            <a:pPr lvl="4"/>
+            <a:r>
+              <a:t/>
             </a:r>
           </a:p>
         </p:txBody>
@@ -2139,7 +2243,7 @@
           <p:cNvPr id="23" name="Texte niveau 1…"/>
           <p:cNvSpPr txBox="1"/>
           <p:nvPr>
-            <p:ph type="body" sz="quarter" idx="1" hasCustomPrompt="1"/>
+            <p:ph type="body" sz="quarter" idx="22" hasCustomPrompt="1"/>
           </p:nvPr>
         </p:nvSpPr>
         <p:spPr>
@@ -2161,93 +2265,17 @@
               <a:buSzTx/>
               <a:buNone/>
               <a:defRPr sz="5500">
-                <a:latin typeface="+mn-lt"/>
-                <a:ea typeface="+mn-ea"/>
-                <a:cs typeface="+mn-cs"/>
+                <a:latin typeface="Produkt Extralight"/>
+                <a:ea typeface="Produkt Extralight"/>
+                <a:cs typeface="Produkt Extralight"/>
                 <a:sym typeface="Produkt Extralight"/>
               </a:defRPr>
             </a:lvl1pPr>
-            <a:lvl2pPr marL="0" indent="457200" defTabSz="825500">
-              <a:spcBef>
-                <a:spcPts val="0"/>
-              </a:spcBef>
-              <a:buSzTx/>
-              <a:buNone/>
-              <a:defRPr sz="5500">
-                <a:latin typeface="+mn-lt"/>
-                <a:ea typeface="+mn-ea"/>
-                <a:cs typeface="+mn-cs"/>
-                <a:sym typeface="Produkt Extralight"/>
-              </a:defRPr>
-            </a:lvl2pPr>
-            <a:lvl3pPr marL="0" indent="914400" defTabSz="825500">
-              <a:spcBef>
-                <a:spcPts val="0"/>
-              </a:spcBef>
-              <a:buSzTx/>
-              <a:buNone/>
-              <a:defRPr sz="5500">
-                <a:latin typeface="+mn-lt"/>
-                <a:ea typeface="+mn-ea"/>
-                <a:cs typeface="+mn-cs"/>
-                <a:sym typeface="Produkt Extralight"/>
-              </a:defRPr>
-            </a:lvl3pPr>
-            <a:lvl4pPr marL="0" indent="1371600" defTabSz="825500">
-              <a:spcBef>
-                <a:spcPts val="0"/>
-              </a:spcBef>
-              <a:buSzTx/>
-              <a:buNone/>
-              <a:defRPr sz="5500">
-                <a:latin typeface="+mn-lt"/>
-                <a:ea typeface="+mn-ea"/>
-                <a:cs typeface="+mn-cs"/>
-                <a:sym typeface="Produkt Extralight"/>
-              </a:defRPr>
-            </a:lvl4pPr>
-            <a:lvl5pPr marL="0" indent="1828800" defTabSz="825500">
-              <a:spcBef>
-                <a:spcPts val="0"/>
-              </a:spcBef>
-              <a:buSzTx/>
-              <a:buNone/>
-              <a:defRPr sz="5500">
-                <a:latin typeface="+mn-lt"/>
-                <a:ea typeface="+mn-ea"/>
-                <a:cs typeface="+mn-cs"/>
-                <a:sym typeface="Produkt Extralight"/>
-              </a:defRPr>
-            </a:lvl5pPr>
           </a:lstStyle>
           <a:p>
             <a:pPr/>
             <a:r>
               <a:t>Sous-titre de la présentation</a:t>
-            </a:r>
-          </a:p>
-          <a:p>
-            <a:pPr lvl="1"/>
-            <a:r>
-              <a:t/>
-            </a:r>
-          </a:p>
-          <a:p>
-            <a:pPr lvl="2"/>
-            <a:r>
-              <a:t/>
-            </a:r>
-          </a:p>
-          <a:p>
-            <a:pPr lvl="3"/>
-            <a:r>
-              <a:t/>
-            </a:r>
-          </a:p>
-          <a:p>
-            <a:pPr lvl="4"/>
-            <a:r>
-              <a:t/>
             </a:r>
           </a:p>
         </p:txBody>
@@ -2263,7 +2291,7 @@
         <p:spPr>
           <a:xfrm>
             <a:off x="1206500" y="2616200"/>
-            <a:ext cx="21971004" cy="4648200"/>
+            <a:ext cx="21971005" cy="4648200"/>
           </a:xfrm>
           <a:prstGeom prst="rect">
             <a:avLst/>
@@ -2342,8 +2370,8 @@
         </p:nvSpPr>
         <p:spPr>
           <a:xfrm>
-            <a:off x="8140700" y="-1"/>
-            <a:ext cx="20574000" cy="13716001"/>
+            <a:off x="8140700" y="-2"/>
+            <a:ext cx="20574000" cy="13716003"/>
           </a:xfrm>
           <a:prstGeom prst="rect">
             <a:avLst/>
@@ -2370,7 +2398,7 @@
         <p:spPr>
           <a:xfrm>
             <a:off x="1206500" y="1333500"/>
-            <a:ext cx="9779000" cy="5882273"/>
+            <a:ext cx="9779000" cy="5882274"/>
           </a:xfrm>
           <a:prstGeom prst="rect">
             <a:avLst/>
@@ -2414,61 +2442,61 @@
               <a:buSzTx/>
               <a:buNone/>
               <a:defRPr sz="5500">
-                <a:latin typeface="+mn-lt"/>
-                <a:ea typeface="+mn-ea"/>
-                <a:cs typeface="+mn-cs"/>
+                <a:latin typeface="Produkt Extralight"/>
+                <a:ea typeface="Produkt Extralight"/>
+                <a:cs typeface="Produkt Extralight"/>
                 <a:sym typeface="Produkt Extralight"/>
               </a:defRPr>
             </a:lvl1pPr>
-            <a:lvl2pPr marL="0" indent="457200" defTabSz="825500">
+            <a:lvl2pPr marL="0" indent="0" defTabSz="825500">
               <a:spcBef>
                 <a:spcPts val="0"/>
               </a:spcBef>
               <a:buSzTx/>
               <a:buNone/>
               <a:defRPr sz="5500">
-                <a:latin typeface="+mn-lt"/>
-                <a:ea typeface="+mn-ea"/>
-                <a:cs typeface="+mn-cs"/>
+                <a:latin typeface="Produkt Extralight"/>
+                <a:ea typeface="Produkt Extralight"/>
+                <a:cs typeface="Produkt Extralight"/>
                 <a:sym typeface="Produkt Extralight"/>
               </a:defRPr>
             </a:lvl2pPr>
-            <a:lvl3pPr marL="0" indent="914400" defTabSz="825500">
+            <a:lvl3pPr marL="0" indent="0" defTabSz="825500">
               <a:spcBef>
                 <a:spcPts val="0"/>
               </a:spcBef>
               <a:buSzTx/>
               <a:buNone/>
               <a:defRPr sz="5500">
-                <a:latin typeface="+mn-lt"/>
-                <a:ea typeface="+mn-ea"/>
-                <a:cs typeface="+mn-cs"/>
+                <a:latin typeface="Produkt Extralight"/>
+                <a:ea typeface="Produkt Extralight"/>
+                <a:cs typeface="Produkt Extralight"/>
                 <a:sym typeface="Produkt Extralight"/>
               </a:defRPr>
             </a:lvl3pPr>
-            <a:lvl4pPr marL="0" indent="1371600" defTabSz="825500">
+            <a:lvl4pPr marL="0" indent="0" defTabSz="825500">
               <a:spcBef>
                 <a:spcPts val="0"/>
               </a:spcBef>
               <a:buSzTx/>
               <a:buNone/>
               <a:defRPr sz="5500">
-                <a:latin typeface="+mn-lt"/>
-                <a:ea typeface="+mn-ea"/>
-                <a:cs typeface="+mn-cs"/>
+                <a:latin typeface="Produkt Extralight"/>
+                <a:ea typeface="Produkt Extralight"/>
+                <a:cs typeface="Produkt Extralight"/>
                 <a:sym typeface="Produkt Extralight"/>
               </a:defRPr>
             </a:lvl4pPr>
-            <a:lvl5pPr marL="0" indent="1828800" defTabSz="825500">
+            <a:lvl5pPr marL="0" indent="0" defTabSz="825500">
               <a:spcBef>
                 <a:spcPts val="0"/>
               </a:spcBef>
               <a:buSzTx/>
               <a:buNone/>
               <a:defRPr sz="5500">
-                <a:latin typeface="+mn-lt"/>
-                <a:ea typeface="+mn-ea"/>
-                <a:cs typeface="+mn-cs"/>
+                <a:latin typeface="Produkt Extralight"/>
+                <a:ea typeface="Produkt Extralight"/>
+                <a:cs typeface="Produkt Extralight"/>
                 <a:sym typeface="Produkt Extralight"/>
               </a:defRPr>
             </a:lvl5pPr>
@@ -2555,10 +2583,10 @@
       </p:grpSpPr>
       <p:sp>
         <p:nvSpPr>
-          <p:cNvPr id="42" name="Sous-titre de diapositive"/>
+          <p:cNvPr id="42" name="Texte niveau 1…"/>
           <p:cNvSpPr txBox="1"/>
           <p:nvPr>
-            <p:ph type="body" sz="quarter" idx="21" hasCustomPrompt="1"/>
+            <p:ph type="body" sz="quarter" idx="1" hasCustomPrompt="1"/>
           </p:nvPr>
         </p:nvSpPr>
         <p:spPr>
@@ -2571,7 +2599,7 @@
           </a:prstGeom>
         </p:spPr>
         <p:txBody>
-          <a:bodyPr lIns="45719" tIns="45719" rIns="45719" bIns="45719"/>
+          <a:bodyPr lIns="45718" tIns="45718" rIns="45718" bIns="45718"/>
           <a:lstStyle>
             <a:lvl1pPr marL="0" indent="0" defTabSz="825500">
               <a:spcBef>
@@ -2580,17 +2608,85 @@
               <a:buSzTx/>
               <a:buNone/>
               <a:defRPr sz="5500">
-                <a:latin typeface="+mn-lt"/>
-                <a:ea typeface="+mn-ea"/>
-                <a:cs typeface="+mn-cs"/>
+                <a:latin typeface="Produkt Extralight"/>
+                <a:ea typeface="Produkt Extralight"/>
+                <a:cs typeface="Produkt Extralight"/>
                 <a:sym typeface="Produkt Extralight"/>
               </a:defRPr>
             </a:lvl1pPr>
+            <a:lvl2pPr marL="1085850" indent="-628650" defTabSz="825500">
+              <a:spcBef>
+                <a:spcPts val="0"/>
+              </a:spcBef>
+              <a:defRPr sz="5500">
+                <a:latin typeface="Produkt Extralight"/>
+                <a:ea typeface="Produkt Extralight"/>
+                <a:cs typeface="Produkt Extralight"/>
+                <a:sym typeface="Produkt Extralight"/>
+              </a:defRPr>
+            </a:lvl2pPr>
+            <a:lvl3pPr marL="1543050" indent="-628650" defTabSz="825500">
+              <a:spcBef>
+                <a:spcPts val="0"/>
+              </a:spcBef>
+              <a:defRPr sz="5500">
+                <a:latin typeface="Produkt Extralight"/>
+                <a:ea typeface="Produkt Extralight"/>
+                <a:cs typeface="Produkt Extralight"/>
+                <a:sym typeface="Produkt Extralight"/>
+              </a:defRPr>
+            </a:lvl3pPr>
+            <a:lvl4pPr marL="2000250" indent="-628650" defTabSz="825500">
+              <a:spcBef>
+                <a:spcPts val="0"/>
+              </a:spcBef>
+              <a:defRPr sz="5500">
+                <a:latin typeface="Produkt Extralight"/>
+                <a:ea typeface="Produkt Extralight"/>
+                <a:cs typeface="Produkt Extralight"/>
+                <a:sym typeface="Produkt Extralight"/>
+              </a:defRPr>
+            </a:lvl4pPr>
+            <a:lvl5pPr marL="2457450" indent="-628650" defTabSz="825500">
+              <a:spcBef>
+                <a:spcPts val="0"/>
+              </a:spcBef>
+              <a:defRPr sz="5500">
+                <a:latin typeface="Produkt Extralight"/>
+                <a:ea typeface="Produkt Extralight"/>
+                <a:cs typeface="Produkt Extralight"/>
+                <a:sym typeface="Produkt Extralight"/>
+              </a:defRPr>
+            </a:lvl5pPr>
           </a:lstStyle>
           <a:p>
             <a:pPr/>
             <a:r>
               <a:t>Sous-titre de diapositive</a:t>
+            </a:r>
+          </a:p>
+          <a:p>
+            <a:pPr lvl="1"/>
+            <a:r>
+              <a:t/>
+            </a:r>
+          </a:p>
+          <a:p>
+            <a:pPr lvl="2"/>
+            <a:r>
+              <a:t/>
+            </a:r>
+          </a:p>
+          <a:p>
+            <a:pPr lvl="3"/>
+            <a:r>
+              <a:t/>
+            </a:r>
+          </a:p>
+          <a:p>
+            <a:pPr lvl="4"/>
+            <a:r>
+              <a:t/>
             </a:r>
           </a:p>
         </p:txBody>
@@ -2604,6 +2700,10 @@
           </p:nvPr>
         </p:nvSpPr>
         <p:spPr>
+          <a:xfrm>
+            <a:off x="1206500" y="635000"/>
+            <a:ext cx="21971000" cy="1689100"/>
+          </a:xfrm>
           <a:prstGeom prst="rect">
             <a:avLst/>
           </a:prstGeom>
@@ -2624,10 +2724,14 @@
           <p:cNvPr id="44" name="Texte niveau 1…"/>
           <p:cNvSpPr txBox="1"/>
           <p:nvPr>
-            <p:ph type="body" idx="1" hasCustomPrompt="1"/>
-          </p:nvPr>
-        </p:nvSpPr>
-        <p:spPr>
+            <p:ph type="body" idx="21" hasCustomPrompt="1"/>
+          </p:nvPr>
+        </p:nvSpPr>
+        <p:spPr>
+          <a:xfrm>
+            <a:off x="1206500" y="4248503"/>
+            <a:ext cx="21971000" cy="8256014"/>
+          </a:xfrm>
           <a:prstGeom prst="rect">
             <a:avLst/>
           </a:prstGeom>
@@ -2639,30 +2743,6 @@
             <a:pPr/>
             <a:r>
               <a:t>Texte de puce de diapositive</a:t>
-            </a:r>
-          </a:p>
-          <a:p>
-            <a:pPr lvl="1"/>
-            <a:r>
-              <a:t/>
-            </a:r>
-          </a:p>
-          <a:p>
-            <a:pPr lvl="2"/>
-            <a:r>
-              <a:t/>
-            </a:r>
-          </a:p>
-          <a:p>
-            <a:pPr lvl="3"/>
-            <a:r>
-              <a:t/>
-            </a:r>
-          </a:p>
-          <a:p>
-            <a:pPr lvl="4"/>
-            <a:r>
-              <a:t/>
             </a:r>
           </a:p>
         </p:txBody>
@@ -2840,10 +2920,10 @@
       </p:sp>
       <p:sp>
         <p:nvSpPr>
-          <p:cNvPr id="61" name="Sous-titre de diapositive"/>
+          <p:cNvPr id="61" name="Texte niveau 1…"/>
           <p:cNvSpPr txBox="1"/>
           <p:nvPr>
-            <p:ph type="body" sz="quarter" idx="22" hasCustomPrompt="1"/>
+            <p:ph type="body" sz="quarter" idx="1" hasCustomPrompt="1"/>
           </p:nvPr>
         </p:nvSpPr>
         <p:spPr>
@@ -2856,7 +2936,7 @@
           </a:prstGeom>
         </p:spPr>
         <p:txBody>
-          <a:bodyPr lIns="45719" tIns="45719" rIns="45719" bIns="45719"/>
+          <a:bodyPr lIns="45718" tIns="45718" rIns="45718" bIns="45718"/>
           <a:lstStyle>
             <a:lvl1pPr marL="0" indent="0" defTabSz="825500">
               <a:spcBef>
@@ -2865,17 +2945,85 @@
               <a:buSzTx/>
               <a:buNone/>
               <a:defRPr sz="5500">
-                <a:latin typeface="+mn-lt"/>
-                <a:ea typeface="+mn-ea"/>
-                <a:cs typeface="+mn-cs"/>
+                <a:latin typeface="Produkt Extralight"/>
+                <a:ea typeface="Produkt Extralight"/>
+                <a:cs typeface="Produkt Extralight"/>
                 <a:sym typeface="Produkt Extralight"/>
               </a:defRPr>
             </a:lvl1pPr>
+            <a:lvl2pPr marL="1085850" indent="-628650" defTabSz="825500">
+              <a:spcBef>
+                <a:spcPts val="0"/>
+              </a:spcBef>
+              <a:defRPr sz="5500">
+                <a:latin typeface="Produkt Extralight"/>
+                <a:ea typeface="Produkt Extralight"/>
+                <a:cs typeface="Produkt Extralight"/>
+                <a:sym typeface="Produkt Extralight"/>
+              </a:defRPr>
+            </a:lvl2pPr>
+            <a:lvl3pPr marL="1543050" indent="-628650" defTabSz="825500">
+              <a:spcBef>
+                <a:spcPts val="0"/>
+              </a:spcBef>
+              <a:defRPr sz="5500">
+                <a:latin typeface="Produkt Extralight"/>
+                <a:ea typeface="Produkt Extralight"/>
+                <a:cs typeface="Produkt Extralight"/>
+                <a:sym typeface="Produkt Extralight"/>
+              </a:defRPr>
+            </a:lvl3pPr>
+            <a:lvl4pPr marL="2000250" indent="-628650" defTabSz="825500">
+              <a:spcBef>
+                <a:spcPts val="0"/>
+              </a:spcBef>
+              <a:defRPr sz="5500">
+                <a:latin typeface="Produkt Extralight"/>
+                <a:ea typeface="Produkt Extralight"/>
+                <a:cs typeface="Produkt Extralight"/>
+                <a:sym typeface="Produkt Extralight"/>
+              </a:defRPr>
+            </a:lvl4pPr>
+            <a:lvl5pPr marL="2457450" indent="-628650" defTabSz="825500">
+              <a:spcBef>
+                <a:spcPts val="0"/>
+              </a:spcBef>
+              <a:defRPr sz="5500">
+                <a:latin typeface="Produkt Extralight"/>
+                <a:ea typeface="Produkt Extralight"/>
+                <a:cs typeface="Produkt Extralight"/>
+                <a:sym typeface="Produkt Extralight"/>
+              </a:defRPr>
+            </a:lvl5pPr>
           </a:lstStyle>
           <a:p>
             <a:pPr/>
             <a:r>
               <a:t>Sous-titre de diapositive</a:t>
+            </a:r>
+          </a:p>
+          <a:p>
+            <a:pPr lvl="1"/>
+            <a:r>
+              <a:t/>
+            </a:r>
+          </a:p>
+          <a:p>
+            <a:pPr lvl="2"/>
+            <a:r>
+              <a:t/>
+            </a:r>
+          </a:p>
+          <a:p>
+            <a:pPr lvl="3"/>
+            <a:r>
+              <a:t/>
+            </a:r>
+          </a:p>
+          <a:p>
+            <a:pPr lvl="4"/>
+            <a:r>
+              <a:t/>
             </a:r>
           </a:p>
         </p:txBody>
@@ -2913,13 +3061,13 @@
           <p:cNvPr id="63" name="Texte niveau 1…"/>
           <p:cNvSpPr txBox="1"/>
           <p:nvPr>
-            <p:ph type="body" sz="half" idx="1" hasCustomPrompt="1"/>
-          </p:nvPr>
-        </p:nvSpPr>
-        <p:spPr>
-          <a:xfrm>
-            <a:off x="1206500" y="4248504"/>
-            <a:ext cx="9779000" cy="8256012"/>
+            <p:ph type="body" sz="half" idx="22" hasCustomPrompt="1"/>
+          </p:nvPr>
+        </p:nvSpPr>
+        <p:spPr>
+          <a:xfrm>
+            <a:off x="1206500" y="4248503"/>
+            <a:ext cx="9779000" cy="8256014"/>
           </a:xfrm>
           <a:prstGeom prst="rect">
             <a:avLst/>
@@ -2932,30 +3080,6 @@
             <a:pPr/>
             <a:r>
               <a:t>Texte de puce de diapositive</a:t>
-            </a:r>
-          </a:p>
-          <a:p>
-            <a:pPr lvl="1"/>
-            <a:r>
-              <a:t/>
-            </a:r>
-          </a:p>
-          <a:p>
-            <a:pPr lvl="2"/>
-            <a:r>
-              <a:t/>
-            </a:r>
-          </a:p>
-          <a:p>
-            <a:pPr lvl="3"/>
-            <a:r>
-              <a:t/>
-            </a:r>
-          </a:p>
-          <a:p>
-            <a:pPr lvl="4"/>
-            <a:r>
-              <a:t/>
             </a:r>
           </a:p>
         </p:txBody>
@@ -3010,10 +3134,10 @@
       </p:grpSpPr>
       <p:sp>
         <p:nvSpPr>
-          <p:cNvPr id="71" name="Sous-titre de diapositive"/>
+          <p:cNvPr id="71" name="Texte niveau 1…"/>
           <p:cNvSpPr txBox="1"/>
           <p:nvPr>
-            <p:ph type="body" sz="quarter" idx="21" hasCustomPrompt="1"/>
+            <p:ph type="body" sz="quarter" idx="1" hasCustomPrompt="1"/>
           </p:nvPr>
         </p:nvSpPr>
         <p:spPr>
@@ -3026,7 +3150,7 @@
           </a:prstGeom>
         </p:spPr>
         <p:txBody>
-          <a:bodyPr lIns="45719" tIns="45719" rIns="45719" bIns="45719"/>
+          <a:bodyPr lIns="45718" tIns="45718" rIns="45718" bIns="45718"/>
           <a:lstStyle>
             <a:lvl1pPr marL="0" indent="0" defTabSz="825500">
               <a:spcBef>
@@ -3035,17 +3159,85 @@
               <a:buSzTx/>
               <a:buNone/>
               <a:defRPr sz="5500">
-                <a:latin typeface="+mn-lt"/>
-                <a:ea typeface="+mn-ea"/>
-                <a:cs typeface="+mn-cs"/>
+                <a:latin typeface="Produkt Extralight"/>
+                <a:ea typeface="Produkt Extralight"/>
+                <a:cs typeface="Produkt Extralight"/>
                 <a:sym typeface="Produkt Extralight"/>
               </a:defRPr>
             </a:lvl1pPr>
+            <a:lvl2pPr marL="1085850" indent="-628650" defTabSz="825500">
+              <a:spcBef>
+                <a:spcPts val="0"/>
+              </a:spcBef>
+              <a:defRPr sz="5500">
+                <a:latin typeface="Produkt Extralight"/>
+                <a:ea typeface="Produkt Extralight"/>
+                <a:cs typeface="Produkt Extralight"/>
+                <a:sym typeface="Produkt Extralight"/>
+              </a:defRPr>
+            </a:lvl2pPr>
+            <a:lvl3pPr marL="1543050" indent="-628650" defTabSz="825500">
+              <a:spcBef>
+                <a:spcPts val="0"/>
+              </a:spcBef>
+              <a:defRPr sz="5500">
+                <a:latin typeface="Produkt Extralight"/>
+                <a:ea typeface="Produkt Extralight"/>
+                <a:cs typeface="Produkt Extralight"/>
+                <a:sym typeface="Produkt Extralight"/>
+              </a:defRPr>
+            </a:lvl3pPr>
+            <a:lvl4pPr marL="2000250" indent="-628650" defTabSz="825500">
+              <a:spcBef>
+                <a:spcPts val="0"/>
+              </a:spcBef>
+              <a:defRPr sz="5500">
+                <a:latin typeface="Produkt Extralight"/>
+                <a:ea typeface="Produkt Extralight"/>
+                <a:cs typeface="Produkt Extralight"/>
+                <a:sym typeface="Produkt Extralight"/>
+              </a:defRPr>
+            </a:lvl4pPr>
+            <a:lvl5pPr marL="2457450" indent="-628650" defTabSz="825500">
+              <a:spcBef>
+                <a:spcPts val="0"/>
+              </a:spcBef>
+              <a:defRPr sz="5500">
+                <a:latin typeface="Produkt Extralight"/>
+                <a:ea typeface="Produkt Extralight"/>
+                <a:cs typeface="Produkt Extralight"/>
+                <a:sym typeface="Produkt Extralight"/>
+              </a:defRPr>
+            </a:lvl5pPr>
           </a:lstStyle>
           <a:p>
             <a:pPr/>
             <a:r>
               <a:t>Sous-titre de diapositive</a:t>
+            </a:r>
+          </a:p>
+          <a:p>
+            <a:pPr lvl="1"/>
+            <a:r>
+              <a:t/>
+            </a:r>
+          </a:p>
+          <a:p>
+            <a:pPr lvl="2"/>
+            <a:r>
+              <a:t/>
+            </a:r>
+          </a:p>
+          <a:p>
+            <a:pPr lvl="3"/>
+            <a:r>
+              <a:t/>
+            </a:r>
+          </a:p>
+          <a:p>
+            <a:pPr lvl="4"/>
+            <a:r>
+              <a:t/>
             </a:r>
           </a:p>
         </p:txBody>
@@ -3059,6 +3251,10 @@
           </p:nvPr>
         </p:nvSpPr>
         <p:spPr>
+          <a:xfrm>
+            <a:off x="1206500" y="635000"/>
+            <a:ext cx="21971000" cy="1689100"/>
+          </a:xfrm>
           <a:prstGeom prst="rect">
             <a:avLst/>
           </a:prstGeom>
@@ -3079,13 +3275,13 @@
           <p:cNvPr id="73" name="Texte niveau 1…"/>
           <p:cNvSpPr txBox="1"/>
           <p:nvPr>
-            <p:ph type="body" sz="half" idx="1" hasCustomPrompt="1"/>
-          </p:nvPr>
-        </p:nvSpPr>
-        <p:spPr>
-          <a:xfrm>
-            <a:off x="1206500" y="4248504"/>
-            <a:ext cx="9779000" cy="8256012"/>
+            <p:ph type="body" sz="half" idx="21" hasCustomPrompt="1"/>
+          </p:nvPr>
+        </p:nvSpPr>
+        <p:spPr>
+          <a:xfrm>
+            <a:off x="1206500" y="4248503"/>
+            <a:ext cx="9779000" cy="8256014"/>
           </a:xfrm>
           <a:prstGeom prst="rect">
             <a:avLst/>
@@ -3098,30 +3294,6 @@
             <a:pPr/>
             <a:r>
               <a:t>Texte de puce de diapositive</a:t>
-            </a:r>
-          </a:p>
-          <a:p>
-            <a:pPr lvl="1"/>
-            <a:r>
-              <a:t/>
-            </a:r>
-          </a:p>
-          <a:p>
-            <a:pPr lvl="2"/>
-            <a:r>
-              <a:t/>
-            </a:r>
-          </a:p>
-          <a:p>
-            <a:pPr lvl="3"/>
-            <a:r>
-              <a:t/>
-            </a:r>
-          </a:p>
-          <a:p>
-            <a:pPr lvl="4"/>
-            <a:r>
-              <a:t/>
             </a:r>
           </a:p>
         </p:txBody>
@@ -3176,10 +3348,10 @@
       </p:grpSpPr>
       <p:sp>
         <p:nvSpPr>
-          <p:cNvPr id="81" name="Sous-titre de diapositive"/>
+          <p:cNvPr id="81" name="Texte niveau 1…"/>
           <p:cNvSpPr txBox="1"/>
           <p:nvPr>
-            <p:ph type="body" sz="quarter" idx="21" hasCustomPrompt="1"/>
+            <p:ph type="body" sz="quarter" idx="1" hasCustomPrompt="1"/>
           </p:nvPr>
         </p:nvSpPr>
         <p:spPr>
@@ -3192,7 +3364,7 @@
           </a:prstGeom>
         </p:spPr>
         <p:txBody>
-          <a:bodyPr lIns="45719" tIns="45719" rIns="45719" bIns="45719"/>
+          <a:bodyPr lIns="45718" tIns="45718" rIns="45718" bIns="45718"/>
           <a:lstStyle>
             <a:lvl1pPr marL="0" indent="0" defTabSz="825500">
               <a:spcBef>
@@ -3201,17 +3373,85 @@
               <a:buSzTx/>
               <a:buNone/>
               <a:defRPr sz="5500">
-                <a:latin typeface="+mn-lt"/>
-                <a:ea typeface="+mn-ea"/>
-                <a:cs typeface="+mn-cs"/>
+                <a:latin typeface="Produkt Extralight"/>
+                <a:ea typeface="Produkt Extralight"/>
+                <a:cs typeface="Produkt Extralight"/>
                 <a:sym typeface="Produkt Extralight"/>
               </a:defRPr>
             </a:lvl1pPr>
+            <a:lvl2pPr marL="1085850" indent="-628650" defTabSz="825500">
+              <a:spcBef>
+                <a:spcPts val="0"/>
+              </a:spcBef>
+              <a:defRPr sz="5500">
+                <a:latin typeface="Produkt Extralight"/>
+                <a:ea typeface="Produkt Extralight"/>
+                <a:cs typeface="Produkt Extralight"/>
+                <a:sym typeface="Produkt Extralight"/>
+              </a:defRPr>
+            </a:lvl2pPr>
+            <a:lvl3pPr marL="1543050" indent="-628650" defTabSz="825500">
+              <a:spcBef>
+                <a:spcPts val="0"/>
+              </a:spcBef>
+              <a:defRPr sz="5500">
+                <a:latin typeface="Produkt Extralight"/>
+                <a:ea typeface="Produkt Extralight"/>
+                <a:cs typeface="Produkt Extralight"/>
+                <a:sym typeface="Produkt Extralight"/>
+              </a:defRPr>
+            </a:lvl3pPr>
+            <a:lvl4pPr marL="2000250" indent="-628650" defTabSz="825500">
+              <a:spcBef>
+                <a:spcPts val="0"/>
+              </a:spcBef>
+              <a:defRPr sz="5500">
+                <a:latin typeface="Produkt Extralight"/>
+                <a:ea typeface="Produkt Extralight"/>
+                <a:cs typeface="Produkt Extralight"/>
+                <a:sym typeface="Produkt Extralight"/>
+              </a:defRPr>
+            </a:lvl4pPr>
+            <a:lvl5pPr marL="2457450" indent="-628650" defTabSz="825500">
+              <a:spcBef>
+                <a:spcPts val="0"/>
+              </a:spcBef>
+              <a:defRPr sz="5500">
+                <a:latin typeface="Produkt Extralight"/>
+                <a:ea typeface="Produkt Extralight"/>
+                <a:cs typeface="Produkt Extralight"/>
+                <a:sym typeface="Produkt Extralight"/>
+              </a:defRPr>
+            </a:lvl5pPr>
           </a:lstStyle>
           <a:p>
             <a:pPr/>
             <a:r>
               <a:t>Sous-titre de diapositive</a:t>
+            </a:r>
+          </a:p>
+          <a:p>
+            <a:pPr lvl="1"/>
+            <a:r>
+              <a:t/>
+            </a:r>
+          </a:p>
+          <a:p>
+            <a:pPr lvl="2"/>
+            <a:r>
+              <a:t/>
+            </a:r>
+          </a:p>
+          <a:p>
+            <a:pPr lvl="3"/>
+            <a:r>
+              <a:t/>
+            </a:r>
+          </a:p>
+          <a:p>
+            <a:pPr lvl="4"/>
+            <a:r>
+              <a:t/>
             </a:r>
           </a:p>
         </p:txBody>
@@ -3249,13 +3489,13 @@
           <p:cNvPr id="83" name="Texte niveau 1…"/>
           <p:cNvSpPr txBox="1"/>
           <p:nvPr>
-            <p:ph type="body" sz="half" idx="1" hasCustomPrompt="1"/>
-          </p:nvPr>
-        </p:nvSpPr>
-        <p:spPr>
-          <a:xfrm>
-            <a:off x="1206500" y="4248504"/>
-            <a:ext cx="9779000" cy="8256012"/>
+            <p:ph type="body" sz="half" idx="21" hasCustomPrompt="1"/>
+          </p:nvPr>
+        </p:nvSpPr>
+        <p:spPr>
+          <a:xfrm>
+            <a:off x="1206500" y="4248503"/>
+            <a:ext cx="9779000" cy="8256014"/>
           </a:xfrm>
           <a:prstGeom prst="rect">
             <a:avLst/>
@@ -3268,30 +3508,6 @@
             <a:pPr/>
             <a:r>
               <a:t>Texte de puce de diapositive</a:t>
-            </a:r>
-          </a:p>
-          <a:p>
-            <a:pPr lvl="1"/>
-            <a:r>
-              <a:t/>
-            </a:r>
-          </a:p>
-          <a:p>
-            <a:pPr lvl="2"/>
-            <a:r>
-              <a:t/>
-            </a:r>
-          </a:p>
-          <a:p>
-            <a:pPr lvl="3"/>
-            <a:r>
-              <a:t/>
-            </a:r>
-          </a:p>
-          <a:p>
-            <a:pPr lvl="4"/>
-            <a:r>
-              <a:t/>
             </a:r>
           </a:p>
         </p:txBody>
@@ -3366,7 +3582,7 @@
         <p:spPr>
           <a:xfrm>
             <a:off x="1206496" y="3911600"/>
-            <a:ext cx="21971004" cy="4648200"/>
+            <a:ext cx="21971005" cy="4648200"/>
           </a:xfrm>
           <a:prstGeom prst="rect">
             <a:avLst/>
@@ -3448,16 +3664,16 @@
       </p:grpSpPr>
       <p:sp>
         <p:nvSpPr>
-          <p:cNvPr id="2" name="Titre de diapositive"/>
+          <p:cNvPr id="2" name="Texte niveau 1…"/>
           <p:cNvSpPr txBox="1"/>
           <p:nvPr>
-            <p:ph type="title" hasCustomPrompt="1"/>
-          </p:nvPr>
-        </p:nvSpPr>
-        <p:spPr>
-          <a:xfrm>
-            <a:off x="1206500" y="635000"/>
-            <a:ext cx="21971000" cy="1689100"/>
+            <p:ph type="body" idx="1" hasCustomPrompt="1"/>
+          </p:nvPr>
+        </p:nvSpPr>
+        <p:spPr>
+          <a:xfrm>
+            <a:off x="1206500" y="4248503"/>
+            <a:ext cx="21971000" cy="8256014"/>
           </a:xfrm>
           <a:prstGeom prst="rect">
             <a:avLst/>
@@ -3479,23 +3695,47 @@
           <a:p>
             <a:pPr/>
             <a:r>
-              <a:t>Titre de diapositive</a:t>
-            </a:r>
-          </a:p>
-        </p:txBody>
-      </p:sp>
-      <p:sp>
-        <p:nvSpPr>
-          <p:cNvPr id="3" name="Texte niveau 1…"/>
+              <a:t>Texte de puce de diapositive</a:t>
+            </a:r>
+          </a:p>
+          <a:p>
+            <a:pPr lvl="1"/>
+            <a:r>
+              <a:t/>
+            </a:r>
+          </a:p>
+          <a:p>
+            <a:pPr lvl="2"/>
+            <a:r>
+              <a:t/>
+            </a:r>
+          </a:p>
+          <a:p>
+            <a:pPr lvl="3"/>
+            <a:r>
+              <a:t/>
+            </a:r>
+          </a:p>
+          <a:p>
+            <a:pPr lvl="4"/>
+            <a:r>
+              <a:t/>
+            </a:r>
+          </a:p>
+        </p:txBody>
+      </p:sp>
+      <p:sp>
+        <p:nvSpPr>
+          <p:cNvPr id="3" name="Texte du titre"/>
           <p:cNvSpPr txBox="1"/>
           <p:nvPr>
-            <p:ph type="body" idx="1" hasCustomPrompt="1"/>
-          </p:nvPr>
-        </p:nvSpPr>
-        <p:spPr>
-          <a:xfrm>
-            <a:off x="1206500" y="4248504"/>
-            <a:ext cx="21971000" cy="8256012"/>
+            <p:ph type="title"/>
+          </p:nvPr>
+        </p:nvSpPr>
+        <p:spPr>
+          <a:xfrm>
+            <a:off x="3653366" y="2743200"/>
+            <a:ext cx="19507201" cy="1505304"/>
           </a:xfrm>
           <a:prstGeom prst="rect">
             <a:avLst/>
@@ -3517,31 +3757,7 @@
           <a:p>
             <a:pPr/>
             <a:r>
-              <a:t>Texte de puce de diapositive</a:t>
-            </a:r>
-          </a:p>
-          <a:p>
-            <a:pPr lvl="1"/>
-            <a:r>
-              <a:t/>
-            </a:r>
-          </a:p>
-          <a:p>
-            <a:pPr lvl="2"/>
-            <a:r>
-              <a:t/>
-            </a:r>
-          </a:p>
-          <a:p>
-            <a:pPr lvl="3"/>
-            <a:r>
-              <a:t/>
-            </a:r>
-          </a:p>
-          <a:p>
-            <a:pPr lvl="4"/>
-            <a:r>
-              <a:t/>
+              <a:t>Texte du titre</a:t>
             </a:r>
           </a:p>
         </p:txBody>
@@ -3556,7 +3772,7 @@
         </p:nvSpPr>
         <p:spPr>
           <a:xfrm>
-            <a:off x="23538179" y="12443459"/>
+            <a:off x="23538179" y="12443460"/>
             <a:ext cx="408941" cy="444501"/>
           </a:xfrm>
           <a:prstGeom prst="rect">
@@ -3575,7 +3791,15 @@
               <a:spcBef>
                 <a:spcPts val="0"/>
               </a:spcBef>
-              <a:defRPr sz="2000"/>
+              <a:defRPr sz="2000">
+                <a:solidFill>
+                  <a:srgbClr val="535860"/>
+                </a:solidFill>
+                <a:latin typeface="Avenir Next Regular"/>
+                <a:ea typeface="Avenir Next Regular"/>
+                <a:cs typeface="Avenir Next Regular"/>
+                <a:sym typeface="Avenir Next Regular"/>
+              </a:defRPr>
             </a:lvl1pPr>
           </a:lstStyle>
           <a:p>
@@ -3626,19 +3850,16 @@
         <a:tabLst/>
         <a:defRPr b="0" baseline="0" cap="none" i="0" spc="-100" strike="noStrike" sz="10000" u="none">
           <a:solidFill>
-            <a:schemeClr val="accent1">
-              <a:satOff val="-9155"/>
-              <a:lumOff val="-32673"/>
-            </a:schemeClr>
+            <a:srgbClr val="535860"/>
           </a:solidFill>
           <a:uFillTx/>
-          <a:latin typeface="+mn-lt"/>
-          <a:ea typeface="+mn-ea"/>
-          <a:cs typeface="+mn-cs"/>
+          <a:latin typeface="Produkt Extralight"/>
+          <a:ea typeface="Produkt Extralight"/>
+          <a:cs typeface="Produkt Extralight"/>
           <a:sym typeface="Produkt Extralight"/>
         </a:defRPr>
       </a:lvl1pPr>
-      <a:lvl2pPr marL="0" marR="0" indent="457200" algn="l" defTabSz="2438400" rtl="0" latinLnBrk="0">
+      <a:lvl2pPr marL="0" marR="0" indent="0" algn="l" defTabSz="2438400" rtl="0" latinLnBrk="0">
         <a:lnSpc>
           <a:spcPct val="90000"/>
         </a:lnSpc>
@@ -3655,19 +3876,16 @@
         <a:tabLst/>
         <a:defRPr b="0" baseline="0" cap="none" i="0" spc="-100" strike="noStrike" sz="10000" u="none">
           <a:solidFill>
-            <a:schemeClr val="accent1">
-              <a:satOff val="-9155"/>
-              <a:lumOff val="-32673"/>
-            </a:schemeClr>
+            <a:srgbClr val="535860"/>
           </a:solidFill>
           <a:uFillTx/>
-          <a:latin typeface="+mn-lt"/>
-          <a:ea typeface="+mn-ea"/>
-          <a:cs typeface="+mn-cs"/>
+          <a:latin typeface="Produkt Extralight"/>
+          <a:ea typeface="Produkt Extralight"/>
+          <a:cs typeface="Produkt Extralight"/>
           <a:sym typeface="Produkt Extralight"/>
         </a:defRPr>
       </a:lvl2pPr>
-      <a:lvl3pPr marL="0" marR="0" indent="914400" algn="l" defTabSz="2438400" rtl="0" latinLnBrk="0">
+      <a:lvl3pPr marL="0" marR="0" indent="0" algn="l" defTabSz="2438400" rtl="0" latinLnBrk="0">
         <a:lnSpc>
           <a:spcPct val="90000"/>
         </a:lnSpc>
@@ -3684,19 +3902,16 @@
         <a:tabLst/>
         <a:defRPr b="0" baseline="0" cap="none" i="0" spc="-100" strike="noStrike" sz="10000" u="none">
           <a:solidFill>
-            <a:schemeClr val="accent1">
-              <a:satOff val="-9155"/>
-              <a:lumOff val="-32673"/>
-            </a:schemeClr>
+            <a:srgbClr val="535860"/>
           </a:solidFill>
           <a:uFillTx/>
-          <a:latin typeface="+mn-lt"/>
-          <a:ea typeface="+mn-ea"/>
-          <a:cs typeface="+mn-cs"/>
+          <a:latin typeface="Produkt Extralight"/>
+          <a:ea typeface="Produkt Extralight"/>
+          <a:cs typeface="Produkt Extralight"/>
           <a:sym typeface="Produkt Extralight"/>
         </a:defRPr>
       </a:lvl3pPr>
-      <a:lvl4pPr marL="0" marR="0" indent="1371600" algn="l" defTabSz="2438400" rtl="0" latinLnBrk="0">
+      <a:lvl4pPr marL="0" marR="0" indent="0" algn="l" defTabSz="2438400" rtl="0" latinLnBrk="0">
         <a:lnSpc>
           <a:spcPct val="90000"/>
         </a:lnSpc>
@@ -3713,19 +3928,16 @@
         <a:tabLst/>
         <a:defRPr b="0" baseline="0" cap="none" i="0" spc="-100" strike="noStrike" sz="10000" u="none">
           <a:solidFill>
-            <a:schemeClr val="accent1">
-              <a:satOff val="-9155"/>
-              <a:lumOff val="-32673"/>
-            </a:schemeClr>
+            <a:srgbClr val="535860"/>
           </a:solidFill>
           <a:uFillTx/>
-          <a:latin typeface="+mn-lt"/>
-          <a:ea typeface="+mn-ea"/>
-          <a:cs typeface="+mn-cs"/>
+          <a:latin typeface="Produkt Extralight"/>
+          <a:ea typeface="Produkt Extralight"/>
+          <a:cs typeface="Produkt Extralight"/>
           <a:sym typeface="Produkt Extralight"/>
         </a:defRPr>
       </a:lvl4pPr>
-      <a:lvl5pPr marL="0" marR="0" indent="1828800" algn="l" defTabSz="2438400" rtl="0" latinLnBrk="0">
+      <a:lvl5pPr marL="0" marR="0" indent="0" algn="l" defTabSz="2438400" rtl="0" latinLnBrk="0">
         <a:lnSpc>
           <a:spcPct val="90000"/>
         </a:lnSpc>
@@ -3742,19 +3954,16 @@
         <a:tabLst/>
         <a:defRPr b="0" baseline="0" cap="none" i="0" spc="-100" strike="noStrike" sz="10000" u="none">
           <a:solidFill>
-            <a:schemeClr val="accent1">
-              <a:satOff val="-9155"/>
-              <a:lumOff val="-32673"/>
-            </a:schemeClr>
+            <a:srgbClr val="535860"/>
           </a:solidFill>
           <a:uFillTx/>
-          <a:latin typeface="+mn-lt"/>
-          <a:ea typeface="+mn-ea"/>
-          <a:cs typeface="+mn-cs"/>
+          <a:latin typeface="Produkt Extralight"/>
+          <a:ea typeface="Produkt Extralight"/>
+          <a:cs typeface="Produkt Extralight"/>
           <a:sym typeface="Produkt Extralight"/>
         </a:defRPr>
       </a:lvl5pPr>
-      <a:lvl6pPr marL="0" marR="0" indent="2286000" algn="l" defTabSz="2438400" rtl="0" latinLnBrk="0">
+      <a:lvl6pPr marL="0" marR="0" indent="0" algn="l" defTabSz="2438400" rtl="0" latinLnBrk="0">
         <a:lnSpc>
           <a:spcPct val="90000"/>
         </a:lnSpc>
@@ -3771,19 +3980,16 @@
         <a:tabLst/>
         <a:defRPr b="0" baseline="0" cap="none" i="0" spc="-100" strike="noStrike" sz="10000" u="none">
           <a:solidFill>
-            <a:schemeClr val="accent1">
-              <a:satOff val="-9155"/>
-              <a:lumOff val="-32673"/>
-            </a:schemeClr>
+            <a:srgbClr val="535860"/>
           </a:solidFill>
           <a:uFillTx/>
-          <a:latin typeface="+mn-lt"/>
-          <a:ea typeface="+mn-ea"/>
-          <a:cs typeface="+mn-cs"/>
+          <a:latin typeface="Produkt Extralight"/>
+          <a:ea typeface="Produkt Extralight"/>
+          <a:cs typeface="Produkt Extralight"/>
           <a:sym typeface="Produkt Extralight"/>
         </a:defRPr>
       </a:lvl6pPr>
-      <a:lvl7pPr marL="0" marR="0" indent="2743200" algn="l" defTabSz="2438400" rtl="0" latinLnBrk="0">
+      <a:lvl7pPr marL="0" marR="0" indent="0" algn="l" defTabSz="2438400" rtl="0" latinLnBrk="0">
         <a:lnSpc>
           <a:spcPct val="90000"/>
         </a:lnSpc>
@@ -3800,19 +4006,16 @@
         <a:tabLst/>
         <a:defRPr b="0" baseline="0" cap="none" i="0" spc="-100" strike="noStrike" sz="10000" u="none">
           <a:solidFill>
-            <a:schemeClr val="accent1">
-              <a:satOff val="-9155"/>
-              <a:lumOff val="-32673"/>
-            </a:schemeClr>
+            <a:srgbClr val="535860"/>
           </a:solidFill>
           <a:uFillTx/>
-          <a:latin typeface="+mn-lt"/>
-          <a:ea typeface="+mn-ea"/>
-          <a:cs typeface="+mn-cs"/>
+          <a:latin typeface="Produkt Extralight"/>
+          <a:ea typeface="Produkt Extralight"/>
+          <a:cs typeface="Produkt Extralight"/>
           <a:sym typeface="Produkt Extralight"/>
         </a:defRPr>
       </a:lvl7pPr>
-      <a:lvl8pPr marL="0" marR="0" indent="3200400" algn="l" defTabSz="2438400" rtl="0" latinLnBrk="0">
+      <a:lvl8pPr marL="0" marR="0" indent="0" algn="l" defTabSz="2438400" rtl="0" latinLnBrk="0">
         <a:lnSpc>
           <a:spcPct val="90000"/>
         </a:lnSpc>
@@ -3829,19 +4032,16 @@
         <a:tabLst/>
         <a:defRPr b="0" baseline="0" cap="none" i="0" spc="-100" strike="noStrike" sz="10000" u="none">
           <a:solidFill>
-            <a:schemeClr val="accent1">
-              <a:satOff val="-9155"/>
-              <a:lumOff val="-32673"/>
-            </a:schemeClr>
+            <a:srgbClr val="535860"/>
           </a:solidFill>
           <a:uFillTx/>
-          <a:latin typeface="+mn-lt"/>
-          <a:ea typeface="+mn-ea"/>
-          <a:cs typeface="+mn-cs"/>
+          <a:latin typeface="Produkt Extralight"/>
+          <a:ea typeface="Produkt Extralight"/>
+          <a:cs typeface="Produkt Extralight"/>
           <a:sym typeface="Produkt Extralight"/>
         </a:defRPr>
       </a:lvl8pPr>
-      <a:lvl9pPr marL="0" marR="0" indent="3657600" algn="l" defTabSz="2438400" rtl="0" latinLnBrk="0">
+      <a:lvl9pPr marL="0" marR="0" indent="0" algn="l" defTabSz="2438400" rtl="0" latinLnBrk="0">
         <a:lnSpc>
           <a:spcPct val="90000"/>
         </a:lnSpc>
@@ -3858,15 +4058,12 @@
         <a:tabLst/>
         <a:defRPr b="0" baseline="0" cap="none" i="0" spc="-100" strike="noStrike" sz="10000" u="none">
           <a:solidFill>
-            <a:schemeClr val="accent1">
-              <a:satOff val="-9155"/>
-              <a:lumOff val="-32673"/>
-            </a:schemeClr>
+            <a:srgbClr val="535860"/>
           </a:solidFill>
           <a:uFillTx/>
-          <a:latin typeface="+mn-lt"/>
-          <a:ea typeface="+mn-ea"/>
-          <a:cs typeface="+mn-cs"/>
+          <a:latin typeface="Produkt Extralight"/>
+          <a:ea typeface="Produkt Extralight"/>
+          <a:cs typeface="Produkt Extralight"/>
           <a:sym typeface="Produkt Extralight"/>
         </a:defRPr>
       </a:lvl9pPr>
@@ -3889,10 +4086,7 @@
         <a:tabLst/>
         <a:defRPr b="0" baseline="0" cap="none" i="0" spc="0" strike="noStrike" sz="4000" u="none">
           <a:solidFill>
-            <a:schemeClr val="accent1">
-              <a:satOff val="-9155"/>
-              <a:lumOff val="-32673"/>
-            </a:schemeClr>
+            <a:srgbClr val="535860"/>
           </a:solidFill>
           <a:uFillTx/>
           <a:latin typeface="Avenir Next Regular"/>
@@ -3918,10 +4112,7 @@
         <a:tabLst/>
         <a:defRPr b="0" baseline="0" cap="none" i="0" spc="0" strike="noStrike" sz="4000" u="none">
           <a:solidFill>
-            <a:schemeClr val="accent1">
-              <a:satOff val="-9155"/>
-              <a:lumOff val="-32673"/>
-            </a:schemeClr>
+            <a:srgbClr val="535860"/>
           </a:solidFill>
           <a:uFillTx/>
           <a:latin typeface="Avenir Next Regular"/>
@@ -3947,10 +4138,7 @@
         <a:tabLst/>
         <a:defRPr b="0" baseline="0" cap="none" i="0" spc="0" strike="noStrike" sz="4000" u="none">
           <a:solidFill>
-            <a:schemeClr val="accent1">
-              <a:satOff val="-9155"/>
-              <a:lumOff val="-32673"/>
-            </a:schemeClr>
+            <a:srgbClr val="535860"/>
           </a:solidFill>
           <a:uFillTx/>
           <a:latin typeface="Avenir Next Regular"/>
@@ -3976,10 +4164,7 @@
         <a:tabLst/>
         <a:defRPr b="0" baseline="0" cap="none" i="0" spc="0" strike="noStrike" sz="4000" u="none">
           <a:solidFill>
-            <a:schemeClr val="accent1">
-              <a:satOff val="-9155"/>
-              <a:lumOff val="-32673"/>
-            </a:schemeClr>
+            <a:srgbClr val="535860"/>
           </a:solidFill>
           <a:uFillTx/>
           <a:latin typeface="Avenir Next Regular"/>
@@ -4005,10 +4190,7 @@
         <a:tabLst/>
         <a:defRPr b="0" baseline="0" cap="none" i="0" spc="0" strike="noStrike" sz="4000" u="none">
           <a:solidFill>
-            <a:schemeClr val="accent1">
-              <a:satOff val="-9155"/>
-              <a:lumOff val="-32673"/>
-            </a:schemeClr>
+            <a:srgbClr val="535860"/>
           </a:solidFill>
           <a:uFillTx/>
           <a:latin typeface="Avenir Next Regular"/>
@@ -4034,10 +4216,7 @@
         <a:tabLst/>
         <a:defRPr b="0" baseline="0" cap="none" i="0" spc="0" strike="noStrike" sz="4000" u="none">
           <a:solidFill>
-            <a:schemeClr val="accent1">
-              <a:satOff val="-9155"/>
-              <a:lumOff val="-32673"/>
-            </a:schemeClr>
+            <a:srgbClr val="535860"/>
           </a:solidFill>
           <a:uFillTx/>
           <a:latin typeface="Avenir Next Regular"/>
@@ -4063,10 +4242,7 @@
         <a:tabLst/>
         <a:defRPr b="0" baseline="0" cap="none" i="0" spc="0" strike="noStrike" sz="4000" u="none">
           <a:solidFill>
-            <a:schemeClr val="accent1">
-              <a:satOff val="-9155"/>
-              <a:lumOff val="-32673"/>
-            </a:schemeClr>
+            <a:srgbClr val="535860"/>
           </a:solidFill>
           <a:uFillTx/>
           <a:latin typeface="Avenir Next Regular"/>
@@ -4092,10 +4268,7 @@
         <a:tabLst/>
         <a:defRPr b="0" baseline="0" cap="none" i="0" spc="0" strike="noStrike" sz="4000" u="none">
           <a:solidFill>
-            <a:schemeClr val="accent1">
-              <a:satOff val="-9155"/>
-              <a:lumOff val="-32673"/>
-            </a:schemeClr>
+            <a:srgbClr val="535860"/>
           </a:solidFill>
           <a:uFillTx/>
           <a:latin typeface="Avenir Next Regular"/>
@@ -4121,10 +4294,7 @@
         <a:tabLst/>
         <a:defRPr b="0" baseline="0" cap="none" i="0" spc="0" strike="noStrike" sz="4000" u="none">
           <a:solidFill>
-            <a:schemeClr val="accent1">
-              <a:satOff val="-9155"/>
-              <a:lumOff val="-32673"/>
-            </a:schemeClr>
+            <a:srgbClr val="535860"/>
           </a:solidFill>
           <a:uFillTx/>
           <a:latin typeface="Avenir Next Regular"/>
@@ -4161,7 +4331,7 @@
           <a:sym typeface="Avenir Next Regular"/>
         </a:defRPr>
       </a:lvl1pPr>
-      <a:lvl2pPr marL="0" marR="0" indent="457200" algn="r" defTabSz="584200" rtl="0" latinLnBrk="0">
+      <a:lvl2pPr marL="0" marR="0" indent="0" algn="r" defTabSz="584200" rtl="0" latinLnBrk="0">
         <a:lnSpc>
           <a:spcPct val="100000"/>
         </a:lnSpc>
@@ -4187,7 +4357,7 @@
           <a:sym typeface="Avenir Next Regular"/>
         </a:defRPr>
       </a:lvl2pPr>
-      <a:lvl3pPr marL="0" marR="0" indent="914400" algn="r" defTabSz="584200" rtl="0" latinLnBrk="0">
+      <a:lvl3pPr marL="0" marR="0" indent="0" algn="r" defTabSz="584200" rtl="0" latinLnBrk="0">
         <a:lnSpc>
           <a:spcPct val="100000"/>
         </a:lnSpc>
@@ -4213,7 +4383,7 @@
           <a:sym typeface="Avenir Next Regular"/>
         </a:defRPr>
       </a:lvl3pPr>
-      <a:lvl4pPr marL="0" marR="0" indent="1371600" algn="r" defTabSz="584200" rtl="0" latinLnBrk="0">
+      <a:lvl4pPr marL="0" marR="0" indent="0" algn="r" defTabSz="584200" rtl="0" latinLnBrk="0">
         <a:lnSpc>
           <a:spcPct val="100000"/>
         </a:lnSpc>
@@ -4239,7 +4409,7 @@
           <a:sym typeface="Avenir Next Regular"/>
         </a:defRPr>
       </a:lvl4pPr>
-      <a:lvl5pPr marL="0" marR="0" indent="1828800" algn="r" defTabSz="584200" rtl="0" latinLnBrk="0">
+      <a:lvl5pPr marL="0" marR="0" indent="0" algn="r" defTabSz="584200" rtl="0" latinLnBrk="0">
         <a:lnSpc>
           <a:spcPct val="100000"/>
         </a:lnSpc>
@@ -4265,7 +4435,7 @@
           <a:sym typeface="Avenir Next Regular"/>
         </a:defRPr>
       </a:lvl5pPr>
-      <a:lvl6pPr marL="0" marR="0" indent="2286000" algn="r" defTabSz="584200" rtl="0" latinLnBrk="0">
+      <a:lvl6pPr marL="0" marR="0" indent="0" algn="r" defTabSz="584200" rtl="0" latinLnBrk="0">
         <a:lnSpc>
           <a:spcPct val="100000"/>
         </a:lnSpc>
@@ -4291,7 +4461,7 @@
           <a:sym typeface="Avenir Next Regular"/>
         </a:defRPr>
       </a:lvl6pPr>
-      <a:lvl7pPr marL="0" marR="0" indent="2743200" algn="r" defTabSz="584200" rtl="0" latinLnBrk="0">
+      <a:lvl7pPr marL="0" marR="0" indent="0" algn="r" defTabSz="584200" rtl="0" latinLnBrk="0">
         <a:lnSpc>
           <a:spcPct val="100000"/>
         </a:lnSpc>
@@ -4317,7 +4487,7 @@
           <a:sym typeface="Avenir Next Regular"/>
         </a:defRPr>
       </a:lvl7pPr>
-      <a:lvl8pPr marL="0" marR="0" indent="3200400" algn="r" defTabSz="584200" rtl="0" latinLnBrk="0">
+      <a:lvl8pPr marL="0" marR="0" indent="0" algn="r" defTabSz="584200" rtl="0" latinLnBrk="0">
         <a:lnSpc>
           <a:spcPct val="100000"/>
         </a:lnSpc>
@@ -4343,7 +4513,7 @@
           <a:sym typeface="Avenir Next Regular"/>
         </a:defRPr>
       </a:lvl8pPr>
-      <a:lvl9pPr marL="0" marR="0" indent="3657600" algn="r" defTabSz="584200" rtl="0" latinLnBrk="0">
+      <a:lvl9pPr marL="0" marR="0" indent="0" algn="r" defTabSz="584200" rtl="0" latinLnBrk="0">
         <a:lnSpc>
           <a:spcPct val="100000"/>
         </a:lnSpc>
@@ -4396,13 +4566,46 @@
           <p:cNvPr id="171" name="GRANGENOIS Rémy"/>
           <p:cNvSpPr txBox="1"/>
           <p:nvPr>
-            <p:ph type="body" idx="21"/>
-          </p:nvPr>
-        </p:nvSpPr>
-        <p:spPr>
-          <a:prstGeom prst="rect">
-            <a:avLst/>
-          </a:prstGeom>
+            <p:ph type="body" sz="quarter" idx="1"/>
+          </p:nvPr>
+        </p:nvSpPr>
+        <p:spPr>
+          <a:xfrm>
+            <a:off x="1206500" y="12268950"/>
+            <a:ext cx="21971000" cy="660402"/>
+          </a:xfrm>
+          <a:prstGeom prst="rect">
+            <a:avLst/>
+          </a:prstGeom>
+        </p:spPr>
+        <p:txBody>
+          <a:bodyPr/>
+          <a:lstStyle/>
+          <a:p>
+            <a:pPr/>
+            <a:r>
+              <a:t>GRANGENOIS Rémy</a:t>
+            </a:r>
+          </a:p>
+        </p:txBody>
+      </p:sp>
+      <p:sp>
+        <p:nvSpPr>
+          <p:cNvPr id="172" name="Présentation de la solution technique"/>
+          <p:cNvSpPr txBox="1"/>
+          <p:nvPr/>
+        </p:nvSpPr>
+        <p:spPr>
+          <a:xfrm>
+            <a:off x="1206500" y="7353300"/>
+            <a:ext cx="21971000" cy="2006600"/>
+          </a:xfrm>
+          <a:prstGeom prst="rect">
+            <a:avLst/>
+          </a:prstGeom>
+          <a:ln w="12700">
+            <a:miter lim="400000"/>
+          </a:ln>
           <a:extLst>
             <a:ext uri="{C572A759-6A51-4108-AA02-DFA0A04FC94B}">
               <ma14:wrappingTextBoxFlag xmlns:ma14="http://schemas.microsoft.com/office/mac/drawingml/2011/main" val="1"/>
@@ -4410,32 +4613,21 @@
           </a:extLst>
         </p:spPr>
         <p:txBody>
-          <a:bodyPr/>
-          <a:lstStyle/>
-          <a:p>
-            <a:pPr/>
-            <a:r>
-              <a:t>GRANGENOIS Rémy</a:t>
-            </a:r>
-          </a:p>
-        </p:txBody>
-      </p:sp>
-      <p:sp>
-        <p:nvSpPr>
-          <p:cNvPr id="172" name="Présentation de la solution technique"/>
-          <p:cNvSpPr txBox="1"/>
-          <p:nvPr>
-            <p:ph type="subTitle" sz="quarter" idx="1"/>
-          </p:nvPr>
-        </p:nvSpPr>
-        <p:spPr>
-          <a:prstGeom prst="rect">
-            <a:avLst/>
-          </a:prstGeom>
-        </p:spPr>
-        <p:txBody>
-          <a:bodyPr/>
-          <a:lstStyle/>
+          <a:bodyPr lIns="50800" tIns="50800" rIns="50800" bIns="50800">
+            <a:normAutofit fontScale="100000" lnSpcReduction="0"/>
+          </a:bodyPr>
+          <a:lstStyle>
+            <a:lvl1pPr defTabSz="825500">
+              <a:spcBef>
+                <a:spcPts val="0"/>
+              </a:spcBef>
+              <a:defRPr sz="5500">
+                <a:solidFill>
+                  <a:srgbClr val="535860"/>
+                </a:solidFill>
+              </a:defRPr>
+            </a:lvl1pPr>
+          </a:lstStyle>
           <a:p>
             <a:pPr/>
             <a:r>
@@ -4449,17 +4641,25 @@
           <p:cNvPr id="173" name="Menu Maker By Qwenta"/>
           <p:cNvSpPr txBox="1"/>
           <p:nvPr>
-            <p:ph type="ctrTitle"/>
-          </p:nvPr>
-        </p:nvSpPr>
-        <p:spPr>
+            <p:ph type="title"/>
+          </p:nvPr>
+        </p:nvSpPr>
+        <p:spPr>
+          <a:xfrm>
+            <a:off x="1206499" y="2616200"/>
+            <a:ext cx="21971006" cy="4648200"/>
+          </a:xfrm>
           <a:prstGeom prst="rect">
             <a:avLst/>
           </a:prstGeom>
         </p:spPr>
         <p:txBody>
           <a:bodyPr/>
-          <a:lstStyle/>
+          <a:lstStyle>
+            <a:lvl1pPr>
+              <a:defRPr spc="-200"/>
+            </a:lvl1pPr>
+          </a:lstStyle>
           <a:p>
             <a:pPr/>
             <a:r>
@@ -4516,7 +4716,7 @@
         <p:spPr>
           <a:xfrm>
             <a:off x="11493199" y="3548729"/>
-            <a:ext cx="13043732" cy="6926987"/>
+            <a:ext cx="13043733" cy="6926988"/>
           </a:xfrm>
           <a:prstGeom prst="rect">
             <a:avLst/>
@@ -4528,18 +4728,13 @@
           <p:cNvPr id="216" name="Applications tierces"/>
           <p:cNvSpPr txBox="1"/>
           <p:nvPr>
-            <p:ph type="body" idx="22"/>
-          </p:nvPr>
-        </p:nvSpPr>
-        <p:spPr>
-          <a:prstGeom prst="rect">
-            <a:avLst/>
-          </a:prstGeom>
-          <a:extLst>
-            <a:ext uri="{C572A759-6A51-4108-AA02-DFA0A04FC94B}">
-              <ma14:wrappingTextBoxFlag xmlns:ma14="http://schemas.microsoft.com/office/mac/drawingml/2011/main" val="1"/>
-            </a:ext>
-          </a:extLst>
+            <p:ph type="body" sz="quarter" idx="1"/>
+          </p:nvPr>
+        </p:nvSpPr>
+        <p:spPr>
+          <a:prstGeom prst="rect">
+            <a:avLst/>
+          </a:prstGeom>
         </p:spPr>
         <p:txBody>
           <a:bodyPr/>
@@ -4571,7 +4766,7 @@
         <p:spPr>
           <a:xfrm>
             <a:off x="21478279" y="4802118"/>
-            <a:ext cx="2119508" cy="2119508"/>
+            <a:ext cx="2119509" cy="2119509"/>
           </a:xfrm>
           <a:prstGeom prst="rect">
             <a:avLst/>
@@ -4600,7 +4795,7 @@
         <p:spPr>
           <a:xfrm>
             <a:off x="21259790" y="7345270"/>
-            <a:ext cx="2556494" cy="2062626"/>
+            <a:ext cx="2556495" cy="2062627"/>
           </a:xfrm>
           <a:prstGeom prst="rect">
             <a:avLst/>
@@ -4629,8 +4824,8 @@
         </p:blipFill>
         <p:spPr>
           <a:xfrm>
-            <a:off x="11548209" y="5891939"/>
-            <a:ext cx="2556124" cy="2240891"/>
+            <a:off x="11548209" y="5891938"/>
+            <a:ext cx="2556125" cy="2240892"/>
           </a:xfrm>
           <a:prstGeom prst="rect">
             <a:avLst/>
@@ -4656,8 +4851,8 @@
         <p:txBody>
           <a:bodyPr/>
           <a:lstStyle>
-            <a:lvl1pPr defTabSz="2316479">
-              <a:defRPr spc="-95" sz="9500"/>
+            <a:lvl1pPr defTabSz="2316478">
+              <a:defRPr sz="9500"/>
             </a:lvl1pPr>
           </a:lstStyle>
           <a:p>
@@ -4673,13 +4868,18 @@
           <p:cNvPr id="221" name="Ce moyen de communication entre 2 logiciels va nous permettre de transmettre à Deliveroo et Instagram les menus une fois finalisé."/>
           <p:cNvSpPr txBox="1"/>
           <p:nvPr>
-            <p:ph type="body" sz="half" idx="1"/>
-          </p:nvPr>
-        </p:nvSpPr>
-        <p:spPr>
-          <a:prstGeom prst="rect">
-            <a:avLst/>
-          </a:prstGeom>
+            <p:ph type="body" idx="22"/>
+          </p:nvPr>
+        </p:nvSpPr>
+        <p:spPr>
+          <a:prstGeom prst="rect">
+            <a:avLst/>
+          </a:prstGeom>
+          <a:extLst>
+            <a:ext uri="{C572A759-6A51-4108-AA02-DFA0A04FC94B}">
+              <ma14:wrappingTextBoxFlag xmlns:ma14="http://schemas.microsoft.com/office/mac/drawingml/2011/main" val="1"/>
+            </a:ext>
+          </a:extLst>
         </p:spPr>
         <p:txBody>
           <a:bodyPr/>
@@ -4744,8 +4944,8 @@
         </p:blipFill>
         <p:spPr>
           <a:xfrm>
-            <a:off x="12382500" y="0"/>
-            <a:ext cx="12001500" cy="13716000"/>
+            <a:off x="12382499" y="0"/>
+            <a:ext cx="12001502" cy="13716000"/>
           </a:xfrm>
           <a:prstGeom prst="rect">
             <a:avLst/>
@@ -4772,8 +4972,8 @@
         <p:txBody>
           <a:bodyPr/>
           <a:lstStyle>
-            <a:lvl1pPr defTabSz="2316479">
-              <a:defRPr spc="-95" sz="9500"/>
+            <a:lvl1pPr defTabSz="2316478">
+              <a:defRPr sz="9500"/>
             </a:lvl1pPr>
           </a:lstStyle>
           <a:p>
@@ -4793,21 +4993,28 @@
           </p:nvPr>
         </p:nvSpPr>
         <p:spPr>
-          <a:prstGeom prst="rect">
-            <a:avLst/>
-          </a:prstGeom>
-        </p:spPr>
-        <p:txBody>
-          <a:bodyPr/>
+          <a:xfrm>
+            <a:off x="1206500" y="4248503"/>
+            <a:ext cx="9779000" cy="8256014"/>
+          </a:xfrm>
+          <a:prstGeom prst="rect">
+            <a:avLst/>
+          </a:prstGeom>
+        </p:spPr>
+        <p:txBody>
+          <a:bodyPr lIns="50800" tIns="50800" rIns="50800" bIns="50800"/>
           <a:lstStyle/>
           <a:p>
-            <a:pPr marL="0" indent="0" defTabSz="288036">
+            <a:pPr defTabSz="288036">
               <a:spcBef>
                 <a:spcPts val="3800"/>
               </a:spcBef>
-              <a:buSzTx/>
-              <a:buNone/>
-              <a:defRPr sz="3240"/>
+              <a:defRPr sz="3200">
+                <a:latin typeface="Avenir Next Regular"/>
+                <a:ea typeface="Avenir Next Regular"/>
+                <a:cs typeface="Avenir Next Regular"/>
+                <a:sym typeface="Avenir Next Regular"/>
+              </a:defRPr>
             </a:pPr>
             <a:r>
               <a:t>La sécurité dans le développement web est cruciale. Notre équipe respectera les standards lors de la conception du site Menu Maker</a:t>
@@ -4818,7 +5025,14 @@
               <a:spcBef>
                 <a:spcPts val="3800"/>
               </a:spcBef>
-              <a:defRPr sz="3240"/>
+              <a:buSzPct val="100000"/>
+              <a:buChar char="•"/>
+              <a:defRPr sz="3200">
+                <a:latin typeface="Avenir Next Regular"/>
+                <a:ea typeface="Avenir Next Regular"/>
+                <a:cs typeface="Avenir Next Regular"/>
+                <a:sym typeface="Avenir Next Regular"/>
+              </a:defRPr>
             </a:pPr>
             <a:r>
               <a:t>L’utilisation de protocole HTTPS et certificat SSL</a:t>
@@ -4829,7 +5043,14 @@
               <a:spcBef>
                 <a:spcPts val="3800"/>
               </a:spcBef>
-              <a:defRPr sz="3240"/>
+              <a:buSzPct val="100000"/>
+              <a:buChar char="•"/>
+              <a:defRPr sz="3200">
+                <a:latin typeface="Avenir Next Regular"/>
+                <a:ea typeface="Avenir Next Regular"/>
+                <a:cs typeface="Avenir Next Regular"/>
+                <a:sym typeface="Avenir Next Regular"/>
+              </a:defRPr>
             </a:pPr>
             <a:r>
               <a:t>La mise en place de sauvegardes régulières </a:t>
@@ -4840,7 +5061,14 @@
               <a:spcBef>
                 <a:spcPts val="3800"/>
               </a:spcBef>
-              <a:defRPr sz="3240"/>
+              <a:buSzPct val="100000"/>
+              <a:buChar char="•"/>
+              <a:defRPr sz="3200">
+                <a:latin typeface="Avenir Next Regular"/>
+                <a:ea typeface="Avenir Next Regular"/>
+                <a:cs typeface="Avenir Next Regular"/>
+                <a:sym typeface="Avenir Next Regular"/>
+              </a:defRPr>
             </a:pPr>
             <a:r>
               <a:t>Encadrements des droits et autorisations d’administration</a:t>
@@ -4851,20 +5079,30 @@
               <a:spcBef>
                 <a:spcPts val="3800"/>
               </a:spcBef>
-              <a:defRPr sz="3240"/>
+              <a:buSzPct val="100000"/>
+              <a:buChar char="•"/>
+              <a:defRPr sz="3200">
+                <a:latin typeface="Avenir Next Regular"/>
+                <a:ea typeface="Avenir Next Regular"/>
+                <a:cs typeface="Avenir Next Regular"/>
+                <a:sym typeface="Avenir Next Regular"/>
+              </a:defRPr>
             </a:pPr>
             <a:r>
               <a:t>Sécurisation des mots de passe</a:t>
             </a:r>
           </a:p>
           <a:p>
-            <a:pPr marL="0" indent="0" defTabSz="288036">
+            <a:pPr defTabSz="288036">
               <a:spcBef>
                 <a:spcPts val="3800"/>
               </a:spcBef>
-              <a:buSzTx/>
-              <a:buNone/>
-              <a:defRPr sz="3240"/>
+              <a:defRPr sz="3200">
+                <a:latin typeface="Avenir Next Regular"/>
+                <a:ea typeface="Avenir Next Regular"/>
+                <a:cs typeface="Avenir Next Regular"/>
+                <a:sym typeface="Avenir Next Regular"/>
+              </a:defRPr>
             </a:pPr>
             <a:r>
               <a:t>Nous verrons encore d’autres protections dans la partie Hébergement.</a:t>
@@ -4884,17 +5122,6 @@
 <file path=ppt/slides/slide12.xml><?xml version="1.0" encoding="utf-8"?>
 <p:sld xmlns:a="http://schemas.openxmlformats.org/drawingml/2006/main" xmlns:r="http://schemas.openxmlformats.org/officeDocument/2006/relationships" xmlns:p="http://schemas.openxmlformats.org/presentationml/2006/main" xmlns:m="http://schemas.openxmlformats.org/officeDocument/2006/math" xmlns:a14="http://schemas.microsoft.com/office/drawing/2010/main" showMasterSp="1" showMasterPhAnim="1">
   <p:cSld>
-    <p:bg>
-      <p:bgPr>
-        <a:blipFill rotWithShape="1">
-          <a:blip r:embed="rId2"/>
-          <a:srcRect l="0" t="0" r="0" b="0"/>
-          <a:stretch>
-            <a:fillRect/>
-          </a:stretch>
-        </a:blipFill>
-      </p:bgPr>
-    </p:bg>
     <p:spTree>
       <p:nvGrpSpPr>
         <p:cNvPr id="1" name=""/>
@@ -4920,7 +5147,7 @@
           </p:nvPr>
         </p:nvPicPr>
         <p:blipFill>
-          <a:blip r:embed="rId3">
+          <a:blip r:embed="rId2">
             <a:extLst/>
           </a:blip>
           <a:srcRect l="2821" t="1298" r="2821" b="24634"/>
@@ -4931,7 +5158,7 @@
         <p:spPr>
           <a:xfrm>
             <a:off x="15766868" y="1741464"/>
-            <a:ext cx="8320929" cy="8392872"/>
+            <a:ext cx="8320930" cy="8392873"/>
           </a:xfrm>
           <a:prstGeom prst="rect">
             <a:avLst/>
@@ -4958,8 +5185,8 @@
         <p:txBody>
           <a:bodyPr/>
           <a:lstStyle>
-            <a:lvl1pPr defTabSz="2316479">
-              <a:defRPr spc="-95" sz="9500"/>
+            <a:lvl1pPr defTabSz="2316478">
+              <a:defRPr sz="9500"/>
             </a:lvl1pPr>
           </a:lstStyle>
           <a:p>
@@ -4980,38 +5207,59 @@
         </p:nvSpPr>
         <p:spPr>
           <a:xfrm>
-            <a:off x="1206500" y="4248504"/>
-            <a:ext cx="10446330" cy="7560901"/>
-          </a:xfrm>
-          <a:prstGeom prst="rect">
-            <a:avLst/>
-          </a:prstGeom>
-        </p:spPr>
-        <p:txBody>
-          <a:bodyPr/>
+            <a:off x="1206500" y="4248503"/>
+            <a:ext cx="10446330" cy="7560902"/>
+          </a:xfrm>
+          <a:prstGeom prst="rect">
+            <a:avLst/>
+          </a:prstGeom>
+        </p:spPr>
+        <p:txBody>
+          <a:bodyPr lIns="50800" tIns="50800" rIns="50800" bIns="50800"/>
           <a:lstStyle/>
           <a:p>
-            <a:pPr marL="0" indent="0">
-              <a:buSzTx/>
-              <a:buNone/>
+            <a:pPr defTabSz="355600">
+              <a:spcBef>
+                <a:spcPts val="4700"/>
+              </a:spcBef>
+              <a:defRPr sz="4000">
+                <a:latin typeface="Avenir Next Regular"/>
+                <a:ea typeface="Avenir Next Regular"/>
+                <a:cs typeface="Avenir Next Regular"/>
+                <a:sym typeface="Avenir Next Regular"/>
+              </a:defRPr>
             </a:pPr>
             <a:r>
               <a:t>Hostinger est l’un des hébergeurs les plus fiables du marché</a:t>
             </a:r>
           </a:p>
           <a:p>
-            <a:pPr marL="0" indent="0">
-              <a:buSzTx/>
-              <a:buNone/>
+            <a:pPr defTabSz="355600">
+              <a:spcBef>
+                <a:spcPts val="4700"/>
+              </a:spcBef>
+              <a:defRPr sz="4000">
+                <a:latin typeface="Avenir Next Regular"/>
+                <a:ea typeface="Avenir Next Regular"/>
+                <a:cs typeface="Avenir Next Regular"/>
+                <a:sym typeface="Avenir Next Regular"/>
+              </a:defRPr>
             </a:pPr>
             <a:r>
               <a:t>Il proposera une excellente expérience aux utilisateurs avec un site rapide, hébergé en France et prendra en charge une partie de sa sécurité.</a:t>
             </a:r>
           </a:p>
           <a:p>
-            <a:pPr marL="0" indent="0">
-              <a:buSzTx/>
-              <a:buNone/>
+            <a:pPr defTabSz="355600">
+              <a:spcBef>
+                <a:spcPts val="4700"/>
+              </a:spcBef>
+              <a:defRPr sz="4000">
+                <a:latin typeface="Avenir Next Regular"/>
+                <a:ea typeface="Avenir Next Regular"/>
+                <a:cs typeface="Avenir Next Regular"/>
+                <a:sym typeface="Avenir Next Regular"/>
+              </a:defRPr>
             </a:pPr>
             <a:r>
               <a:t>Son offre Cloud Startup couvrira pleinement les besoins de Menu Maker</a:t>
@@ -5028,7 +5276,7 @@
           <p:nvPr/>
         </p:nvPicPr>
         <p:blipFill>
-          <a:blip r:embed="rId4">
+          <a:blip r:embed="rId3">
             <a:extLst/>
           </a:blip>
           <a:srcRect l="0" t="0" r="10288" b="0"/>
@@ -5038,8 +5286,8 @@
         </p:blipFill>
         <p:spPr>
           <a:xfrm>
-            <a:off x="12625806" y="8316663"/>
-            <a:ext cx="5392273" cy="5455847"/>
+            <a:off x="12625806" y="8316662"/>
+            <a:ext cx="5392274" cy="5455848"/>
           </a:xfrm>
           <a:prstGeom prst="rect">
             <a:avLst/>
@@ -5058,7 +5306,7 @@
           <p:nvPr/>
         </p:nvPicPr>
         <p:blipFill>
-          <a:blip r:embed="rId5">
+          <a:blip r:embed="rId4">
             <a:extLst/>
           </a:blip>
           <a:srcRect l="16999" t="0" r="16999" b="0"/>
@@ -5069,7 +5317,7 @@
         <p:spPr>
           <a:xfrm>
             <a:off x="12281867" y="760214"/>
-            <a:ext cx="4089292" cy="4124648"/>
+            <a:ext cx="4089293" cy="4124648"/>
           </a:xfrm>
           <a:prstGeom prst="rect">
             <a:avLst/>
@@ -5114,13 +5362,21 @@
           </p:nvPr>
         </p:nvSpPr>
         <p:spPr>
+          <a:xfrm>
+            <a:off x="1206495" y="3911600"/>
+            <a:ext cx="21971006" cy="4648200"/>
+          </a:xfrm>
           <a:prstGeom prst="rect">
             <a:avLst/>
           </a:prstGeom>
         </p:spPr>
         <p:txBody>
           <a:bodyPr/>
-          <a:lstStyle/>
+          <a:lstStyle>
+            <a:lvl1pPr>
+              <a:defRPr spc="-200"/>
+            </a:lvl1pPr>
+          </a:lstStyle>
           <a:p>
             <a:pPr/>
             <a:r>
@@ -5169,15 +5425,15 @@
           <a:blip r:embed="rId2">
             <a:extLst/>
           </a:blip>
-          <a:srcRect l="4568" t="17748" r="32758" b="17748"/>
+          <a:srcRect l="3763" t="13280" r="33562" b="22215"/>
           <a:stretch>
             <a:fillRect/>
           </a:stretch>
         </p:blipFill>
         <p:spPr>
           <a:xfrm>
-            <a:off x="12101028" y="3139479"/>
-            <a:ext cx="12043559" cy="7437086"/>
+            <a:off x="12964146" y="1196740"/>
+            <a:ext cx="9778824" cy="6038578"/>
           </a:xfrm>
           <a:prstGeom prst="rect">
             <a:avLst/>
@@ -5195,7 +5451,7 @@
         <p:spPr>
           <a:xfrm>
             <a:off x="1206500" y="1551482"/>
-            <a:ext cx="9779000" cy="1689101"/>
+            <a:ext cx="9779000" cy="1689102"/>
           </a:xfrm>
           <a:prstGeom prst="rect">
             <a:avLst/>
@@ -5204,8 +5460,8 @@
         <p:txBody>
           <a:bodyPr/>
           <a:lstStyle>
-            <a:lvl1pPr defTabSz="1682495">
-              <a:defRPr spc="-69" sz="6900"/>
+            <a:lvl1pPr defTabSz="1682494">
+              <a:defRPr sz="6900"/>
             </a:lvl1pPr>
           </a:lstStyle>
           <a:p>
@@ -5225,42 +5481,119 @@
           </p:nvPr>
         </p:nvSpPr>
         <p:spPr>
-          <a:prstGeom prst="rect">
-            <a:avLst/>
-          </a:prstGeom>
-        </p:spPr>
-        <p:txBody>
-          <a:bodyPr/>
+          <a:xfrm>
+            <a:off x="1206500" y="4248503"/>
+            <a:ext cx="9779000" cy="8256014"/>
+          </a:xfrm>
+          <a:prstGeom prst="rect">
+            <a:avLst/>
+          </a:prstGeom>
+        </p:spPr>
+        <p:txBody>
+          <a:bodyPr lIns="50800" tIns="50800" rIns="50800" bIns="50800"/>
           <a:lstStyle/>
           <a:p>
-            <a:pPr marL="0" indent="0">
+            <a:pPr defTabSz="348488">
+              <a:spcBef>
+                <a:spcPts val="4600"/>
+              </a:spcBef>
+              <a:defRPr sz="3920">
+                <a:latin typeface="Avenir Next Regular"/>
+                <a:ea typeface="Avenir Next Regular"/>
+                <a:cs typeface="Avenir Next Regular"/>
+                <a:sym typeface="Avenir Next Regular"/>
+              </a:defRPr>
+            </a:pPr>
+            <a:r>
+              <a:t>Au vu des différentes tâches à accomplir </a:t>
+            </a:r>
+          </a:p>
+          <a:p>
+            <a:pPr lvl="1" marL="0" indent="448055" defTabSz="348488">
+              <a:spcBef>
+                <a:spcPts val="4600"/>
+              </a:spcBef>
               <a:buSzTx/>
               <a:buNone/>
+              <a:defRPr sz="3920">
+                <a:latin typeface="Avenir Next Regular"/>
+                <a:ea typeface="Avenir Next Regular"/>
+                <a:cs typeface="Avenir Next Regular"/>
+                <a:sym typeface="Avenir Next Regular"/>
+              </a:defRPr>
             </a:pPr>
             <a:r>
-              <a:t>Au vu des différentes tâches à accomplir </a:t>
-            </a:r>
-          </a:p>
-          <a:p>
-            <a:pPr lvl="1" marL="0" indent="457200">
+              <a:t>1 développeur Front End sera nécessaire pour le développement de l’interface utilisateur</a:t>
+            </a:r>
+          </a:p>
+          <a:p>
+            <a:pPr lvl="1" marL="0" indent="448055" defTabSz="348488">
+              <a:spcBef>
+                <a:spcPts val="4600"/>
+              </a:spcBef>
               <a:buSzTx/>
               <a:buNone/>
+              <a:defRPr sz="3920">
+                <a:latin typeface="Avenir Next Regular"/>
+                <a:ea typeface="Avenir Next Regular"/>
+                <a:cs typeface="Avenir Next Regular"/>
+                <a:sym typeface="Avenir Next Regular"/>
+              </a:defRPr>
             </a:pPr>
             <a:r>
-              <a:t>1 développeur Front End sera nécessaire pour le développement de l’interface utilisateur</a:t>
-            </a:r>
-          </a:p>
-          <a:p>
-            <a:pPr lvl="1" marL="0" indent="457200">
+              <a:t>1 développeur Back end sera nécessaire pour la conception et la gestion de la base de données et la gestion des APIs</a:t>
+            </a:r>
+          </a:p>
+          <a:p>
+            <a:pPr lvl="1" marL="0" indent="448055" defTabSz="348488">
+              <a:spcBef>
+                <a:spcPts val="4600"/>
+              </a:spcBef>
               <a:buSzTx/>
               <a:buNone/>
+              <a:defRPr sz="3920">
+                <a:latin typeface="Avenir Next Regular"/>
+                <a:ea typeface="Avenir Next Regular"/>
+                <a:cs typeface="Avenir Next Regular"/>
+                <a:sym typeface="Avenir Next Regular"/>
+              </a:defRPr>
             </a:pPr>
             <a:r>
-              <a:t>1 développeur Back end sera nécessaire pour la conception et la gestion de la base de données et la gestion des APIs</a:t>
-            </a:r>
-          </a:p>
-        </p:txBody>
-      </p:sp>
+              <a:t>1 développeur Full Stack appuiera l’équipe </a:t>
+            </a:r>
+          </a:p>
+        </p:txBody>
+      </p:sp>
+      <p:pic>
+        <p:nvPicPr>
+          <p:cNvPr id="238" name="0_EODEF6xTWVm5hv-3.jpeg" descr="0_EODEF6xTWVm5hv-3.jpeg"/>
+          <p:cNvPicPr>
+            <a:picLocks noChangeAspect="1"/>
+          </p:cNvPicPr>
+          <p:nvPr/>
+        </p:nvPicPr>
+        <p:blipFill>
+          <a:blip r:embed="rId2">
+            <a:extLst/>
+          </a:blip>
+          <a:srcRect l="66641" t="17747" r="0" b="17747"/>
+          <a:stretch>
+            <a:fillRect/>
+          </a:stretch>
+        </p:blipFill>
+        <p:spPr>
+          <a:xfrm>
+            <a:off x="15096158" y="6817250"/>
+            <a:ext cx="5514792" cy="6398176"/>
+          </a:xfrm>
+          <a:prstGeom prst="rect">
+            <a:avLst/>
+          </a:prstGeom>
+          <a:ln w="12700">
+            <a:miter lim="400000"/>
+          </a:ln>
+        </p:spPr>
+      </p:pic>
     </p:spTree>
   </p:cSld>
   <p:clrMapOvr>
@@ -5289,7 +5622,7 @@
       </p:grpSpPr>
       <p:pic>
         <p:nvPicPr>
-          <p:cNvPr id="239" name="agile-methode.jpeg" descr="agile-methode.jpeg"/>
+          <p:cNvPr id="240" name="agile-methode.jpeg" descr="agile-methode.jpeg"/>
           <p:cNvPicPr>
             <a:picLocks noChangeAspect="1"/>
           </p:cNvPicPr>
@@ -5305,8 +5638,8 @@
         </p:blipFill>
         <p:spPr>
           <a:xfrm>
-            <a:off x="11316635" y="8812399"/>
-            <a:ext cx="13172518" cy="4901102"/>
+            <a:off x="11316634" y="8812399"/>
+            <a:ext cx="13172520" cy="4901103"/>
           </a:xfrm>
           <a:prstGeom prst="rect">
             <a:avLst/>
@@ -5318,7 +5651,7 @@
       </p:pic>
       <p:pic>
         <p:nvPicPr>
-          <p:cNvPr id="240" name="PrincipesAgiles.png" descr="PrincipesAgiles.png"/>
+          <p:cNvPr id="241" name="PrincipesAgiles.png" descr="PrincipesAgiles.png"/>
           <p:cNvPicPr>
             <a:picLocks noChangeAspect="1"/>
           </p:cNvPicPr>
@@ -5337,8 +5670,8 @@
         </p:blipFill>
         <p:spPr>
           <a:xfrm>
-            <a:off x="18437857" y="586321"/>
-            <a:ext cx="7723402" cy="9049410"/>
+            <a:off x="18437857" y="586320"/>
+            <a:ext cx="7723403" cy="9049411"/>
           </a:xfrm>
           <a:prstGeom prst="rect">
             <a:avLst/>
@@ -5347,7 +5680,7 @@
       </p:pic>
       <p:sp>
         <p:nvSpPr>
-          <p:cNvPr id="241" name="Méthode de travail"/>
+          <p:cNvPr id="242" name="Méthode de travail"/>
           <p:cNvSpPr txBox="1"/>
           <p:nvPr>
             <p:ph type="title"/>
@@ -5366,7 +5699,7 @@
           <a:bodyPr/>
           <a:lstStyle>
             <a:lvl1pPr defTabSz="2194559">
-              <a:defRPr spc="-90" sz="9000"/>
+              <a:defRPr sz="9000"/>
             </a:lvl1pPr>
           </a:lstStyle>
           <a:p>
@@ -5379,7 +5712,7 @@
       </p:sp>
       <p:sp>
         <p:nvSpPr>
-          <p:cNvPr id="242" name="La méthode agile offre une approche flexible et itérative. Elle favorise une collaboration continue entre l’équipe et vous.…"/>
+          <p:cNvPr id="243" name="La méthode agile offre une approche flexible et itérative. Elle favorise une collaboration continue entre l’équipe et vous.…"/>
           <p:cNvSpPr txBox="1"/>
           <p:nvPr>
             <p:ph type="body" sz="quarter" idx="1"/>
@@ -5387,29 +5720,43 @@
         </p:nvSpPr>
         <p:spPr>
           <a:xfrm>
-            <a:off x="993228" y="4456289"/>
-            <a:ext cx="9779001" cy="6513421"/>
-          </a:xfrm>
-          <a:prstGeom prst="rect">
-            <a:avLst/>
-          </a:prstGeom>
-        </p:spPr>
-        <p:txBody>
-          <a:bodyPr/>
+            <a:off x="993228" y="4456288"/>
+            <a:ext cx="9779001" cy="6513422"/>
+          </a:xfrm>
+          <a:prstGeom prst="rect">
+            <a:avLst/>
+          </a:prstGeom>
+        </p:spPr>
+        <p:txBody>
+          <a:bodyPr lIns="50800" tIns="50800" rIns="50800" bIns="50800"/>
           <a:lstStyle/>
           <a:p>
-            <a:pPr marL="0" indent="0">
-              <a:buSzTx/>
-              <a:buNone/>
+            <a:pPr defTabSz="355600">
+              <a:spcBef>
+                <a:spcPts val="4700"/>
+              </a:spcBef>
+              <a:defRPr sz="4000">
+                <a:latin typeface="Avenir Next Regular"/>
+                <a:ea typeface="Avenir Next Regular"/>
+                <a:cs typeface="Avenir Next Regular"/>
+                <a:sym typeface="Avenir Next Regular"/>
+              </a:defRPr>
             </a:pPr>
             <a:r>
               <a:t>La méthode agile offre une approche flexible et itérative. Elle favorise une collaboration continue entre l’équipe et vous. </a:t>
             </a:r>
           </a:p>
           <a:p>
-            <a:pPr marL="0" indent="0">
-              <a:buSzTx/>
-              <a:buNone/>
+            <a:pPr defTabSz="355600">
+              <a:spcBef>
+                <a:spcPts val="4700"/>
+              </a:spcBef>
+              <a:defRPr sz="4000">
+                <a:latin typeface="Avenir Next Regular"/>
+                <a:ea typeface="Avenir Next Regular"/>
+                <a:cs typeface="Avenir Next Regular"/>
+                <a:sym typeface="Avenir Next Regular"/>
+              </a:defRPr>
             </a:pPr>
             <a:r>
               <a:t>La livraison fréquente de fonctionnalités permet de s’adapter aux retours, améliorant sa satisfaction et la qualité du produit final.</a:t>
@@ -5419,14 +5766,14 @@
       </p:sp>
       <p:sp>
         <p:nvSpPr>
-          <p:cNvPr id="243" name="Méthode AGILE"/>
+          <p:cNvPr id="244" name="Méthode AGILE"/>
           <p:cNvSpPr txBox="1"/>
           <p:nvPr/>
         </p:nvSpPr>
         <p:spPr>
           <a:xfrm>
             <a:off x="898883" y="2592758"/>
-            <a:ext cx="8670602" cy="1050494"/>
+            <a:ext cx="8670602" cy="1050495"/>
           </a:xfrm>
           <a:prstGeom prst="rect">
             <a:avLst/>
@@ -5444,7 +5791,19 @@
           <a:bodyPr lIns="50800" tIns="50800" rIns="50800" bIns="50800">
             <a:normAutofit fontScale="100000" lnSpcReduction="0"/>
           </a:bodyPr>
-          <a:lstStyle/>
+          <a:lstStyle>
+            <a:lvl1pPr>
+              <a:defRPr>
+                <a:solidFill>
+                  <a:srgbClr val="535860"/>
+                </a:solidFill>
+                <a:latin typeface="Avenir Next Regular"/>
+                <a:ea typeface="Avenir Next Regular"/>
+                <a:cs typeface="Avenir Next Regular"/>
+                <a:sym typeface="Avenir Next Regular"/>
+              </a:defRPr>
+            </a:lvl1pPr>
+          </a:lstStyle>
           <a:p>
             <a:pPr/>
             <a:r>
@@ -5465,17 +5824,6 @@
 <file path=ppt/slides/slide16.xml><?xml version="1.0" encoding="utf-8"?>
 <p:sld xmlns:a="http://schemas.openxmlformats.org/drawingml/2006/main" xmlns:r="http://schemas.openxmlformats.org/officeDocument/2006/relationships" xmlns:p="http://schemas.openxmlformats.org/presentationml/2006/main" xmlns:m="http://schemas.openxmlformats.org/officeDocument/2006/math" xmlns:a14="http://schemas.microsoft.com/office/drawing/2010/main" showMasterSp="1" showMasterPhAnim="1">
   <p:cSld>
-    <p:bg>
-      <p:bgPr>
-        <a:blipFill rotWithShape="1">
-          <a:blip r:embed="rId2"/>
-          <a:srcRect l="0" t="0" r="0" b="0"/>
-          <a:stretch>
-            <a:fillRect/>
-          </a:stretch>
-        </a:blipFill>
-      </p:bgPr>
-    </p:bg>
     <p:spTree>
       <p:nvGrpSpPr>
         <p:cNvPr id="1" name=""/>
@@ -5492,7 +5840,7 @@
       </p:grpSpPr>
       <p:sp>
         <p:nvSpPr>
-          <p:cNvPr id="245" name="Planification"/>
+          <p:cNvPr id="246" name="Planification"/>
           <p:cNvSpPr txBox="1"/>
           <p:nvPr>
             <p:ph type="title"/>
@@ -5500,8 +5848,8 @@
         </p:nvSpPr>
         <p:spPr>
           <a:xfrm>
-            <a:off x="685170" y="1053850"/>
-            <a:ext cx="10370539" cy="1689101"/>
+            <a:off x="685169" y="1053850"/>
+            <a:ext cx="10370541" cy="1689101"/>
           </a:xfrm>
           <a:prstGeom prst="rect">
             <a:avLst/>
@@ -5510,8 +5858,8 @@
         <p:txBody>
           <a:bodyPr/>
           <a:lstStyle>
-            <a:lvl1pPr defTabSz="2316479">
-              <a:defRPr spc="-95" sz="9500"/>
+            <a:lvl1pPr defTabSz="2316478">
+              <a:defRPr sz="9500"/>
             </a:lvl1pPr>
           </a:lstStyle>
           <a:p>
@@ -5524,14 +5872,14 @@
       </p:sp>
       <p:sp>
         <p:nvSpPr>
-          <p:cNvPr id="246" name="Au vu de la charge de travail, nous prévoyons 3 sprints de 2 semaines.…"/>
+          <p:cNvPr id="247" name="Au vu de la charge de travail, nous prévoyons 3 sprints de 2 semaines.…"/>
           <p:cNvSpPr txBox="1"/>
           <p:nvPr/>
         </p:nvSpPr>
         <p:spPr>
           <a:xfrm>
-            <a:off x="726579" y="2883537"/>
-            <a:ext cx="22323499" cy="7948926"/>
+            <a:off x="726578" y="2883537"/>
+            <a:ext cx="22323502" cy="7948925"/>
           </a:xfrm>
           <a:prstGeom prst="rect">
             <a:avLst/>
@@ -5551,44 +5899,76 @@
           </a:bodyPr>
           <a:lstStyle/>
           <a:p>
-            <a:pPr defTabSz="320039">
+            <a:pPr defTabSz="320038">
               <a:spcBef>
                 <a:spcPts val="4200"/>
               </a:spcBef>
-              <a:defRPr sz="3600"/>
+              <a:defRPr sz="3600">
+                <a:solidFill>
+                  <a:srgbClr val="535860"/>
+                </a:solidFill>
+                <a:latin typeface="Avenir Next Regular"/>
+                <a:ea typeface="Avenir Next Regular"/>
+                <a:cs typeface="Avenir Next Regular"/>
+                <a:sym typeface="Avenir Next Regular"/>
+              </a:defRPr>
             </a:pPr>
             <a:r>
               <a:t>Au vu de la charge de travail, nous prévoyons 3 sprints de 2 semaines. </a:t>
             </a:r>
           </a:p>
           <a:p>
-            <a:pPr defTabSz="320039">
+            <a:pPr defTabSz="320038">
               <a:spcBef>
                 <a:spcPts val="4200"/>
               </a:spcBef>
-              <a:defRPr sz="3600"/>
+              <a:defRPr sz="3600">
+                <a:solidFill>
+                  <a:srgbClr val="535860"/>
+                </a:solidFill>
+                <a:latin typeface="Avenir Next Regular"/>
+                <a:ea typeface="Avenir Next Regular"/>
+                <a:cs typeface="Avenir Next Regular"/>
+                <a:sym typeface="Avenir Next Regular"/>
+              </a:defRPr>
             </a:pPr>
             <a:r>
               <a:t>Durant cette période, l’équipe se réunira brièvement chaque jour pour pouvoir partager ses progrès, discuter des obstacles éventuels et coordonner les activités à venir. Chacun des membres explique rapidement ce qu’il a accompli depuis la dernière réunion, ce sur quoi il travaille actuellement et s’il rencontre des problèmes nécessitant une assistance.</a:t>
             </a:r>
           </a:p>
           <a:p>
-            <a:pPr defTabSz="320039">
+            <a:pPr defTabSz="320038">
               <a:spcBef>
                 <a:spcPts val="4200"/>
               </a:spcBef>
-              <a:defRPr sz="3600"/>
+              <a:defRPr sz="3600">
+                <a:solidFill>
+                  <a:srgbClr val="535860"/>
+                </a:solidFill>
+                <a:latin typeface="Avenir Next Regular"/>
+                <a:ea typeface="Avenir Next Regular"/>
+                <a:cs typeface="Avenir Next Regular"/>
+                <a:sym typeface="Avenir Next Regular"/>
+              </a:defRPr>
             </a:pPr>
             <a:r>
               <a:t>Elle réalisera les tâches prévues et présentera ses livrables à la fin de chaque sprint. Comme convenu, vous pourrez nous indiquer si nous devrions apporter des modifications. Auquel cas les tâches retourneront en développement.</a:t>
             </a:r>
           </a:p>
           <a:p>
-            <a:pPr defTabSz="320039">
+            <a:pPr defTabSz="320038">
               <a:spcBef>
                 <a:spcPts val="4200"/>
               </a:spcBef>
-              <a:defRPr sz="3600"/>
+              <a:defRPr sz="3600">
+                <a:solidFill>
+                  <a:srgbClr val="535860"/>
+                </a:solidFill>
+                <a:latin typeface="Avenir Next Regular"/>
+                <a:ea typeface="Avenir Next Regular"/>
+                <a:cs typeface="Avenir Next Regular"/>
+                <a:sym typeface="Avenir Next Regular"/>
+              </a:defRPr>
             </a:pPr>
             <a:r>
               <a:t>La méthode de développement AGILE est itérable donc s’adaptera à vos besoins, si vous souhaitez modifier, ajouter ou supprimer une fonctionnalité, nous pourrons ajouter un nouveau sprint.</a:t>
@@ -5598,14 +5978,14 @@
       </p:sp>
       <p:sp>
         <p:nvSpPr>
-          <p:cNvPr id="247" name="Lancement de la conception de Menu Maker prévue du —/—/2024 au —/—/2024"/>
+          <p:cNvPr id="248" name="Lancement de la conception de Menu Maker prévue du —/—/2024 au —/—/2024"/>
           <p:cNvSpPr txBox="1"/>
           <p:nvPr/>
         </p:nvSpPr>
         <p:spPr>
           <a:xfrm>
-            <a:off x="798778" y="11407555"/>
-            <a:ext cx="16678927" cy="1029177"/>
+            <a:off x="798778" y="11407554"/>
+            <a:ext cx="16678928" cy="1029178"/>
           </a:xfrm>
           <a:prstGeom prst="rect">
             <a:avLst/>
@@ -5624,11 +6004,19 @@
             <a:normAutofit fontScale="100000" lnSpcReduction="0"/>
           </a:bodyPr>
           <a:lstStyle>
-            <a:lvl1pPr defTabSz="323596">
+            <a:lvl1pPr defTabSz="323595">
               <a:spcBef>
                 <a:spcPts val="4200"/>
               </a:spcBef>
-              <a:defRPr sz="3640"/>
+              <a:defRPr sz="3600">
+                <a:solidFill>
+                  <a:srgbClr val="535860"/>
+                </a:solidFill>
+                <a:latin typeface="Avenir Next Regular"/>
+                <a:ea typeface="Avenir Next Regular"/>
+                <a:cs typeface="Avenir Next Regular"/>
+                <a:sym typeface="Avenir Next Regular"/>
+              </a:defRPr>
             </a:lvl1pPr>
           </a:lstStyle>
           <a:p>
@@ -5667,7 +6055,7 @@
       </p:grpSpPr>
       <p:pic>
         <p:nvPicPr>
-          <p:cNvPr id="249" name="6367dd4a5d859167c786b592_6259f7e78337c725752693cb_Sprint-planning-meeting.png" descr="6367dd4a5d859167c786b592_6259f7e78337c725752693cb_Sprint-planning-meeting.png"/>
+          <p:cNvPr id="250" name="6367dd4a5d859167c786b592_6259f7e78337c725752693cb_Sprint-planning-meeting.png" descr="6367dd4a5d859167c786b592_6259f7e78337c725752693cb_Sprint-planning-meeting.png"/>
           <p:cNvPicPr>
             <a:picLocks noChangeAspect="1"/>
           </p:cNvPicPr>
@@ -5696,7 +6084,7 @@
       </p:pic>
       <p:sp>
         <p:nvSpPr>
-          <p:cNvPr id="250" name="Collaboration et validation"/>
+          <p:cNvPr id="251" name="Collaboration et validation"/>
           <p:cNvSpPr txBox="1"/>
           <p:nvPr>
             <p:ph type="title"/>
@@ -5705,7 +6093,7 @@
         <p:spPr>
           <a:xfrm>
             <a:off x="1202483" y="1551482"/>
-            <a:ext cx="9779001" cy="1689101"/>
+            <a:ext cx="9779001" cy="1689102"/>
           </a:xfrm>
           <a:prstGeom prst="rect">
             <a:avLst/>
@@ -5714,8 +6102,8 @@
         <p:txBody>
           <a:bodyPr/>
           <a:lstStyle>
-            <a:lvl1pPr defTabSz="1560575">
-              <a:defRPr spc="-64" sz="6400"/>
+            <a:lvl1pPr defTabSz="1560574">
+              <a:defRPr sz="6400"/>
             </a:lvl1pPr>
           </a:lstStyle>
           <a:p>
@@ -5728,7 +6116,7 @@
       </p:sp>
       <p:sp>
         <p:nvSpPr>
-          <p:cNvPr id="251" name="Chaque étape sera validée par le Product Owner avant que l’équipe ne passe à la suivante et une rencontre en visioconférence avec vous sera tenue chaque semaine.…"/>
+          <p:cNvPr id="252" name="Chaque étape sera validée par le Product Owner avant que l’équipe ne passe à la suivante et une rencontre en visioconférence avec vous sera tenue chaque semaine.…"/>
           <p:cNvSpPr txBox="1"/>
           <p:nvPr>
             <p:ph type="body" sz="half" idx="1"/>
@@ -5736,63 +6124,75 @@
         </p:nvSpPr>
         <p:spPr>
           <a:xfrm>
-            <a:off x="1206500" y="3441922"/>
-            <a:ext cx="10209578" cy="9379496"/>
-          </a:xfrm>
-          <a:prstGeom prst="rect">
-            <a:avLst/>
-          </a:prstGeom>
-        </p:spPr>
-        <p:txBody>
-          <a:bodyPr/>
+            <a:off x="1206499" y="3441922"/>
+            <a:ext cx="10209580" cy="9379496"/>
+          </a:xfrm>
+          <a:prstGeom prst="rect">
+            <a:avLst/>
+          </a:prstGeom>
+        </p:spPr>
+        <p:txBody>
+          <a:bodyPr lIns="50800" tIns="50800" rIns="50800" bIns="50800"/>
           <a:lstStyle/>
           <a:p>
-            <a:pPr marL="0" indent="0" defTabSz="280924">
+            <a:pPr defTabSz="280924">
               <a:spcBef>
                 <a:spcPts val="3700"/>
               </a:spcBef>
-              <a:buSzTx/>
-              <a:buNone/>
-              <a:defRPr sz="3160"/>
+              <a:defRPr sz="3100">
+                <a:latin typeface="Avenir Next Regular"/>
+                <a:ea typeface="Avenir Next Regular"/>
+                <a:cs typeface="Avenir Next Regular"/>
+                <a:sym typeface="Avenir Next Regular"/>
+              </a:defRPr>
             </a:pPr>
             <a:r>
               <a:t>Chaque étape sera validée par le Product Owner avant que l’équipe ne passe à la suivante et une rencontre en visioconférence avec vous sera tenue chaque semaine. </a:t>
             </a:r>
           </a:p>
           <a:p>
-            <a:pPr marL="0" indent="0" defTabSz="280924">
+            <a:pPr defTabSz="280924">
               <a:spcBef>
                 <a:spcPts val="3700"/>
               </a:spcBef>
-              <a:buSzTx/>
-              <a:buNone/>
-              <a:defRPr sz="3160"/>
+              <a:defRPr sz="3100">
+                <a:latin typeface="Avenir Next Regular"/>
+                <a:ea typeface="Avenir Next Regular"/>
+                <a:cs typeface="Avenir Next Regular"/>
+                <a:sym typeface="Avenir Next Regular"/>
+              </a:defRPr>
             </a:pPr>
             <a:r>
               <a:t>Une sprint review organisée en présentielle avec toute l’équipe permettra de vous présenter les résultats du sprint qui vient de prendre fin afin de voir l’évolution du produit ainsi que de donner des retours. Ceci afin de planifier le prochain sprint.</a:t>
             </a:r>
           </a:p>
           <a:p>
-            <a:pPr marL="0" indent="0" defTabSz="280924">
+            <a:pPr defTabSz="280924">
               <a:spcBef>
                 <a:spcPts val="3700"/>
               </a:spcBef>
-              <a:buSzTx/>
-              <a:buNone/>
-              <a:defRPr sz="3160"/>
+              <a:defRPr sz="3100">
+                <a:latin typeface="Avenir Next Regular"/>
+                <a:ea typeface="Avenir Next Regular"/>
+                <a:cs typeface="Avenir Next Regular"/>
+                <a:sym typeface="Avenir Next Regular"/>
+              </a:defRPr>
             </a:pPr>
             <a:r>
               <a:t>Des démonstrations lors de phases de test peuvent  aussi être prévues.</a:t>
             </a:r>
           </a:p>
           <a:p>
-            <a:pPr marL="0" indent="0" defTabSz="280924">
+            <a:pPr defTabSz="280924">
               <a:spcBef>
                 <a:spcPts val="3700"/>
               </a:spcBef>
-              <a:buSzTx/>
-              <a:buNone/>
-              <a:defRPr sz="3160"/>
+              <a:defRPr sz="3100">
+                <a:latin typeface="Avenir Next Regular"/>
+                <a:ea typeface="Avenir Next Regular"/>
+                <a:cs typeface="Avenir Next Regular"/>
+                <a:sym typeface="Avenir Next Regular"/>
+              </a:defRPr>
             </a:pPr>
             <a:r>
               <a:t>Le but est d’avoir une collaboration continue entre l’équipe et vous tout au long du projet afin d’ajuster les priorités et besoins et d’assurer la livraison d’un produit qui vous satisfait pleinement</a:t>
@@ -5828,7 +6228,7 @@
       </p:grpSpPr>
       <p:sp>
         <p:nvSpPr>
-          <p:cNvPr id="253" name="Planification et communication"/>
+          <p:cNvPr id="254" name="Planification et communication"/>
           <p:cNvSpPr txBox="1"/>
           <p:nvPr>
             <p:ph type="title"/>
@@ -5837,7 +6237,7 @@
         <p:spPr>
           <a:xfrm>
             <a:off x="803654" y="635355"/>
-            <a:ext cx="21971001" cy="1689101"/>
+            <a:ext cx="21971002" cy="1689102"/>
           </a:xfrm>
           <a:prstGeom prst="rect">
             <a:avLst/>
@@ -5846,8 +6246,8 @@
         <p:txBody>
           <a:bodyPr/>
           <a:lstStyle>
-            <a:lvl1pPr defTabSz="2316479">
-              <a:defRPr spc="-95" sz="9500"/>
+            <a:lvl1pPr defTabSz="2316478">
+              <a:defRPr sz="9500"/>
             </a:lvl1pPr>
           </a:lstStyle>
           <a:p>
@@ -5860,13 +6260,13 @@
       </p:sp>
       <p:graphicFrame>
         <p:nvGraphicFramePr>
-          <p:cNvPr id="254" name="Tableau 1"/>
+          <p:cNvPr id="255" name="Tableau 1"/>
           <p:cNvGraphicFramePr/>
           <p:nvPr/>
         </p:nvGraphicFramePr>
         <p:xfrm>
           <a:off x="2061454" y="5126292"/>
-          <a:ext cx="19468101" cy="6541134"/>
+          <a:ext cx="19455399" cy="5228783"/>
         </p:xfrm>
         <a:graphic xmlns:a="http://schemas.openxmlformats.org/drawingml/2006/main">
           <a:graphicData uri="http://schemas.openxmlformats.org/drawingml/2006/table">
@@ -5889,18 +6289,16 @@
                         <a:defRPr sz="1800"/>
                       </a:pPr>
                       <a:r>
-                        <a:rPr sz="3200"/>
+                        <a:rPr sz="3200">
+                          <a:sym typeface="Produkt Extralight"/>
+                        </a:rPr>
                         <a:t>Sprint 1</a:t>
                       </a:r>
                     </a:p>
                   </a:txBody>
                   <a:tcPr marL="50800" marR="50800" marT="50800" marB="50800" anchor="ctr" anchorCtr="0" horzOverflow="overflow">
                     <a:solidFill>
-                      <a:schemeClr val="accent4">
-                        <a:hueOff val="112711"/>
-                        <a:satOff val="-6790"/>
-                        <a:lumOff val="9859"/>
-                      </a:schemeClr>
+                      <a:srgbClr val="F0D290"/>
                     </a:solidFill>
                   </a:tcPr>
                 </a:tc>
@@ -5913,18 +6311,16 @@
                         <a:defRPr sz="1800"/>
                       </a:pPr>
                       <a:r>
-                        <a:rPr sz="3200"/>
+                        <a:rPr sz="3200">
+                          <a:sym typeface="Produkt Extralight"/>
+                        </a:rPr>
                         <a:t>Sprint 2</a:t>
                       </a:r>
                     </a:p>
                   </a:txBody>
                   <a:tcPr marL="50800" marR="50800" marT="50800" marB="50800" anchor="ctr" anchorCtr="0" horzOverflow="overflow">
                     <a:solidFill>
-                      <a:schemeClr val="accent4">
-                        <a:hueOff val="112711"/>
-                        <a:satOff val="-6790"/>
-                        <a:lumOff val="9859"/>
-                      </a:schemeClr>
+                      <a:srgbClr val="F0D290"/>
                     </a:solidFill>
                   </a:tcPr>
                 </a:tc>
@@ -5937,18 +6333,16 @@
                         <a:defRPr sz="1800"/>
                       </a:pPr>
                       <a:r>
-                        <a:rPr sz="3200"/>
+                        <a:rPr sz="3200">
+                          <a:sym typeface="Produkt Extralight"/>
+                        </a:rPr>
                         <a:t>Sprint 3</a:t>
                       </a:r>
                     </a:p>
                   </a:txBody>
                   <a:tcPr marL="50800" marR="50800" marT="50800" marB="50800" anchor="ctr" anchorCtr="0" horzOverflow="overflow">
                     <a:solidFill>
-                      <a:schemeClr val="accent4">
-                        <a:hueOff val="112711"/>
-                        <a:satOff val="-6790"/>
-                        <a:lumOff val="9859"/>
-                      </a:schemeClr>
+                      <a:srgbClr val="F0D290"/>
                     </a:solidFill>
                   </a:tcPr>
                 </a:tc>
@@ -5963,18 +6357,16 @@
                         <a:defRPr sz="1800"/>
                       </a:pPr>
                       <a:r>
-                        <a:rPr sz="3200"/>
+                        <a:rPr sz="3200">
+                          <a:sym typeface="Produkt Extralight"/>
+                        </a:rPr>
                         <a:t>Semaine 1 : Rencontre en visioconférence</a:t>
                       </a:r>
                     </a:p>
                   </a:txBody>
                   <a:tcPr marL="50800" marR="50800" marT="50800" marB="50800" anchor="ctr" anchorCtr="0" horzOverflow="overflow">
                     <a:solidFill>
-                      <a:schemeClr val="accent1">
-                        <a:hueOff val="-181383"/>
-                        <a:satOff val="15108"/>
-                        <a:lumOff val="14987"/>
-                      </a:schemeClr>
+                      <a:srgbClr val="C5D2E1"/>
                     </a:solidFill>
                   </a:tcPr>
                 </a:tc>
@@ -5987,18 +6379,16 @@
                         <a:defRPr sz="1800"/>
                       </a:pPr>
                       <a:r>
-                        <a:rPr sz="3200"/>
+                        <a:rPr sz="3200">
+                          <a:sym typeface="Produkt Extralight"/>
+                        </a:rPr>
                         <a:t>Semaine 1 : Rencontre en visioconférence</a:t>
                       </a:r>
                     </a:p>
                   </a:txBody>
                   <a:tcPr marL="50800" marR="50800" marT="50800" marB="50800" anchor="ctr" anchorCtr="0" horzOverflow="overflow">
                     <a:solidFill>
-                      <a:schemeClr val="accent1">
-                        <a:hueOff val="-181383"/>
-                        <a:satOff val="15108"/>
-                        <a:lumOff val="14987"/>
-                      </a:schemeClr>
+                      <a:srgbClr val="C5D2E1"/>
                     </a:solidFill>
                   </a:tcPr>
                 </a:tc>
@@ -6011,18 +6401,16 @@
                         <a:defRPr sz="1800"/>
                       </a:pPr>
                       <a:r>
-                        <a:rPr sz="3200"/>
+                        <a:rPr sz="3200">
+                          <a:sym typeface="Produkt Extralight"/>
+                        </a:rPr>
                         <a:t>Semaine 1 : Rencontre en visioconférence</a:t>
                       </a:r>
                     </a:p>
                   </a:txBody>
                   <a:tcPr marL="50800" marR="50800" marT="50800" marB="50800" anchor="ctr" anchorCtr="0" horzOverflow="overflow">
                     <a:solidFill>
-                      <a:schemeClr val="accent1">
-                        <a:hueOff val="-181383"/>
-                        <a:satOff val="15108"/>
-                        <a:lumOff val="14987"/>
-                      </a:schemeClr>
+                      <a:srgbClr val="C5D2E1"/>
                     </a:solidFill>
                   </a:tcPr>
                 </a:tc>
@@ -6037,18 +6425,16 @@
                         <a:defRPr sz="1800"/>
                       </a:pPr>
                       <a:r>
-                        <a:rPr sz="3200"/>
+                        <a:rPr sz="3200">
+                          <a:sym typeface="Produkt Extralight"/>
+                        </a:rPr>
                         <a:t>Semaine 2 : Rencontre en présentiel pour la Sprint Review</a:t>
                       </a:r>
                     </a:p>
                   </a:txBody>
                   <a:tcPr marL="50800" marR="50800" marT="50800" marB="50800" anchor="ctr" anchorCtr="0" horzOverflow="overflow">
                     <a:solidFill>
-                      <a:schemeClr val="accent1">
-                        <a:hueOff val="-181383"/>
-                        <a:satOff val="15108"/>
-                        <a:lumOff val="14987"/>
-                      </a:schemeClr>
+                      <a:srgbClr val="C5D2E1"/>
                     </a:solidFill>
                   </a:tcPr>
                 </a:tc>
@@ -6061,18 +6447,16 @@
                         <a:defRPr sz="1800"/>
                       </a:pPr>
                       <a:r>
-                        <a:rPr sz="3200"/>
+                        <a:rPr sz="3200">
+                          <a:sym typeface="Produkt Extralight"/>
+                        </a:rPr>
                         <a:t>Semaine 2 : Rencontre en présentiel pour la Sprint Review</a:t>
                       </a:r>
                     </a:p>
                   </a:txBody>
                   <a:tcPr marL="50800" marR="50800" marT="50800" marB="50800" anchor="ctr" anchorCtr="0" horzOverflow="overflow">
                     <a:solidFill>
-                      <a:schemeClr val="accent1">
-                        <a:hueOff val="-181383"/>
-                        <a:satOff val="15108"/>
-                        <a:lumOff val="14987"/>
-                      </a:schemeClr>
+                      <a:srgbClr val="C5D2E1"/>
                     </a:solidFill>
                   </a:tcPr>
                 </a:tc>
@@ -6085,18 +6469,16 @@
                         <a:defRPr sz="1800"/>
                       </a:pPr>
                       <a:r>
-                        <a:rPr sz="3200"/>
+                        <a:rPr sz="3200">
+                          <a:sym typeface="Produkt Extralight"/>
+                        </a:rPr>
                         <a:t>Semaine 2 : Rencontre en présentiel pour la Sprint Review</a:t>
                       </a:r>
                     </a:p>
                   </a:txBody>
                   <a:tcPr marL="50800" marR="50800" marT="50800" marB="50800" anchor="ctr" anchorCtr="0" horzOverflow="overflow">
                     <a:solidFill>
-                      <a:schemeClr val="accent1">
-                        <a:hueOff val="-181383"/>
-                        <a:satOff val="15108"/>
-                        <a:lumOff val="14987"/>
-                      </a:schemeClr>
+                      <a:srgbClr val="C5D2E1"/>
                     </a:solidFill>
                   </a:tcPr>
                 </a:tc>
@@ -6107,14 +6489,14 @@
       </p:graphicFrame>
       <p:sp>
         <p:nvSpPr>
-          <p:cNvPr id="255" name="Lancement de la conception de Menu Maker prévue du —/—/2024 au —/—/2024"/>
+          <p:cNvPr id="256" name="Lancement de la conception de Menu Maker prévue du —/—/2024 au —/—/2024"/>
           <p:cNvSpPr txBox="1"/>
           <p:nvPr/>
         </p:nvSpPr>
         <p:spPr>
           <a:xfrm>
-            <a:off x="917262" y="2521258"/>
-            <a:ext cx="18425118" cy="1029177"/>
+            <a:off x="917261" y="2521257"/>
+            <a:ext cx="18425120" cy="1029178"/>
           </a:xfrm>
           <a:prstGeom prst="rect">
             <a:avLst/>
@@ -6132,7 +6514,19 @@
           <a:bodyPr lIns="50800" tIns="50800" rIns="50800" bIns="50800">
             <a:normAutofit fontScale="100000" lnSpcReduction="0"/>
           </a:bodyPr>
-          <a:lstStyle/>
+          <a:lstStyle>
+            <a:lvl1pPr>
+              <a:defRPr>
+                <a:solidFill>
+                  <a:srgbClr val="535860"/>
+                </a:solidFill>
+                <a:latin typeface="Avenir Next Regular"/>
+                <a:ea typeface="Avenir Next Regular"/>
+                <a:cs typeface="Avenir Next Regular"/>
+                <a:sym typeface="Avenir Next Regular"/>
+              </a:defRPr>
+            </a:lvl1pPr>
+          </a:lstStyle>
           <a:p>
             <a:pPr/>
             <a:r>
@@ -6153,17 +6547,6 @@
 <file path=ppt/slides/slide19.xml><?xml version="1.0" encoding="utf-8"?>
 <p:sld xmlns:a="http://schemas.openxmlformats.org/drawingml/2006/main" xmlns:r="http://schemas.openxmlformats.org/officeDocument/2006/relationships" xmlns:p="http://schemas.openxmlformats.org/presentationml/2006/main" xmlns:m="http://schemas.openxmlformats.org/officeDocument/2006/math" xmlns:a14="http://schemas.microsoft.com/office/drawing/2010/main" showMasterSp="1" showMasterPhAnim="1">
   <p:cSld>
-    <p:bg>
-      <p:bgPr>
-        <a:blipFill rotWithShape="1">
-          <a:blip r:embed="rId2"/>
-          <a:srcRect l="0" t="0" r="0" b="0"/>
-          <a:stretch>
-            <a:fillRect/>
-          </a:stretch>
-        </a:blipFill>
-      </p:bgPr>
-    </p:bg>
     <p:spTree>
       <p:nvGrpSpPr>
         <p:cNvPr id="1" name=""/>
@@ -6180,7 +6563,7 @@
       </p:grpSpPr>
       <p:sp>
         <p:nvSpPr>
-          <p:cNvPr id="257" name="Fin de la présentation"/>
+          <p:cNvPr id="258" name="Fin de la présentation"/>
           <p:cNvSpPr txBox="1"/>
           <p:nvPr>
             <p:ph type="title" idx="4294967295"/>
@@ -6189,7 +6572,7 @@
         <p:spPr>
           <a:xfrm>
             <a:off x="1206500" y="1156329"/>
-            <a:ext cx="21971000" cy="1689101"/>
+            <a:ext cx="21971000" cy="1689102"/>
           </a:xfrm>
           <a:prstGeom prst="rect">
             <a:avLst/>
@@ -6198,8 +6581,8 @@
         <p:txBody>
           <a:bodyPr/>
           <a:lstStyle>
-            <a:lvl1pPr defTabSz="2316479">
-              <a:defRPr spc="-95" sz="9500"/>
+            <a:lvl1pPr defTabSz="2316478">
+              <a:defRPr sz="9500"/>
             </a:lvl1pPr>
           </a:lstStyle>
           <a:p>
@@ -6212,7 +6595,7 @@
       </p:sp>
       <p:sp>
         <p:nvSpPr>
-          <p:cNvPr id="258" name="En route vers Menu Maker"/>
+          <p:cNvPr id="259" name="En route vers Menu Maker"/>
           <p:cNvSpPr txBox="1"/>
           <p:nvPr>
             <p:ph type="body" sz="quarter" idx="4294967295"/>
@@ -6220,8 +6603,8 @@
         </p:nvSpPr>
         <p:spPr>
           <a:xfrm>
-            <a:off x="1762093" y="11486687"/>
-            <a:ext cx="21676072" cy="1531879"/>
+            <a:off x="1762092" y="11486687"/>
+            <a:ext cx="21676074" cy="1531880"/>
           </a:xfrm>
           <a:prstGeom prst="rect">
             <a:avLst/>
@@ -6230,7 +6613,7 @@
         <p:txBody>
           <a:bodyPr/>
           <a:lstStyle>
-            <a:lvl1pPr marL="0" indent="0" algn="r" defTabSz="2097023">
+            <a:lvl1pPr marL="0" indent="0" algn="r" defTabSz="2097022">
               <a:lnSpc>
                 <a:spcPct val="90000"/>
               </a:lnSpc>
@@ -6239,10 +6622,10 @@
               </a:spcBef>
               <a:buSzTx/>
               <a:buNone/>
-              <a:defRPr spc="-85" sz="8600">
-                <a:latin typeface="+mn-lt"/>
-                <a:ea typeface="+mn-ea"/>
-                <a:cs typeface="+mn-cs"/>
+              <a:defRPr spc="-100" sz="8600">
+                <a:latin typeface="Produkt Extralight"/>
+                <a:ea typeface="Produkt Extralight"/>
+                <a:cs typeface="Produkt Extralight"/>
                 <a:sym typeface="Produkt Extralight"/>
               </a:defRPr>
             </a:lvl1pPr>
@@ -6257,7 +6640,7 @@
       </p:sp>
       <p:pic>
         <p:nvPicPr>
-          <p:cNvPr id="259" name="Capture d’écran 2024-01-09 à 20.14.27.png" descr="Capture d’écran 2024-01-09 à 20.14.27.png"/>
+          <p:cNvPr id="260" name="Capture d’écran 2024-01-09 à 20.14.27.png" descr="Capture d’écran 2024-01-09 à 20.14.27.png"/>
           <p:cNvPicPr>
             <a:picLocks noChangeAspect="1"/>
           </p:cNvPicPr>
@@ -6266,7 +6649,7 @@
           </p:nvPr>
         </p:nvPicPr>
         <p:blipFill>
-          <a:blip r:embed="rId3">
+          <a:blip r:embed="rId2">
             <a:extLst/>
           </a:blip>
           <a:srcRect l="0" t="9384" r="0" b="9384"/>
@@ -6276,8 +6659,8 @@
         </p:blipFill>
         <p:spPr>
           <a:xfrm>
-            <a:off x="5851525" y="3595771"/>
-            <a:ext cx="12680804" cy="7140576"/>
+            <a:off x="5851525" y="3595770"/>
+            <a:ext cx="12680805" cy="7140577"/>
           </a:xfrm>
           <a:prstGeom prst="rect">
             <a:avLst/>
@@ -6320,24 +6703,44 @@
         </p:nvSpPr>
         <p:spPr>
           <a:xfrm>
-            <a:off x="1157134" y="5101588"/>
-            <a:ext cx="22069732" cy="4590060"/>
-          </a:xfrm>
-          <a:prstGeom prst="rect">
-            <a:avLst/>
-          </a:prstGeom>
-        </p:spPr>
-        <p:txBody>
-          <a:bodyPr/>
+            <a:off x="1157134" y="5101587"/>
+            <a:ext cx="22069732" cy="4590061"/>
+          </a:xfrm>
+          <a:prstGeom prst="rect">
+            <a:avLst/>
+          </a:prstGeom>
+        </p:spPr>
+        <p:txBody>
+          <a:bodyPr lIns="50800" tIns="50800" rIns="50800" bIns="50800"/>
           <a:lstStyle/>
           <a:p>
-            <a:pPr/>
+            <a:pPr defTabSz="355600">
+              <a:spcBef>
+                <a:spcPts val="6000"/>
+              </a:spcBef>
+              <a:defRPr sz="5000">
+                <a:latin typeface="Avenir Next Regular"/>
+                <a:ea typeface="Avenir Next Regular"/>
+                <a:cs typeface="Avenir Next Regular"/>
+                <a:sym typeface="Avenir Next Regular"/>
+              </a:defRPr>
+            </a:pPr>
             <a:r>
               <a:t>Voici la présentation des solutions techniques prévues pour la réalisation du site Menu Maker by Qwenta</a:t>
             </a:r>
           </a:p>
           <a:p>
-            <a:pPr/>
+            <a:pPr defTabSz="355600">
+              <a:spcBef>
+                <a:spcPts val="6000"/>
+              </a:spcBef>
+              <a:defRPr sz="5000">
+                <a:latin typeface="Avenir Next Regular"/>
+                <a:ea typeface="Avenir Next Regular"/>
+                <a:cs typeface="Avenir Next Regular"/>
+                <a:sym typeface="Avenir Next Regular"/>
+              </a:defRPr>
+            </a:pPr>
             <a:r>
               <a:t>Un site permettant aux restaurateurs d’afficher et de mettre en page leurs menus facilement, en quelques clics. </a:t>
             </a:r>
@@ -6354,8 +6757,8 @@
         </p:nvSpPr>
         <p:spPr>
           <a:xfrm>
-            <a:off x="1206500" y="2357173"/>
-            <a:ext cx="21971000" cy="1689101"/>
+            <a:off x="1206500" y="2357172"/>
+            <a:ext cx="21971000" cy="1689102"/>
           </a:xfrm>
           <a:prstGeom prst="rect">
             <a:avLst/>
@@ -6364,8 +6767,8 @@
         <p:txBody>
           <a:bodyPr/>
           <a:lstStyle>
-            <a:lvl1pPr defTabSz="2316479">
-              <a:defRPr spc="-95" sz="9500"/>
+            <a:lvl1pPr defTabSz="2316478">
+              <a:defRPr sz="9500"/>
             </a:lvl1pPr>
           </a:lstStyle>
           <a:p>
@@ -6388,17 +6791,6 @@
 <file path=ppt/slides/slide3.xml><?xml version="1.0" encoding="utf-8"?>
 <p:sld xmlns:a="http://schemas.openxmlformats.org/drawingml/2006/main" xmlns:r="http://schemas.openxmlformats.org/officeDocument/2006/relationships" xmlns:p="http://schemas.openxmlformats.org/presentationml/2006/main" xmlns:m="http://schemas.openxmlformats.org/officeDocument/2006/math" xmlns:a14="http://schemas.microsoft.com/office/drawing/2010/main" showMasterSp="1" showMasterPhAnim="1">
   <p:cSld>
-    <p:bg>
-      <p:bgPr>
-        <a:blipFill rotWithShape="1">
-          <a:blip r:embed="rId2"/>
-          <a:srcRect l="0" t="0" r="0" b="0"/>
-          <a:stretch>
-            <a:fillRect/>
-          </a:stretch>
-        </a:blipFill>
-      </p:bgPr>
-    </p:bg>
     <p:spTree>
       <p:nvGrpSpPr>
         <p:cNvPr id="1" name=""/>
@@ -6423,22 +6815,27 @@
         </p:nvSpPr>
         <p:spPr>
           <a:xfrm>
-            <a:off x="1917403" y="2447547"/>
-            <a:ext cx="7841269" cy="8256012"/>
-          </a:xfrm>
-          <a:prstGeom prst="rect">
-            <a:avLst/>
-          </a:prstGeom>
-        </p:spPr>
-        <p:txBody>
-          <a:bodyPr/>
+            <a:off x="1917402" y="2447546"/>
+            <a:ext cx="7841269" cy="8256014"/>
+          </a:xfrm>
+          <a:prstGeom prst="rect">
+            <a:avLst/>
+          </a:prstGeom>
+        </p:spPr>
+        <p:txBody>
+          <a:bodyPr lIns="50800" tIns="50800" rIns="50800" bIns="50800"/>
           <a:lstStyle/>
           <a:p>
             <a:pPr defTabSz="337820">
               <a:spcBef>
                 <a:spcPts val="5700"/>
               </a:spcBef>
-              <a:defRPr sz="4750"/>
+              <a:defRPr sz="4700">
+                <a:latin typeface="Avenir Next Regular"/>
+                <a:ea typeface="Avenir Next Regular"/>
+                <a:cs typeface="Avenir Next Regular"/>
+                <a:sym typeface="Avenir Next Regular"/>
+              </a:defRPr>
             </a:pPr>
             <a:r>
               <a:t>Nous avions à notre disposition les documents qui synthétisent vos besoins pour la conception de votre site Menu Maker.</a:t>
@@ -6449,7 +6846,12 @@
               <a:spcBef>
                 <a:spcPts val="5700"/>
               </a:spcBef>
-              <a:defRPr sz="4750"/>
+              <a:defRPr sz="4700">
+                <a:latin typeface="Avenir Next Regular"/>
+                <a:ea typeface="Avenir Next Regular"/>
+                <a:cs typeface="Avenir Next Regular"/>
+                <a:sym typeface="Avenir Next Regular"/>
+              </a:defRPr>
             </a:pPr>
             <a:r>
               <a:t>La solution technique permet de présenter les technologies choisies pour répondre à vos attentes.</a:t>
@@ -6466,7 +6868,7 @@
           <p:nvPr/>
         </p:nvPicPr>
         <p:blipFill>
-          <a:blip r:embed="rId3">
+          <a:blip r:embed="rId2">
             <a:extLst/>
           </a:blip>
           <a:srcRect l="0" t="10165" r="0" b="10165"/>
@@ -6476,8 +6878,8 @@
         </p:blipFill>
         <p:spPr>
           <a:xfrm>
-            <a:off x="18365382" y="4204111"/>
-            <a:ext cx="2861116" cy="3269847"/>
+            <a:off x="18365381" y="4204110"/>
+            <a:ext cx="2861117" cy="3269848"/>
           </a:xfrm>
           <a:prstGeom prst="rect">
             <a:avLst/>
@@ -6496,18 +6898,18 @@
           <p:nvPr/>
         </p:nvPicPr>
         <p:blipFill>
-          <a:blip r:embed="rId4">
+          <a:blip r:embed="rId3">
             <a:extLst/>
           </a:blip>
-          <a:srcRect l="444" t="0" r="444" b="0"/>
+          <a:srcRect l="443" t="0" r="443" b="0"/>
           <a:stretch>
             <a:fillRect/>
           </a:stretch>
         </p:blipFill>
         <p:spPr>
           <a:xfrm>
-            <a:off x="17151498" y="6092232"/>
-            <a:ext cx="2971685" cy="2125544"/>
+            <a:off x="17151497" y="6092232"/>
+            <a:ext cx="2971686" cy="2125545"/>
           </a:xfrm>
           <a:prstGeom prst="rect">
             <a:avLst/>
@@ -6526,7 +6928,7 @@
           <p:nvPr/>
         </p:nvPicPr>
         <p:blipFill>
-          <a:blip r:embed="rId5">
+          <a:blip r:embed="rId4">
             <a:extLst/>
           </a:blip>
           <a:srcRect l="2430" t="0" r="2430" b="0"/>
@@ -6536,8 +6938,8 @@
         </p:blipFill>
         <p:spPr>
           <a:xfrm>
-            <a:off x="19605341" y="6808145"/>
-            <a:ext cx="2583190" cy="1689098"/>
+            <a:off x="19605341" y="6808144"/>
+            <a:ext cx="2583191" cy="1689099"/>
           </a:xfrm>
           <a:prstGeom prst="rect">
             <a:avLst/>
@@ -6556,7 +6958,7 @@
           <p:nvPr/>
         </p:nvPicPr>
         <p:blipFill>
-          <a:blip r:embed="rId6">
+          <a:blip r:embed="rId5">
             <a:extLst/>
           </a:blip>
           <a:srcRect l="1545" t="697" r="1545" b="13935"/>
@@ -6566,8 +6968,8 @@
         </p:blipFill>
         <p:spPr>
           <a:xfrm>
-            <a:off x="13202527" y="2586385"/>
-            <a:ext cx="2619557" cy="3269954"/>
+            <a:off x="13202527" y="2586384"/>
+            <a:ext cx="2619558" cy="3269955"/>
           </a:xfrm>
           <a:prstGeom prst="rect">
             <a:avLst/>
@@ -6585,8 +6987,8 @@
         </p:nvSpPr>
         <p:spPr>
           <a:xfrm>
-            <a:off x="18038416" y="8901591"/>
-            <a:ext cx="3515005" cy="684989"/>
+            <a:off x="18038415" y="8901590"/>
+            <a:ext cx="3515005" cy="688976"/>
           </a:xfrm>
           <a:prstGeom prst="rect">
             <a:avLst/>
@@ -6609,7 +7011,15 @@
               <a:spcBef>
                 <a:spcPts val="4000"/>
               </a:spcBef>
-              <a:defRPr sz="3400"/>
+              <a:defRPr sz="3400">
+                <a:solidFill>
+                  <a:srgbClr val="535860"/>
+                </a:solidFill>
+                <a:latin typeface="Avenir Next Regular"/>
+                <a:ea typeface="Avenir Next Regular"/>
+                <a:cs typeface="Avenir Next Regular"/>
+                <a:sym typeface="Avenir Next Regular"/>
+              </a:defRPr>
             </a:lvl1pPr>
           </a:lstStyle>
           <a:p>
@@ -6628,8 +7038,8 @@
         </p:nvSpPr>
         <p:spPr>
           <a:xfrm>
-            <a:off x="12867030" y="5941720"/>
-            <a:ext cx="3290369" cy="1267667"/>
+            <a:off x="12867030" y="5941719"/>
+            <a:ext cx="3290370" cy="1267668"/>
           </a:xfrm>
           <a:prstGeom prst="rect">
             <a:avLst/>
@@ -6648,11 +7058,19 @@
             <a:normAutofit fontScale="100000" lnSpcReduction="0"/>
           </a:bodyPr>
           <a:lstStyle>
-            <a:lvl1pPr algn="ctr" defTabSz="224027">
+            <a:lvl1pPr algn="ctr" defTabSz="224026">
               <a:spcBef>
                 <a:spcPts val="3700"/>
               </a:spcBef>
-              <a:defRPr sz="3150"/>
+              <a:defRPr sz="3100">
+                <a:solidFill>
+                  <a:srgbClr val="535860"/>
+                </a:solidFill>
+                <a:latin typeface="Avenir Next Regular"/>
+                <a:ea typeface="Avenir Next Regular"/>
+                <a:cs typeface="Avenir Next Regular"/>
+                <a:sym typeface="Avenir Next Regular"/>
+              </a:defRPr>
             </a:lvl1pPr>
           </a:lstStyle>
           <a:p>
@@ -6672,7 +7090,7 @@
           <p:nvPr/>
         </p:nvPicPr>
         <p:blipFill>
-          <a:blip r:embed="rId7">
+          <a:blip r:embed="rId6">
             <a:extLst/>
           </a:blip>
           <a:srcRect l="6487" t="0" r="6487" b="0"/>
@@ -6682,8 +7100,8 @@
         </p:blipFill>
         <p:spPr>
           <a:xfrm>
-            <a:off x="13854133" y="8192571"/>
-            <a:ext cx="2619557" cy="3269953"/>
+            <a:off x="13854132" y="8192571"/>
+            <a:ext cx="2619558" cy="3269954"/>
           </a:xfrm>
           <a:prstGeom prst="rect">
             <a:avLst/>
@@ -6702,7 +7120,7 @@
         <p:spPr>
           <a:xfrm>
             <a:off x="13406319" y="11711009"/>
-            <a:ext cx="3515004" cy="684989"/>
+            <a:ext cx="3515005" cy="688976"/>
           </a:xfrm>
           <a:prstGeom prst="rect">
             <a:avLst/>
@@ -6725,7 +7143,15 @@
               <a:spcBef>
                 <a:spcPts val="4000"/>
               </a:spcBef>
-              <a:defRPr sz="3400"/>
+              <a:defRPr sz="3400">
+                <a:solidFill>
+                  <a:srgbClr val="535860"/>
+                </a:solidFill>
+                <a:latin typeface="Avenir Next Regular"/>
+                <a:ea typeface="Avenir Next Regular"/>
+                <a:cs typeface="Avenir Next Regular"/>
+                <a:sym typeface="Avenir Next Regular"/>
+              </a:defRPr>
             </a:lvl1pPr>
           </a:lstStyle>
           <a:p>
@@ -6771,13 +7197,21 @@
           </p:nvPr>
         </p:nvSpPr>
         <p:spPr>
+          <a:xfrm>
+            <a:off x="1206495" y="3911600"/>
+            <a:ext cx="21971006" cy="4648200"/>
+          </a:xfrm>
           <a:prstGeom prst="rect">
             <a:avLst/>
           </a:prstGeom>
         </p:spPr>
         <p:txBody>
           <a:bodyPr/>
-          <a:lstStyle/>
+          <a:lstStyle>
+            <a:lvl1pPr>
+              <a:defRPr spc="-200"/>
+            </a:lvl1pPr>
+          </a:lstStyle>
           <a:p>
             <a:pPr/>
             <a:r>
@@ -6826,15 +7260,15 @@
           <a:blip r:embed="rId2">
             <a:extLst/>
           </a:blip>
-          <a:srcRect l="59181" t="21292" r="2314" b="478"/>
+          <a:srcRect l="59181" t="21292" r="2314" b="477"/>
           <a:stretch>
             <a:fillRect/>
           </a:stretch>
         </p:blipFill>
         <p:spPr>
           <a:xfrm>
-            <a:off x="12874304" y="0"/>
-            <a:ext cx="12001501" cy="13716000"/>
+            <a:off x="12874304" y="-1"/>
+            <a:ext cx="12001501" cy="13716002"/>
           </a:xfrm>
           <a:prstGeom prst="rect">
             <a:avLst/>
@@ -6851,8 +7285,8 @@
         </p:nvSpPr>
         <p:spPr>
           <a:xfrm>
-            <a:off x="1206500" y="1796142"/>
-            <a:ext cx="9779000" cy="1689101"/>
+            <a:off x="1206500" y="1796141"/>
+            <a:ext cx="9779000" cy="1689102"/>
           </a:xfrm>
           <a:prstGeom prst="rect">
             <a:avLst/>
@@ -6861,8 +7295,8 @@
         <p:txBody>
           <a:bodyPr/>
           <a:lstStyle>
-            <a:lvl1pPr defTabSz="2316479">
-              <a:defRPr spc="-95" sz="9500"/>
+            <a:lvl1pPr defTabSz="2316478">
+              <a:defRPr sz="9500"/>
             </a:lvl1pPr>
           </a:lstStyle>
           <a:p>
@@ -6882,26 +7316,44 @@
           </p:nvPr>
         </p:nvSpPr>
         <p:spPr>
-          <a:prstGeom prst="rect">
-            <a:avLst/>
-          </a:prstGeom>
-        </p:spPr>
-        <p:txBody>
-          <a:bodyPr/>
+          <a:xfrm>
+            <a:off x="1206500" y="4248503"/>
+            <a:ext cx="9779000" cy="8256014"/>
+          </a:xfrm>
+          <a:prstGeom prst="rect">
+            <a:avLst/>
+          </a:prstGeom>
+        </p:spPr>
+        <p:txBody>
+          <a:bodyPr lIns="50800" tIns="50800" rIns="50800" bIns="50800"/>
           <a:lstStyle/>
           <a:p>
-            <a:pPr marL="0" indent="0">
-              <a:buSzTx/>
-              <a:buNone/>
+            <a:pPr defTabSz="355600">
+              <a:spcBef>
+                <a:spcPts val="4700"/>
+              </a:spcBef>
+              <a:defRPr sz="4000">
+                <a:latin typeface="Avenir Next Regular"/>
+                <a:ea typeface="Avenir Next Regular"/>
+                <a:cs typeface="Avenir Next Regular"/>
+                <a:sym typeface="Avenir Next Regular"/>
+              </a:defRPr>
             </a:pPr>
             <a:r>
               <a:t>Pour le développement du site Menu Maker, nous avons opté pour un ensemble de technologie couramment utilisée pour le développement web, comprenant la base de données MongoDB, le framework ExpressJS, la bibliothèque React et Node.js.</a:t>
             </a:r>
           </a:p>
           <a:p>
-            <a:pPr marL="0" indent="0">
-              <a:buSzTx/>
-              <a:buNone/>
+            <a:pPr defTabSz="355600">
+              <a:spcBef>
+                <a:spcPts val="4700"/>
+              </a:spcBef>
+              <a:defRPr sz="4000">
+                <a:latin typeface="Avenir Next Regular"/>
+                <a:ea typeface="Avenir Next Regular"/>
+                <a:cs typeface="Avenir Next Regular"/>
+                <a:sym typeface="Avenir Next Regular"/>
+              </a:defRPr>
             </a:pPr>
             <a:r>
               <a:t>Ensemble, ces technologies permettent de créer des sites web modernes et évolutifs</a:t>
@@ -6940,10 +7392,73 @@
           <p:cNvPr id="194" name="React"/>
           <p:cNvSpPr txBox="1"/>
           <p:nvPr>
+            <p:ph type="body" sz="quarter" idx="1"/>
+          </p:nvPr>
+        </p:nvSpPr>
+        <p:spPr>
+          <a:prstGeom prst="rect">
+            <a:avLst/>
+          </a:prstGeom>
+        </p:spPr>
+        <p:txBody>
+          <a:bodyPr/>
+          <a:lstStyle>
+            <a:lvl1pPr defTabSz="1341119">
+              <a:lnSpc>
+                <a:spcPct val="90000"/>
+              </a:lnSpc>
+              <a:defRPr spc="-99"/>
+            </a:lvl1pPr>
+          </a:lstStyle>
+          <a:p>
+            <a:pPr/>
+            <a:r>
+              <a:t>React</a:t>
+            </a:r>
+          </a:p>
+        </p:txBody>
+      </p:sp>
+      <p:sp>
+        <p:nvSpPr>
+          <p:cNvPr id="195" name="Front end"/>
+          <p:cNvSpPr txBox="1"/>
+          <p:nvPr>
+            <p:ph type="title"/>
+          </p:nvPr>
+        </p:nvSpPr>
+        <p:spPr>
+          <a:prstGeom prst="rect">
+            <a:avLst/>
+          </a:prstGeom>
+        </p:spPr>
+        <p:txBody>
+          <a:bodyPr/>
+          <a:lstStyle>
+            <a:lvl1pPr defTabSz="2316478">
+              <a:defRPr sz="9500"/>
+            </a:lvl1pPr>
+          </a:lstStyle>
+          <a:p>
+            <a:pPr/>
+            <a:r>
+              <a:t>Front end</a:t>
+            </a:r>
+          </a:p>
+        </p:txBody>
+      </p:sp>
+      <p:sp>
+        <p:nvSpPr>
+          <p:cNvPr id="196" name="React est l’une des bibliothèques JavaScript les plus populaires pour construire des interfaces web.…"/>
+          <p:cNvSpPr txBox="1"/>
+          <p:nvPr>
             <p:ph type="body" idx="22"/>
           </p:nvPr>
         </p:nvSpPr>
         <p:spPr>
+          <a:xfrm>
+            <a:off x="1206500" y="3824154"/>
+            <a:ext cx="9779000" cy="8256014"/>
+          </a:xfrm>
           <a:prstGeom prst="rect">
             <a:avLst/>
           </a:prstGeom>
@@ -6955,69 +7470,6 @@
         </p:spPr>
         <p:txBody>
           <a:bodyPr/>
-          <a:lstStyle>
-            <a:lvl1pPr defTabSz="1341120">
-              <a:lnSpc>
-                <a:spcPct val="90000"/>
-              </a:lnSpc>
-              <a:defRPr spc="-55"/>
-            </a:lvl1pPr>
-          </a:lstStyle>
-          <a:p>
-            <a:pPr/>
-            <a:r>
-              <a:t>React</a:t>
-            </a:r>
-          </a:p>
-        </p:txBody>
-      </p:sp>
-      <p:sp>
-        <p:nvSpPr>
-          <p:cNvPr id="195" name="Front end"/>
-          <p:cNvSpPr txBox="1"/>
-          <p:nvPr>
-            <p:ph type="title"/>
-          </p:nvPr>
-        </p:nvSpPr>
-        <p:spPr>
-          <a:prstGeom prst="rect">
-            <a:avLst/>
-          </a:prstGeom>
-        </p:spPr>
-        <p:txBody>
-          <a:bodyPr/>
-          <a:lstStyle>
-            <a:lvl1pPr defTabSz="2316479">
-              <a:defRPr spc="-95" sz="9500"/>
-            </a:lvl1pPr>
-          </a:lstStyle>
-          <a:p>
-            <a:pPr/>
-            <a:r>
-              <a:t>Front end</a:t>
-            </a:r>
-          </a:p>
-        </p:txBody>
-      </p:sp>
-      <p:sp>
-        <p:nvSpPr>
-          <p:cNvPr id="196" name="React est l’une des bibliothèques JavaScript les plus populaires pour construire des interfaces web.…"/>
-          <p:cNvSpPr txBox="1"/>
-          <p:nvPr>
-            <p:ph type="body" sz="half" idx="1"/>
-          </p:nvPr>
-        </p:nvSpPr>
-        <p:spPr>
-          <a:xfrm>
-            <a:off x="1206500" y="3824155"/>
-            <a:ext cx="9779000" cy="8256012"/>
-          </a:xfrm>
-          <a:prstGeom prst="rect">
-            <a:avLst/>
-          </a:prstGeom>
-        </p:spPr>
-        <p:txBody>
-          <a:bodyPr/>
           <a:lstStyle/>
           <a:p>
             <a:pPr marL="0" indent="0" defTabSz="305815">
@@ -7026,7 +7478,7 @@
               </a:spcBef>
               <a:buSzTx/>
               <a:buNone/>
-              <a:defRPr sz="3440"/>
+              <a:defRPr sz="3400"/>
             </a:pPr>
             <a:r>
               <a:t>React est l’une des bibliothèques JavaScript les plus populaires pour construire des interfaces web. </a:t>
@@ -7039,7 +7491,7 @@
               </a:spcBef>
               <a:buSzTx/>
               <a:buNone/>
-              <a:defRPr sz="3440"/>
+              <a:defRPr sz="3400"/>
             </a:pPr>
             <a:r>
               <a:t>Elle permettra de créer la partie visible de  l’ensemble des pages du site.</a:t>
@@ -7052,7 +7504,7 @@
               </a:spcBef>
               <a:buSzTx/>
               <a:buNone/>
-              <a:defRPr sz="3440"/>
+              <a:defRPr sz="3400"/>
             </a:pPr>
             <a:r>
               <a:t>Utilisée par les entreprises géantes de la Tech comme Facebook, X ou Netflix. </a:t>
@@ -7065,7 +7517,7 @@
               </a:spcBef>
               <a:buSzTx/>
               <a:buNone/>
-              <a:defRPr sz="3440"/>
+              <a:defRPr sz="3400"/>
             </a:pPr>
             <a:r>
               <a:t>Son approche par composants réutilisables en fait un outil particulièrement modulaire pour  un développement  qui s’adaptera en fonction du résultat souhaité.</a:t>
@@ -7093,7 +7545,7 @@
         <p:spPr>
           <a:xfrm>
             <a:off x="11327658" y="6641782"/>
-            <a:ext cx="13659845" cy="6072468"/>
+            <a:ext cx="13659846" cy="6072469"/>
           </a:xfrm>
           <a:prstGeom prst="rect">
             <a:avLst/>
@@ -7122,7 +7574,7 @@
         <p:spPr>
           <a:xfrm>
             <a:off x="15868693" y="1263509"/>
-            <a:ext cx="4719954" cy="4214244"/>
+            <a:ext cx="4719955" cy="4214244"/>
           </a:xfrm>
           <a:prstGeom prst="rect">
             <a:avLst/>
@@ -7179,8 +7631,8 @@
         </p:blipFill>
         <p:spPr>
           <a:xfrm>
-            <a:off x="10625988" y="4669537"/>
-            <a:ext cx="13819586" cy="7979226"/>
+            <a:off x="10625987" y="4669536"/>
+            <a:ext cx="13819588" cy="7979228"/>
           </a:xfrm>
           <a:prstGeom prst="rect">
             <a:avLst/>
@@ -7192,10 +7644,66 @@
           <p:cNvPr id="201" name="NodeJS et ExpressJS"/>
           <p:cNvSpPr txBox="1"/>
           <p:nvPr>
+            <p:ph type="body" sz="quarter" idx="1"/>
+          </p:nvPr>
+        </p:nvSpPr>
+        <p:spPr>
+          <a:prstGeom prst="rect">
+            <a:avLst/>
+          </a:prstGeom>
+        </p:spPr>
+        <p:txBody>
+          <a:bodyPr/>
+          <a:lstStyle/>
+          <a:p>
+            <a:pPr/>
+            <a:r>
+              <a:t>NodeJS et ExpressJS</a:t>
+            </a:r>
+          </a:p>
+        </p:txBody>
+      </p:sp>
+      <p:sp>
+        <p:nvSpPr>
+          <p:cNvPr id="202" name="Back end"/>
+          <p:cNvSpPr txBox="1"/>
+          <p:nvPr>
+            <p:ph type="title"/>
+          </p:nvPr>
+        </p:nvSpPr>
+        <p:spPr>
+          <a:prstGeom prst="rect">
+            <a:avLst/>
+          </a:prstGeom>
+        </p:spPr>
+        <p:txBody>
+          <a:bodyPr/>
+          <a:lstStyle>
+            <a:lvl1pPr defTabSz="2316478">
+              <a:defRPr sz="9500"/>
+            </a:lvl1pPr>
+          </a:lstStyle>
+          <a:p>
+            <a:pPr/>
+            <a:r>
+              <a:t>Back end</a:t>
+            </a:r>
+          </a:p>
+        </p:txBody>
+      </p:sp>
+      <p:sp>
+        <p:nvSpPr>
+          <p:cNvPr id="203" name="NodeJS est une plateforme de développement et ExpressJS est un framework web assistant NodeJS.…"/>
+          <p:cNvSpPr txBox="1"/>
+          <p:nvPr>
             <p:ph type="body" idx="22"/>
           </p:nvPr>
         </p:nvSpPr>
         <p:spPr>
+          <a:xfrm>
+            <a:off x="1206499" y="4177224"/>
+            <a:ext cx="9301852" cy="8914983"/>
+          </a:xfrm>
           <a:prstGeom prst="rect">
             <a:avLst/>
           </a:prstGeom>
@@ -7204,62 +7712,6 @@
               <ma14:wrappingTextBoxFlag xmlns:ma14="http://schemas.microsoft.com/office/mac/drawingml/2011/main" val="1"/>
             </a:ext>
           </a:extLst>
-        </p:spPr>
-        <p:txBody>
-          <a:bodyPr/>
-          <a:lstStyle/>
-          <a:p>
-            <a:pPr/>
-            <a:r>
-              <a:t>NodeJS et ExpressJS</a:t>
-            </a:r>
-          </a:p>
-        </p:txBody>
-      </p:sp>
-      <p:sp>
-        <p:nvSpPr>
-          <p:cNvPr id="202" name="Back end"/>
-          <p:cNvSpPr txBox="1"/>
-          <p:nvPr>
-            <p:ph type="title"/>
-          </p:nvPr>
-        </p:nvSpPr>
-        <p:spPr>
-          <a:prstGeom prst="rect">
-            <a:avLst/>
-          </a:prstGeom>
-        </p:spPr>
-        <p:txBody>
-          <a:bodyPr/>
-          <a:lstStyle>
-            <a:lvl1pPr defTabSz="2316479">
-              <a:defRPr spc="-95" sz="9500"/>
-            </a:lvl1pPr>
-          </a:lstStyle>
-          <a:p>
-            <a:pPr/>
-            <a:r>
-              <a:t>Back end</a:t>
-            </a:r>
-          </a:p>
-        </p:txBody>
-      </p:sp>
-      <p:sp>
-        <p:nvSpPr>
-          <p:cNvPr id="203" name="NodeJS est une plateforme de développement et ExpressJS est un framework web assistant NodeJS.…"/>
-          <p:cNvSpPr txBox="1"/>
-          <p:nvPr>
-            <p:ph type="body" sz="half" idx="1"/>
-          </p:nvPr>
-        </p:nvSpPr>
-        <p:spPr>
-          <a:xfrm>
-            <a:off x="1206500" y="4177225"/>
-            <a:ext cx="9301850" cy="8914982"/>
-          </a:xfrm>
-          <a:prstGeom prst="rect">
-            <a:avLst/>
-          </a:prstGeom>
         </p:spPr>
         <p:txBody>
           <a:bodyPr/>
@@ -7324,8 +7776,8 @@
         </p:blipFill>
         <p:spPr>
           <a:xfrm rot="34913">
-            <a:off x="14777307" y="499874"/>
-            <a:ext cx="5155407" cy="3642015"/>
+            <a:off x="14777307" y="499873"/>
+            <a:ext cx="5155407" cy="3642016"/>
           </a:xfrm>
           <a:custGeom>
             <a:avLst/>
@@ -7349,22 +7801,19 @@
             <a:pathLst>
               <a:path w="21600" h="21600" fill="norm" stroke="1" extrusionOk="0">
                 <a:moveTo>
-                  <a:pt x="11558" y="0"/>
+                  <a:pt x="67" y="0"/>
                 </a:moveTo>
-                <a:lnTo>
-                  <a:pt x="66" y="1"/>
-                </a:lnTo>
                 <a:lnTo>
                   <a:pt x="0" y="10667"/>
                 </a:lnTo>
                 <a:lnTo>
-                  <a:pt x="1" y="21475"/>
+                  <a:pt x="2" y="21475"/>
                 </a:lnTo>
                 <a:lnTo>
                   <a:pt x="10042" y="21600"/>
                 </a:lnTo>
                 <a:lnTo>
-                  <a:pt x="21533" y="21599"/>
+                  <a:pt x="21533" y="21598"/>
                 </a:lnTo>
                 <a:lnTo>
                   <a:pt x="21600" y="10801"/>
@@ -7374,6 +7823,9 @@
                 </a:lnTo>
                 <a:lnTo>
                   <a:pt x="11558" y="0"/>
+                </a:lnTo>
+                <a:lnTo>
+                  <a:pt x="67" y="0"/>
                 </a:lnTo>
                 <a:close/>
               </a:path>
@@ -7424,15 +7876,14 @@
           <a:blip r:embed="rId2">
             <a:extLst/>
           </a:blip>
-          <a:srcRect l="0" t="0" r="0" b="0"/>
           <a:stretch>
             <a:fillRect/>
           </a:stretch>
         </p:blipFill>
         <p:spPr>
           <a:xfrm>
-            <a:off x="11265028" y="4720742"/>
-            <a:ext cx="13118972" cy="8018610"/>
+            <a:off x="11265027" y="4720742"/>
+            <a:ext cx="13118973" cy="8018610"/>
           </a:xfrm>
           <a:prstGeom prst="rect">
             <a:avLst/>
@@ -7442,6 +7893,65 @@
       <p:sp>
         <p:nvSpPr>
           <p:cNvPr id="207" name="MongoDB"/>
+          <p:cNvSpPr txBox="1"/>
+          <p:nvPr>
+            <p:ph type="body" sz="quarter" idx="1"/>
+          </p:nvPr>
+        </p:nvSpPr>
+        <p:spPr>
+          <a:prstGeom prst="rect">
+            <a:avLst/>
+          </a:prstGeom>
+        </p:spPr>
+        <p:txBody>
+          <a:bodyPr/>
+          <a:lstStyle>
+            <a:lvl1pPr defTabSz="1341119">
+              <a:lnSpc>
+                <a:spcPct val="90000"/>
+              </a:lnSpc>
+              <a:defRPr spc="-99"/>
+            </a:lvl1pPr>
+          </a:lstStyle>
+          <a:p>
+            <a:pPr/>
+            <a:r>
+              <a:t>MongoDB</a:t>
+            </a:r>
+          </a:p>
+        </p:txBody>
+      </p:sp>
+      <p:sp>
+        <p:nvSpPr>
+          <p:cNvPr id="208" name="Base de donnée"/>
+          <p:cNvSpPr txBox="1"/>
+          <p:nvPr>
+            <p:ph type="title"/>
+          </p:nvPr>
+        </p:nvSpPr>
+        <p:spPr>
+          <a:prstGeom prst="rect">
+            <a:avLst/>
+          </a:prstGeom>
+        </p:spPr>
+        <p:txBody>
+          <a:bodyPr/>
+          <a:lstStyle>
+            <a:lvl1pPr defTabSz="2316478">
+              <a:defRPr sz="9500"/>
+            </a:lvl1pPr>
+          </a:lstStyle>
+          <a:p>
+            <a:pPr/>
+            <a:r>
+              <a:t>Base de donnée</a:t>
+            </a:r>
+          </a:p>
+        </p:txBody>
+      </p:sp>
+      <p:sp>
+        <p:nvSpPr>
+          <p:cNvPr id="209" name="MongoDB est une base de données NoSQL qui permet de stocker les données nécessaires au fonctionnement du site.…"/>
           <p:cNvSpPr txBox="1"/>
           <p:nvPr>
             <p:ph type="body" idx="22"/>
@@ -7459,65 +7969,6 @@
         </p:spPr>
         <p:txBody>
           <a:bodyPr/>
-          <a:lstStyle>
-            <a:lvl1pPr defTabSz="1341120">
-              <a:lnSpc>
-                <a:spcPct val="90000"/>
-              </a:lnSpc>
-              <a:defRPr spc="-55"/>
-            </a:lvl1pPr>
-          </a:lstStyle>
-          <a:p>
-            <a:pPr/>
-            <a:r>
-              <a:t>MongoDB</a:t>
-            </a:r>
-          </a:p>
-        </p:txBody>
-      </p:sp>
-      <p:sp>
-        <p:nvSpPr>
-          <p:cNvPr id="208" name="Base de donnée"/>
-          <p:cNvSpPr txBox="1"/>
-          <p:nvPr>
-            <p:ph type="title"/>
-          </p:nvPr>
-        </p:nvSpPr>
-        <p:spPr>
-          <a:prstGeom prst="rect">
-            <a:avLst/>
-          </a:prstGeom>
-        </p:spPr>
-        <p:txBody>
-          <a:bodyPr/>
-          <a:lstStyle>
-            <a:lvl1pPr defTabSz="2316479">
-              <a:defRPr spc="-95" sz="9500"/>
-            </a:lvl1pPr>
-          </a:lstStyle>
-          <a:p>
-            <a:pPr/>
-            <a:r>
-              <a:t>Base de donnée</a:t>
-            </a:r>
-          </a:p>
-        </p:txBody>
-      </p:sp>
-      <p:sp>
-        <p:nvSpPr>
-          <p:cNvPr id="209" name="MongoDB est une base de données NoSQL qui permet de stocker les données nécessaires au fonctionnement du site.…"/>
-          <p:cNvSpPr txBox="1"/>
-          <p:nvPr>
-            <p:ph type="body" sz="half" idx="1"/>
-          </p:nvPr>
-        </p:nvSpPr>
-        <p:spPr>
-          <a:prstGeom prst="rect">
-            <a:avLst/>
-          </a:prstGeom>
-        </p:spPr>
-        <p:txBody>
-          <a:bodyPr/>
           <a:lstStyle/>
           <a:p>
             <a:pPr marL="0" indent="0" defTabSz="330708">
@@ -7526,7 +7977,7 @@
               </a:spcBef>
               <a:buSzTx/>
               <a:buNone/>
-              <a:defRPr sz="3720"/>
+              <a:defRPr sz="3700"/>
             </a:pPr>
             <a:r>
               <a:t>MongoDB est une base de données NoSQL qui permet de stocker les données nécessaires au fonctionnement du site. </a:t>
@@ -7539,7 +7990,7 @@
               </a:spcBef>
               <a:buSzTx/>
               <a:buNone/>
-              <a:defRPr sz="3720"/>
+              <a:defRPr sz="3700"/>
             </a:pPr>
             <a:r>
               <a:t>Elle permettra par exemple de stocker les comptes utilisateurs avec les adresses mail et mots de passe,  ainsi que les menus créés. </a:t>
@@ -7552,7 +8003,7 @@
               </a:spcBef>
               <a:buSzTx/>
               <a:buNone/>
-              <a:defRPr sz="3720"/>
+              <a:defRPr sz="3700"/>
             </a:pPr>
             <a:r>
               <a:t>Elle pourra évoluer dans le temps et l’on pourra ajouter un nouveaux types de données sans perturber sa structure existante ni interruptions de service.</a:t>
@@ -7579,7 +8030,7 @@
         <p:spPr>
           <a:xfrm>
             <a:off x="14377547" y="1842296"/>
-            <a:ext cx="6894031" cy="1966802"/>
+            <a:ext cx="6894032" cy="1966803"/>
           </a:xfrm>
           <a:prstGeom prst="rect">
             <a:avLst/>
@@ -7625,8 +8076,8 @@
         </p:nvSpPr>
         <p:spPr>
           <a:xfrm>
-            <a:off x="1206500" y="10924173"/>
-            <a:ext cx="21971000" cy="2234482"/>
+            <a:off x="1206500" y="10924172"/>
+            <a:ext cx="21971000" cy="2234483"/>
           </a:xfrm>
           <a:prstGeom prst="rect">
             <a:avLst/>
@@ -7669,8 +8120,8 @@
         </p:blipFill>
         <p:spPr>
           <a:xfrm>
-            <a:off x="5173707" y="2218572"/>
-            <a:ext cx="14036701" cy="7947910"/>
+            <a:off x="5173707" y="2218571"/>
+            <a:ext cx="14036701" cy="7947912"/>
           </a:xfrm>
           <a:prstGeom prst="rect">
             <a:avLst/>
@@ -7694,13 +8145,13 @@
         <a:srgbClr val="53585F"/>
       </a:dk1>
       <a:lt1>
-        <a:srgbClr val="5F3E0C"/>
+        <a:srgbClr val="FFFFFF"/>
       </a:lt1>
       <a:dk2>
-        <a:srgbClr val="53585F"/>
+        <a:srgbClr val="A7A7A7"/>
       </a:dk2>
       <a:lt2>
-        <a:srgbClr val="D5D5D5"/>
+        <a:srgbClr val="535353"/>
       </a:lt2>
       <a:accent1>
         <a:srgbClr val="9FAABA"/>
@@ -7729,14 +8180,14 @@
     </a:clrScheme>
     <a:fontScheme name="36_DynamicWavesLight">
       <a:majorFont>
-        <a:latin typeface="Produkt Extralight"/>
-        <a:ea typeface="Produkt Extralight"/>
-        <a:cs typeface="Produkt Extralight"/>
+        <a:latin typeface="Helvetica Neue"/>
+        <a:ea typeface="Helvetica Neue"/>
+        <a:cs typeface="Helvetica Neue"/>
       </a:majorFont>
       <a:minorFont>
-        <a:latin typeface="Produkt Extralight"/>
-        <a:ea typeface="Produkt Extralight"/>
-        <a:cs typeface="Produkt Extralight"/>
+        <a:latin typeface="Helvetica"/>
+        <a:ea typeface="Helvetica"/>
+        <a:cs typeface="Helvetica"/>
       </a:minorFont>
     </a:fontScheme>
     <a:fmtScheme name="36_DynamicWavesLight">
@@ -7877,14 +8328,14 @@
     <a:spDef>
       <a:spPr>
         <a:solidFill>
-          <a:schemeClr val="accent1">
-            <a:satOff val="-9155"/>
-            <a:lumOff val="-32673"/>
-          </a:schemeClr>
+          <a:srgbClr val="5F3E0C"/>
         </a:solidFill>
-        <a:ln w="12700" cap="flat">
-          <a:noFill/>
-          <a:miter lim="400000"/>
+        <a:ln w="25400" cap="flat">
+          <a:solidFill>
+            <a:schemeClr val="accent1"/>
+          </a:solidFill>
+          <a:prstDash val="solid"/>
+          <a:round/>
         </a:ln>
         <a:effectLst/>
         <a:sp3d/>
@@ -7893,12 +8344,12 @@
         <a:spAutoFit/>
       </a:bodyPr>
       <a:lstStyle>
-        <a:defPPr marL="0" marR="0" indent="0" algn="ctr" defTabSz="825500" rtl="0" fontAlgn="auto" latinLnBrk="0" hangingPunct="0">
+        <a:defPPr marL="0" marR="0" indent="0" algn="l" defTabSz="355600" rtl="0" fontAlgn="auto" latinLnBrk="0" hangingPunct="0">
           <a:lnSpc>
             <a:spcPct val="100000"/>
           </a:lnSpc>
           <a:spcBef>
-            <a:spcPts val="0"/>
+            <a:spcPts val="4700"/>
           </a:spcBef>
           <a:spcAft>
             <a:spcPts val="0"/>
@@ -7908,19 +8359,19 @@
           <a:buFontTx/>
           <a:buNone/>
           <a:tabLst/>
-          <a:defRPr b="0" baseline="0" cap="none" i="0" spc="0" strike="noStrike" sz="3200" u="none" kumimoji="0" normalizeH="0">
+          <a:defRPr b="0" baseline="0" cap="none" i="0" spc="0" strike="noStrike" sz="4000" u="none" kumimoji="0" normalizeH="0">
             <a:ln>
               <a:noFill/>
             </a:ln>
             <a:solidFill>
-              <a:srgbClr val="FFFFFF"/>
+              <a:srgbClr val="53585F"/>
             </a:solidFill>
             <a:effectLst/>
             <a:uFillTx/>
-            <a:latin typeface="Avenir Next Regular"/>
-            <a:ea typeface="Avenir Next Regular"/>
-            <a:cs typeface="Avenir Next Regular"/>
-            <a:sym typeface="Avenir Next Regular"/>
+            <a:latin typeface="Produkt Extralight"/>
+            <a:ea typeface="Produkt Extralight"/>
+            <a:cs typeface="Produkt Extralight"/>
+            <a:sym typeface="Produkt Extralight"/>
           </a:defRPr>
         </a:defPPr>
         <a:lvl1pPr marL="0" marR="0" indent="0" algn="l" defTabSz="914400" rtl="0" fontAlgn="auto" latinLnBrk="1" hangingPunct="0">
@@ -8170,13 +8621,10 @@
         <a:noFill/>
         <a:ln w="25400" cap="flat">
           <a:solidFill>
-            <a:schemeClr val="accent1">
-              <a:satOff val="-9155"/>
-              <a:lumOff val="-32673"/>
-            </a:schemeClr>
+            <a:schemeClr val="accent1"/>
           </a:solidFill>
           <a:prstDash val="solid"/>
-          <a:miter lim="400000"/>
+          <a:round/>
         </a:ln>
         <a:effectLst/>
         <a:sp3d/>
@@ -8487,17 +8935,14 @@
               <a:noFill/>
             </a:ln>
             <a:solidFill>
-              <a:schemeClr val="accent1">
-                <a:satOff val="-9155"/>
-                <a:lumOff val="-32673"/>
-              </a:schemeClr>
+              <a:srgbClr val="53585F"/>
             </a:solidFill>
             <a:effectLst/>
             <a:uFillTx/>
-            <a:latin typeface="Avenir Next Regular"/>
-            <a:ea typeface="Avenir Next Regular"/>
-            <a:cs typeface="Avenir Next Regular"/>
-            <a:sym typeface="Avenir Next Regular"/>
+            <a:latin typeface="Produkt Extralight"/>
+            <a:ea typeface="Produkt Extralight"/>
+            <a:cs typeface="Produkt Extralight"/>
+            <a:sym typeface="Produkt Extralight"/>
           </a:defRPr>
         </a:defPPr>
         <a:lvl1pPr marL="0" marR="0" indent="0" algn="l" defTabSz="914400" rtl="0" fontAlgn="auto" latinLnBrk="1" hangingPunct="0">
@@ -8757,10 +9202,10 @@
         <a:srgbClr val="FFFFFF"/>
       </a:lt1>
       <a:dk2>
-        <a:srgbClr val="53585F"/>
+        <a:srgbClr val="A7A7A7"/>
       </a:dk2>
       <a:lt2>
-        <a:srgbClr val="D5D5D5"/>
+        <a:srgbClr val="535353"/>
       </a:lt2>
       <a:accent1>
         <a:srgbClr val="9FAABA"/>
@@ -8789,14 +9234,14 @@
     </a:clrScheme>
     <a:fontScheme name="36_DynamicWavesLight">
       <a:majorFont>
-        <a:latin typeface="Produkt Extralight"/>
-        <a:ea typeface="Produkt Extralight"/>
-        <a:cs typeface="Produkt Extralight"/>
+        <a:latin typeface="Helvetica Neue"/>
+        <a:ea typeface="Helvetica Neue"/>
+        <a:cs typeface="Helvetica Neue"/>
       </a:majorFont>
       <a:minorFont>
-        <a:latin typeface="Produkt Extralight"/>
-        <a:ea typeface="Produkt Extralight"/>
-        <a:cs typeface="Produkt Extralight"/>
+        <a:latin typeface="Helvetica"/>
+        <a:ea typeface="Helvetica"/>
+        <a:cs typeface="Helvetica"/>
       </a:minorFont>
     </a:fontScheme>
     <a:fmtScheme name="36_DynamicWavesLight">
@@ -8937,14 +9382,14 @@
     <a:spDef>
       <a:spPr>
         <a:solidFill>
-          <a:schemeClr val="accent1">
-            <a:satOff val="-9155"/>
-            <a:lumOff val="-32673"/>
-          </a:schemeClr>
+          <a:srgbClr val="5F3E0C"/>
         </a:solidFill>
-        <a:ln w="12700" cap="flat">
-          <a:noFill/>
-          <a:miter lim="400000"/>
+        <a:ln w="25400" cap="flat">
+          <a:solidFill>
+            <a:schemeClr val="accent1"/>
+          </a:solidFill>
+          <a:prstDash val="solid"/>
+          <a:round/>
         </a:ln>
         <a:effectLst/>
         <a:sp3d/>
@@ -8953,12 +9398,12 @@
         <a:spAutoFit/>
       </a:bodyPr>
       <a:lstStyle>
-        <a:defPPr marL="0" marR="0" indent="0" algn="ctr" defTabSz="825500" rtl="0" fontAlgn="auto" latinLnBrk="0" hangingPunct="0">
+        <a:defPPr marL="0" marR="0" indent="0" algn="l" defTabSz="355600" rtl="0" fontAlgn="auto" latinLnBrk="0" hangingPunct="0">
           <a:lnSpc>
             <a:spcPct val="100000"/>
           </a:lnSpc>
           <a:spcBef>
-            <a:spcPts val="0"/>
+            <a:spcPts val="4700"/>
           </a:spcBef>
           <a:spcAft>
             <a:spcPts val="0"/>
@@ -8968,19 +9413,19 @@
           <a:buFontTx/>
           <a:buNone/>
           <a:tabLst/>
-          <a:defRPr b="0" baseline="0" cap="none" i="0" spc="0" strike="noStrike" sz="3200" u="none" kumimoji="0" normalizeH="0">
+          <a:defRPr b="0" baseline="0" cap="none" i="0" spc="0" strike="noStrike" sz="4000" u="none" kumimoji="0" normalizeH="0">
             <a:ln>
               <a:noFill/>
             </a:ln>
             <a:solidFill>
-              <a:srgbClr val="FFFFFF"/>
+              <a:srgbClr val="53585F"/>
             </a:solidFill>
             <a:effectLst/>
             <a:uFillTx/>
-            <a:latin typeface="Avenir Next Regular"/>
-            <a:ea typeface="Avenir Next Regular"/>
-            <a:cs typeface="Avenir Next Regular"/>
-            <a:sym typeface="Avenir Next Regular"/>
+            <a:latin typeface="Produkt Extralight"/>
+            <a:ea typeface="Produkt Extralight"/>
+            <a:cs typeface="Produkt Extralight"/>
+            <a:sym typeface="Produkt Extralight"/>
           </a:defRPr>
         </a:defPPr>
         <a:lvl1pPr marL="0" marR="0" indent="0" algn="l" defTabSz="914400" rtl="0" fontAlgn="auto" latinLnBrk="1" hangingPunct="0">
@@ -9230,13 +9675,10 @@
         <a:noFill/>
         <a:ln w="25400" cap="flat">
           <a:solidFill>
-            <a:schemeClr val="accent1">
-              <a:satOff val="-9155"/>
-              <a:lumOff val="-32673"/>
-            </a:schemeClr>
+            <a:schemeClr val="accent1"/>
           </a:solidFill>
           <a:prstDash val="solid"/>
-          <a:miter lim="400000"/>
+          <a:round/>
         </a:ln>
         <a:effectLst/>
         <a:sp3d/>
@@ -9547,17 +9989,14 @@
               <a:noFill/>
             </a:ln>
             <a:solidFill>
-              <a:schemeClr val="accent1">
-                <a:satOff val="-9155"/>
-                <a:lumOff val="-32673"/>
-              </a:schemeClr>
+              <a:srgbClr val="53585F"/>
             </a:solidFill>
             <a:effectLst/>
             <a:uFillTx/>
-            <a:latin typeface="Avenir Next Regular"/>
-            <a:ea typeface="Avenir Next Regular"/>
-            <a:cs typeface="Avenir Next Regular"/>
-            <a:sym typeface="Avenir Next Regular"/>
+            <a:latin typeface="Produkt Extralight"/>
+            <a:ea typeface="Produkt Extralight"/>
+            <a:cs typeface="Produkt Extralight"/>
+            <a:sym typeface="Produkt Extralight"/>
           </a:defRPr>
         </a:defPPr>
         <a:lvl1pPr marL="0" marR="0" indent="0" algn="l" defTabSz="914400" rtl="0" fontAlgn="auto" latinLnBrk="1" hangingPunct="0">

--- a/solution_technique.pptx
+++ b/solution_technique.pptx
@@ -81,10 +81,10 @@
         </a:solidFill>
         <a:effectLst/>
         <a:uFillTx/>
-        <a:latin typeface="Produkt Extralight"/>
-        <a:ea typeface="Produkt Extralight"/>
-        <a:cs typeface="Produkt Extralight"/>
-        <a:sym typeface="Produkt Extralight"/>
+        <a:latin typeface="+mj-lt"/>
+        <a:ea typeface="+mj-ea"/>
+        <a:cs typeface="+mj-cs"/>
+        <a:sym typeface="Helvetica"/>
       </a:defRPr>
     </a:lvl1pPr>
     <a:lvl2pPr marL="0" marR="0" indent="0" algn="l" defTabSz="355600" rtl="0" fontAlgn="auto" latinLnBrk="0" hangingPunct="0">
@@ -111,10 +111,10 @@
         </a:solidFill>
         <a:effectLst/>
         <a:uFillTx/>
-        <a:latin typeface="Produkt Extralight"/>
-        <a:ea typeface="Produkt Extralight"/>
-        <a:cs typeface="Produkt Extralight"/>
-        <a:sym typeface="Produkt Extralight"/>
+        <a:latin typeface="+mj-lt"/>
+        <a:ea typeface="+mj-ea"/>
+        <a:cs typeface="+mj-cs"/>
+        <a:sym typeface="Helvetica"/>
       </a:defRPr>
     </a:lvl2pPr>
     <a:lvl3pPr marL="0" marR="0" indent="0" algn="l" defTabSz="355600" rtl="0" fontAlgn="auto" latinLnBrk="0" hangingPunct="0">
@@ -141,10 +141,10 @@
         </a:solidFill>
         <a:effectLst/>
         <a:uFillTx/>
-        <a:latin typeface="Produkt Extralight"/>
-        <a:ea typeface="Produkt Extralight"/>
-        <a:cs typeface="Produkt Extralight"/>
-        <a:sym typeface="Produkt Extralight"/>
+        <a:latin typeface="+mj-lt"/>
+        <a:ea typeface="+mj-ea"/>
+        <a:cs typeface="+mj-cs"/>
+        <a:sym typeface="Helvetica"/>
       </a:defRPr>
     </a:lvl3pPr>
     <a:lvl4pPr marL="0" marR="0" indent="0" algn="l" defTabSz="355600" rtl="0" fontAlgn="auto" latinLnBrk="0" hangingPunct="0">
@@ -171,10 +171,10 @@
         </a:solidFill>
         <a:effectLst/>
         <a:uFillTx/>
-        <a:latin typeface="Produkt Extralight"/>
-        <a:ea typeface="Produkt Extralight"/>
-        <a:cs typeface="Produkt Extralight"/>
-        <a:sym typeface="Produkt Extralight"/>
+        <a:latin typeface="+mj-lt"/>
+        <a:ea typeface="+mj-ea"/>
+        <a:cs typeface="+mj-cs"/>
+        <a:sym typeface="Helvetica"/>
       </a:defRPr>
     </a:lvl4pPr>
     <a:lvl5pPr marL="0" marR="0" indent="0" algn="l" defTabSz="355600" rtl="0" fontAlgn="auto" latinLnBrk="0" hangingPunct="0">
@@ -201,10 +201,10 @@
         </a:solidFill>
         <a:effectLst/>
         <a:uFillTx/>
-        <a:latin typeface="Produkt Extralight"/>
-        <a:ea typeface="Produkt Extralight"/>
-        <a:cs typeface="Produkt Extralight"/>
-        <a:sym typeface="Produkt Extralight"/>
+        <a:latin typeface="+mj-lt"/>
+        <a:ea typeface="+mj-ea"/>
+        <a:cs typeface="+mj-cs"/>
+        <a:sym typeface="Helvetica"/>
       </a:defRPr>
     </a:lvl5pPr>
     <a:lvl6pPr marL="0" marR="0" indent="0" algn="l" defTabSz="355600" rtl="0" fontAlgn="auto" latinLnBrk="0" hangingPunct="0">
@@ -231,10 +231,10 @@
         </a:solidFill>
         <a:effectLst/>
         <a:uFillTx/>
-        <a:latin typeface="Produkt Extralight"/>
-        <a:ea typeface="Produkt Extralight"/>
-        <a:cs typeface="Produkt Extralight"/>
-        <a:sym typeface="Produkt Extralight"/>
+        <a:latin typeface="+mj-lt"/>
+        <a:ea typeface="+mj-ea"/>
+        <a:cs typeface="+mj-cs"/>
+        <a:sym typeface="Helvetica"/>
       </a:defRPr>
     </a:lvl6pPr>
     <a:lvl7pPr marL="0" marR="0" indent="0" algn="l" defTabSz="355600" rtl="0" fontAlgn="auto" latinLnBrk="0" hangingPunct="0">
@@ -261,10 +261,10 @@
         </a:solidFill>
         <a:effectLst/>
         <a:uFillTx/>
-        <a:latin typeface="Produkt Extralight"/>
-        <a:ea typeface="Produkt Extralight"/>
-        <a:cs typeface="Produkt Extralight"/>
-        <a:sym typeface="Produkt Extralight"/>
+        <a:latin typeface="+mj-lt"/>
+        <a:ea typeface="+mj-ea"/>
+        <a:cs typeface="+mj-cs"/>
+        <a:sym typeface="Helvetica"/>
       </a:defRPr>
     </a:lvl7pPr>
     <a:lvl8pPr marL="0" marR="0" indent="0" algn="l" defTabSz="355600" rtl="0" fontAlgn="auto" latinLnBrk="0" hangingPunct="0">
@@ -291,10 +291,10 @@
         </a:solidFill>
         <a:effectLst/>
         <a:uFillTx/>
-        <a:latin typeface="Produkt Extralight"/>
-        <a:ea typeface="Produkt Extralight"/>
-        <a:cs typeface="Produkt Extralight"/>
-        <a:sym typeface="Produkt Extralight"/>
+        <a:latin typeface="+mj-lt"/>
+        <a:ea typeface="+mj-ea"/>
+        <a:cs typeface="+mj-cs"/>
+        <a:sym typeface="Helvetica"/>
       </a:defRPr>
     </a:lvl8pPr>
     <a:lvl9pPr marL="0" marR="0" indent="0" algn="l" defTabSz="355600" rtl="0" fontAlgn="auto" latinLnBrk="0" hangingPunct="0">
@@ -321,10 +321,10 @@
         </a:solidFill>
         <a:effectLst/>
         <a:uFillTx/>
-        <a:latin typeface="Produkt Extralight"/>
-        <a:ea typeface="Produkt Extralight"/>
-        <a:cs typeface="Produkt Extralight"/>
-        <a:sym typeface="Produkt Extralight"/>
+        <a:latin typeface="+mj-lt"/>
+        <a:ea typeface="+mj-ea"/>
+        <a:cs typeface="+mj-cs"/>
+        <a:sym typeface="Helvetica"/>
       </a:defRPr>
     </a:lvl9pPr>
   </p:defaultTextStyle>
@@ -411,9 +411,9 @@
         <a:spcPct val="117999"/>
       </a:lnSpc>
       <a:defRPr sz="2200">
-        <a:latin typeface="+mj-lt"/>
-        <a:ea typeface="+mj-ea"/>
-        <a:cs typeface="+mj-cs"/>
+        <a:latin typeface="+mn-lt"/>
+        <a:ea typeface="+mn-ea"/>
+        <a:cs typeface="+mn-cs"/>
         <a:sym typeface="Helvetica Neue"/>
       </a:defRPr>
     </a:lvl1pPr>
@@ -422,9 +422,9 @@
         <a:spcPct val="117999"/>
       </a:lnSpc>
       <a:defRPr sz="2200">
-        <a:latin typeface="+mj-lt"/>
-        <a:ea typeface="+mj-ea"/>
-        <a:cs typeface="+mj-cs"/>
+        <a:latin typeface="+mn-lt"/>
+        <a:ea typeface="+mn-ea"/>
+        <a:cs typeface="+mn-cs"/>
         <a:sym typeface="Helvetica Neue"/>
       </a:defRPr>
     </a:lvl2pPr>
@@ -433,9 +433,9 @@
         <a:spcPct val="117999"/>
       </a:lnSpc>
       <a:defRPr sz="2200">
-        <a:latin typeface="+mj-lt"/>
-        <a:ea typeface="+mj-ea"/>
-        <a:cs typeface="+mj-cs"/>
+        <a:latin typeface="+mn-lt"/>
+        <a:ea typeface="+mn-ea"/>
+        <a:cs typeface="+mn-cs"/>
         <a:sym typeface="Helvetica Neue"/>
       </a:defRPr>
     </a:lvl3pPr>
@@ -444,9 +444,9 @@
         <a:spcPct val="117999"/>
       </a:lnSpc>
       <a:defRPr sz="2200">
-        <a:latin typeface="+mj-lt"/>
-        <a:ea typeface="+mj-ea"/>
-        <a:cs typeface="+mj-cs"/>
+        <a:latin typeface="+mn-lt"/>
+        <a:ea typeface="+mn-ea"/>
+        <a:cs typeface="+mn-cs"/>
         <a:sym typeface="Helvetica Neue"/>
       </a:defRPr>
     </a:lvl4pPr>
@@ -455,9 +455,9 @@
         <a:spcPct val="117999"/>
       </a:lnSpc>
       <a:defRPr sz="2200">
-        <a:latin typeface="+mj-lt"/>
-        <a:ea typeface="+mj-ea"/>
-        <a:cs typeface="+mj-cs"/>
+        <a:latin typeface="+mn-lt"/>
+        <a:ea typeface="+mn-ea"/>
+        <a:cs typeface="+mn-cs"/>
         <a:sym typeface="Helvetica Neue"/>
       </a:defRPr>
     </a:lvl5pPr>
@@ -466,9 +466,9 @@
         <a:spcPct val="117999"/>
       </a:lnSpc>
       <a:defRPr sz="2200">
-        <a:latin typeface="+mj-lt"/>
-        <a:ea typeface="+mj-ea"/>
-        <a:cs typeface="+mj-cs"/>
+        <a:latin typeface="+mn-lt"/>
+        <a:ea typeface="+mn-ea"/>
+        <a:cs typeface="+mn-cs"/>
         <a:sym typeface="Helvetica Neue"/>
       </a:defRPr>
     </a:lvl6pPr>
@@ -477,9 +477,9 @@
         <a:spcPct val="117999"/>
       </a:lnSpc>
       <a:defRPr sz="2200">
-        <a:latin typeface="+mj-lt"/>
-        <a:ea typeface="+mj-ea"/>
-        <a:cs typeface="+mj-cs"/>
+        <a:latin typeface="+mn-lt"/>
+        <a:ea typeface="+mn-ea"/>
+        <a:cs typeface="+mn-cs"/>
         <a:sym typeface="Helvetica Neue"/>
       </a:defRPr>
     </a:lvl7pPr>
@@ -488,9 +488,9 @@
         <a:spcPct val="117999"/>
       </a:lnSpc>
       <a:defRPr sz="2200">
-        <a:latin typeface="+mj-lt"/>
-        <a:ea typeface="+mj-ea"/>
-        <a:cs typeface="+mj-cs"/>
+        <a:latin typeface="+mn-lt"/>
+        <a:ea typeface="+mn-ea"/>
+        <a:cs typeface="+mn-cs"/>
         <a:sym typeface="Helvetica Neue"/>
       </a:defRPr>
     </a:lvl8pPr>
@@ -499,9 +499,9 @@
         <a:spcPct val="117999"/>
       </a:lnSpc>
       <a:defRPr sz="2200">
-        <a:latin typeface="+mj-lt"/>
-        <a:ea typeface="+mj-ea"/>
-        <a:cs typeface="+mj-cs"/>
+        <a:latin typeface="+mn-lt"/>
+        <a:ea typeface="+mn-ea"/>
+        <a:cs typeface="+mn-cs"/>
         <a:sym typeface="Helvetica Neue"/>
       </a:defRPr>
     </a:lvl9pPr>
@@ -548,7 +548,7 @@
         <p:spPr>
           <a:xfrm>
             <a:off x="1206500" y="12268950"/>
-            <a:ext cx="21971000" cy="660402"/>
+            <a:ext cx="21971000" cy="660403"/>
           </a:xfrm>
           <a:prstGeom prst="rect">
             <a:avLst/>
@@ -570,7 +570,7 @@
                 <a:sym typeface="Produkt Light"/>
               </a:defRPr>
             </a:lvl1pPr>
-            <a:lvl2pPr marL="834389" indent="-377189" defTabSz="825500">
+            <a:lvl2pPr marL="834388" indent="-377188" defTabSz="825500">
               <a:spcBef>
                 <a:spcPts val="0"/>
               </a:spcBef>
@@ -581,7 +581,7 @@
                 <a:sym typeface="Produkt Light"/>
               </a:defRPr>
             </a:lvl2pPr>
-            <a:lvl3pPr marL="1291589" indent="-377189" defTabSz="825500">
+            <a:lvl3pPr marL="1291588" indent="-377188" defTabSz="825500">
               <a:spcBef>
                 <a:spcPts val="0"/>
               </a:spcBef>
@@ -592,7 +592,7 @@
                 <a:sym typeface="Produkt Light"/>
               </a:defRPr>
             </a:lvl3pPr>
-            <a:lvl4pPr marL="1748789" indent="-377189" defTabSz="825500">
+            <a:lvl4pPr marL="1748788" indent="-377188" defTabSz="825500">
               <a:spcBef>
                 <a:spcPts val="0"/>
               </a:spcBef>
@@ -603,7 +603,7 @@
                 <a:sym typeface="Produkt Light"/>
               </a:defRPr>
             </a:lvl4pPr>
-            <a:lvl5pPr marL="2205989" indent="-377189" defTabSz="825500">
+            <a:lvl5pPr marL="2205988" indent="-377188" defTabSz="825500">
               <a:spcBef>
                 <a:spcPts val="0"/>
               </a:spcBef>
@@ -1080,7 +1080,7 @@
         <p:spPr>
           <a:xfrm>
             <a:off x="1206500" y="4248503"/>
-            <a:ext cx="21971000" cy="8256014"/>
+            <a:ext cx="21971000" cy="8256015"/>
           </a:xfrm>
           <a:prstGeom prst="rect">
             <a:avLst/>
@@ -1655,7 +1655,7 @@
                 <a:sym typeface="Produkt Light"/>
               </a:defRPr>
             </a:lvl1pPr>
-            <a:lvl2pPr marL="868679" indent="-411479" defTabSz="825500">
+            <a:lvl2pPr marL="868678" indent="-411479" defTabSz="825500">
               <a:spcBef>
                 <a:spcPts val="0"/>
               </a:spcBef>
@@ -1666,7 +1666,7 @@
                 <a:sym typeface="Produkt Light"/>
               </a:defRPr>
             </a:lvl2pPr>
-            <a:lvl3pPr marL="1325879" indent="-411479" defTabSz="825500">
+            <a:lvl3pPr marL="1325878" indent="-411478" defTabSz="825500">
               <a:spcBef>
                 <a:spcPts val="0"/>
               </a:spcBef>
@@ -1677,7 +1677,7 @@
                 <a:sym typeface="Produkt Light"/>
               </a:defRPr>
             </a:lvl3pPr>
-            <a:lvl4pPr marL="1783079" indent="-411479" defTabSz="825500">
+            <a:lvl4pPr marL="1783078" indent="-411478" defTabSz="825500">
               <a:spcBef>
                 <a:spcPts val="0"/>
               </a:spcBef>
@@ -1688,7 +1688,7 @@
                 <a:sym typeface="Produkt Light"/>
               </a:defRPr>
             </a:lvl4pPr>
-            <a:lvl5pPr marL="2240279" indent="-411479" defTabSz="825500">
+            <a:lvl5pPr marL="2240278" indent="-411478" defTabSz="825500">
               <a:spcBef>
                 <a:spcPts val="0"/>
               </a:spcBef>
@@ -1753,7 +1753,7 @@
           <a:bodyPr anchor="b"/>
           <a:lstStyle/>
           <a:p>
-            <a:pPr lvl="4" marL="0" indent="1493520" defTabSz="1463040">
+            <a:pPr lvl="4" marL="0" indent="2407920" defTabSz="1463039">
               <a:lnSpc>
                 <a:spcPct val="90000"/>
               </a:lnSpc>
@@ -1762,7 +1762,7 @@
               </a:spcBef>
               <a:buSzTx/>
               <a:buNone/>
-              <a:defRPr spc="-60" sz="5580">
+              <a:defRPr spc="-99" sz="5500">
                 <a:latin typeface="Produkt Extralight"/>
                 <a:ea typeface="Produkt Extralight"/>
                 <a:cs typeface="Produkt Extralight"/>
@@ -2161,7 +2161,7 @@
                 <a:sym typeface="Produkt Light"/>
               </a:defRPr>
             </a:lvl1pPr>
-            <a:lvl2pPr marL="834389" indent="-377189" defTabSz="825500">
+            <a:lvl2pPr marL="834388" indent="-377188" defTabSz="825500">
               <a:spcBef>
                 <a:spcPts val="0"/>
               </a:spcBef>
@@ -2172,7 +2172,7 @@
                 <a:sym typeface="Produkt Light"/>
               </a:defRPr>
             </a:lvl2pPr>
-            <a:lvl3pPr marL="1291589" indent="-377189" defTabSz="825500">
+            <a:lvl3pPr marL="1291588" indent="-377188" defTabSz="825500">
               <a:spcBef>
                 <a:spcPts val="0"/>
               </a:spcBef>
@@ -2183,7 +2183,7 @@
                 <a:sym typeface="Produkt Light"/>
               </a:defRPr>
             </a:lvl3pPr>
-            <a:lvl4pPr marL="1748789" indent="-377189" defTabSz="825500">
+            <a:lvl4pPr marL="1748788" indent="-377188" defTabSz="825500">
               <a:spcBef>
                 <a:spcPts val="0"/>
               </a:spcBef>
@@ -2194,7 +2194,7 @@
                 <a:sym typeface="Produkt Light"/>
               </a:defRPr>
             </a:lvl4pPr>
-            <a:lvl5pPr marL="2205989" indent="-377189" defTabSz="825500">
+            <a:lvl5pPr marL="2205988" indent="-377188" defTabSz="825500">
               <a:spcBef>
                 <a:spcPts val="0"/>
               </a:spcBef>
@@ -2370,8 +2370,8 @@
         </p:nvSpPr>
         <p:spPr>
           <a:xfrm>
-            <a:off x="8140700" y="-2"/>
-            <a:ext cx="20574000" cy="13716003"/>
+            <a:off x="8140700" y="-3"/>
+            <a:ext cx="20574000" cy="13716005"/>
           </a:xfrm>
           <a:prstGeom prst="rect">
             <a:avLst/>
@@ -2730,7 +2730,7 @@
         <p:spPr>
           <a:xfrm>
             <a:off x="1206500" y="4248503"/>
-            <a:ext cx="21971000" cy="8256014"/>
+            <a:ext cx="21971000" cy="8256015"/>
           </a:xfrm>
           <a:prstGeom prst="rect">
             <a:avLst/>
@@ -3067,7 +3067,7 @@
         <p:spPr>
           <a:xfrm>
             <a:off x="1206500" y="4248503"/>
-            <a:ext cx="9779000" cy="8256014"/>
+            <a:ext cx="9779000" cy="8256015"/>
           </a:xfrm>
           <a:prstGeom prst="rect">
             <a:avLst/>
@@ -3281,7 +3281,7 @@
         <p:spPr>
           <a:xfrm>
             <a:off x="1206500" y="4248503"/>
-            <a:ext cx="9779000" cy="8256014"/>
+            <a:ext cx="9779000" cy="8256015"/>
           </a:xfrm>
           <a:prstGeom prst="rect">
             <a:avLst/>
@@ -3495,7 +3495,7 @@
         <p:spPr>
           <a:xfrm>
             <a:off x="1206500" y="4248503"/>
-            <a:ext cx="9779000" cy="8256014"/>
+            <a:ext cx="9779000" cy="8256015"/>
           </a:xfrm>
           <a:prstGeom prst="rect">
             <a:avLst/>
@@ -4572,7 +4572,7 @@
         <p:spPr>
           <a:xfrm>
             <a:off x="1206500" y="12268950"/>
-            <a:ext cx="21971000" cy="660402"/>
+            <a:ext cx="21971000" cy="660403"/>
           </a:xfrm>
           <a:prstGeom prst="rect">
             <a:avLst/>
@@ -4625,6 +4625,10 @@
                 <a:solidFill>
                   <a:srgbClr val="535860"/>
                 </a:solidFill>
+                <a:latin typeface="Produkt Extralight"/>
+                <a:ea typeface="Produkt Extralight"/>
+                <a:cs typeface="Produkt Extralight"/>
+                <a:sym typeface="Produkt Extralight"/>
               </a:defRPr>
             </a:lvl1pPr>
           </a:lstStyle>
@@ -4646,8 +4650,8 @@
         </p:nvSpPr>
         <p:spPr>
           <a:xfrm>
-            <a:off x="1206499" y="2616200"/>
-            <a:ext cx="21971006" cy="4648200"/>
+            <a:off x="1206498" y="2616200"/>
+            <a:ext cx="21971008" cy="4648200"/>
           </a:xfrm>
           <a:prstGeom prst="rect">
             <a:avLst/>
@@ -4696,7 +4700,7 @@
       </p:grpSpPr>
       <p:pic>
         <p:nvPicPr>
-          <p:cNvPr id="215" name="Frame_1_1_1_ed3cz4.jpeg" descr="Frame_1_1_1_ed3cz4.jpeg"/>
+          <p:cNvPr id="216" name="Frame_1_1_1_ed3cz4.jpeg" descr="Frame_1_1_1_ed3cz4.jpeg"/>
           <p:cNvPicPr>
             <a:picLocks noChangeAspect="1"/>
           </p:cNvPicPr>
@@ -4716,7 +4720,7 @@
         <p:spPr>
           <a:xfrm>
             <a:off x="11493199" y="3548729"/>
-            <a:ext cx="13043733" cy="6926988"/>
+            <a:ext cx="13043733" cy="6926989"/>
           </a:xfrm>
           <a:prstGeom prst="rect">
             <a:avLst/>
@@ -4725,7 +4729,7 @@
       </p:pic>
       <p:sp>
         <p:nvSpPr>
-          <p:cNvPr id="216" name="Applications tierces"/>
+          <p:cNvPr id="217" name="Applications tierces"/>
           <p:cNvSpPr txBox="1"/>
           <p:nvPr>
             <p:ph type="body" sz="quarter" idx="1"/>
@@ -4749,7 +4753,7 @@
       </p:sp>
       <p:pic>
         <p:nvPicPr>
-          <p:cNvPr id="217" name="deliveroo.png" descr="deliveroo.png"/>
+          <p:cNvPr id="218" name="deliveroo.png" descr="deliveroo.png"/>
           <p:cNvPicPr>
             <a:picLocks noChangeAspect="1"/>
           </p:cNvPicPr>
@@ -4766,7 +4770,7 @@
         <p:spPr>
           <a:xfrm>
             <a:off x="21478279" y="4802118"/>
-            <a:ext cx="2119509" cy="2119509"/>
+            <a:ext cx="2119510" cy="2119510"/>
           </a:xfrm>
           <a:prstGeom prst="rect">
             <a:avLst/>
@@ -4778,7 +4782,7 @@
       </p:pic>
       <p:pic>
         <p:nvPicPr>
-          <p:cNvPr id="218" name="Symbole-Instagram.jpg" descr="Symbole-Instagram.jpg"/>
+          <p:cNvPr id="219" name="Symbole-Instagram.jpg" descr="Symbole-Instagram.jpg"/>
           <p:cNvPicPr>
             <a:picLocks noChangeAspect="1"/>
           </p:cNvPicPr>
@@ -4795,7 +4799,7 @@
         <p:spPr>
           <a:xfrm>
             <a:off x="21259790" y="7345270"/>
-            <a:ext cx="2556495" cy="2062627"/>
+            <a:ext cx="2556496" cy="2062628"/>
           </a:xfrm>
           <a:prstGeom prst="rect">
             <a:avLst/>
@@ -4807,7 +4811,7 @@
       </p:pic>
       <p:pic>
         <p:nvPicPr>
-          <p:cNvPr id="219" name="16558082498489_FR_1156_P7_Banner-Qwenta.png" descr="16558082498489_FR_1156_P7_Banner-Qwenta.png"/>
+          <p:cNvPr id="220" name="16558082498489_FR_1156_P7_Banner-Qwenta.png" descr="16558082498489_FR_1156_P7_Banner-Qwenta.png"/>
           <p:cNvPicPr>
             <a:picLocks noChangeAspect="1"/>
           </p:cNvPicPr>
@@ -4825,7 +4829,7 @@
         <p:spPr>
           <a:xfrm>
             <a:off x="11548209" y="5891938"/>
-            <a:ext cx="2556125" cy="2240892"/>
+            <a:ext cx="2556126" cy="2240893"/>
           </a:xfrm>
           <a:prstGeom prst="rect">
             <a:avLst/>
@@ -4837,7 +4841,7 @@
       </p:pic>
       <p:sp>
         <p:nvSpPr>
-          <p:cNvPr id="220" name="APIs"/>
+          <p:cNvPr id="221" name="APIs"/>
           <p:cNvSpPr txBox="1"/>
           <p:nvPr>
             <p:ph type="title"/>
@@ -4851,7 +4855,7 @@
         <p:txBody>
           <a:bodyPr/>
           <a:lstStyle>
-            <a:lvl1pPr defTabSz="2316478">
+            <a:lvl1pPr defTabSz="2316477">
               <a:defRPr sz="9500"/>
             </a:lvl1pPr>
           </a:lstStyle>
@@ -4865,7 +4869,7 @@
       </p:sp>
       <p:sp>
         <p:nvSpPr>
-          <p:cNvPr id="221" name="Ce moyen de communication entre 2 logiciels va nous permettre de transmettre à Deliveroo et Instagram les menus une fois finalisé."/>
+          <p:cNvPr id="222" name="Ce moyen de communication entre 2 logiciels va nous permettre de transmettre à Deliveroo et Instagram les menus une fois finalisé."/>
           <p:cNvSpPr txBox="1"/>
           <p:nvPr>
             <p:ph type="body" idx="22"/>
@@ -4925,7 +4929,7 @@
       </p:grpSpPr>
       <p:pic>
         <p:nvPicPr>
-          <p:cNvPr id="223" name="Cybersécurité.jpeg" descr="Cybersécurité.jpeg"/>
+          <p:cNvPr id="224" name="Cybersécurité.jpeg" descr="Cybersécurité.jpeg"/>
           <p:cNvPicPr>
             <a:picLocks noChangeAspect="1"/>
           </p:cNvPicPr>
@@ -4944,8 +4948,8 @@
         </p:blipFill>
         <p:spPr>
           <a:xfrm>
-            <a:off x="12382499" y="0"/>
-            <a:ext cx="12001502" cy="13716000"/>
+            <a:off x="12382498" y="0"/>
+            <a:ext cx="12001504" cy="13716000"/>
           </a:xfrm>
           <a:prstGeom prst="rect">
             <a:avLst/>
@@ -4954,7 +4958,7 @@
       </p:pic>
       <p:sp>
         <p:nvSpPr>
-          <p:cNvPr id="224" name="Cybersécurité"/>
+          <p:cNvPr id="225" name="Cybersécurité"/>
           <p:cNvSpPr txBox="1"/>
           <p:nvPr>
             <p:ph type="title"/>
@@ -4972,7 +4976,7 @@
         <p:txBody>
           <a:bodyPr/>
           <a:lstStyle>
-            <a:lvl1pPr defTabSz="2316478">
+            <a:lvl1pPr defTabSz="2316477">
               <a:defRPr sz="9500"/>
             </a:lvl1pPr>
           </a:lstStyle>
@@ -4986,7 +4990,7 @@
       </p:sp>
       <p:sp>
         <p:nvSpPr>
-          <p:cNvPr id="225" name="La sécurité dans le développement web est cruciale. Notre équipe respectera les standards lors de la conception du site Menu Maker…"/>
+          <p:cNvPr id="226" name="La sécurité dans le développement web est cruciale. Notre équipe respectera les standards lors de la conception du site Menu Maker…"/>
           <p:cNvSpPr txBox="1"/>
           <p:nvPr>
             <p:ph type="body" sz="half" idx="1"/>
@@ -4995,7 +4999,7 @@
         <p:spPr>
           <a:xfrm>
             <a:off x="1206500" y="4248503"/>
-            <a:ext cx="9779000" cy="8256014"/>
+            <a:ext cx="9779000" cy="8256015"/>
           </a:xfrm>
           <a:prstGeom prst="rect">
             <a:avLst/>
@@ -5138,7 +5142,7 @@
       </p:grpSpPr>
       <p:pic>
         <p:nvPicPr>
-          <p:cNvPr id="227" name="Capture d’écran 2024-01-09 à 23.58.28.png" descr="Capture d’écran 2024-01-09 à 23.58.28.png"/>
+          <p:cNvPr id="228" name="Capture d’écran 2024-01-09 à 23.58.28.png" descr="Capture d’écran 2024-01-09 à 23.58.28.png"/>
           <p:cNvPicPr>
             <a:picLocks noChangeAspect="1"/>
           </p:cNvPicPr>
@@ -5157,8 +5161,8 @@
         </p:blipFill>
         <p:spPr>
           <a:xfrm>
-            <a:off x="15766868" y="1741464"/>
-            <a:ext cx="8320930" cy="8392873"/>
+            <a:off x="15766868" y="1741463"/>
+            <a:ext cx="8320931" cy="8392875"/>
           </a:xfrm>
           <a:prstGeom prst="rect">
             <a:avLst/>
@@ -5167,7 +5171,7 @@
       </p:pic>
       <p:sp>
         <p:nvSpPr>
-          <p:cNvPr id="228" name="Hébergement"/>
+          <p:cNvPr id="229" name="Hébergement"/>
           <p:cNvSpPr txBox="1"/>
           <p:nvPr>
             <p:ph type="title"/>
@@ -5185,7 +5189,7 @@
         <p:txBody>
           <a:bodyPr/>
           <a:lstStyle>
-            <a:lvl1pPr defTabSz="2316478">
+            <a:lvl1pPr defTabSz="2316477">
               <a:defRPr sz="9500"/>
             </a:lvl1pPr>
           </a:lstStyle>
@@ -5199,7 +5203,7 @@
       </p:sp>
       <p:sp>
         <p:nvSpPr>
-          <p:cNvPr id="229" name="Hostinger est l’un des hébergeurs les plus fiables du marché…"/>
+          <p:cNvPr id="230" name="Hostinger est l’un des hébergeurs les plus fiables du marché…"/>
           <p:cNvSpPr txBox="1"/>
           <p:nvPr>
             <p:ph type="body" sz="half" idx="1"/>
@@ -5208,7 +5212,7 @@
         <p:spPr>
           <a:xfrm>
             <a:off x="1206500" y="4248503"/>
-            <a:ext cx="10446330" cy="7560902"/>
+            <a:ext cx="10446330" cy="7560903"/>
           </a:xfrm>
           <a:prstGeom prst="rect">
             <a:avLst/>
@@ -5269,7 +5273,7 @@
       </p:sp>
       <p:pic>
         <p:nvPicPr>
-          <p:cNvPr id="230" name="Capture d’écran 2024-01-09 à 23.59.25.png" descr="Capture d’écran 2024-01-09 à 23.59.25.png"/>
+          <p:cNvPr id="231" name="Capture d’écran 2024-01-09 à 23.59.25.png" descr="Capture d’écran 2024-01-09 à 23.59.25.png"/>
           <p:cNvPicPr>
             <a:picLocks noChangeAspect="1"/>
           </p:cNvPicPr>
@@ -5286,8 +5290,8 @@
         </p:blipFill>
         <p:spPr>
           <a:xfrm>
-            <a:off x="12625806" y="8316662"/>
-            <a:ext cx="5392274" cy="5455848"/>
+            <a:off x="12625805" y="8316662"/>
+            <a:ext cx="5392276" cy="5455849"/>
           </a:xfrm>
           <a:prstGeom prst="rect">
             <a:avLst/>
@@ -5299,7 +5303,7 @@
       </p:pic>
       <p:pic>
         <p:nvPicPr>
-          <p:cNvPr id="231" name="Hostinger.jpg" descr="Hostinger.jpg"/>
+          <p:cNvPr id="232" name="Hostinger.jpg" descr="Hostinger.jpg"/>
           <p:cNvPicPr>
             <a:picLocks noChangeAspect="1"/>
           </p:cNvPicPr>
@@ -5317,7 +5321,7 @@
         <p:spPr>
           <a:xfrm>
             <a:off x="12281867" y="760214"/>
-            <a:ext cx="4089293" cy="4124648"/>
+            <a:ext cx="4089294" cy="4124648"/>
           </a:xfrm>
           <a:prstGeom prst="rect">
             <a:avLst/>
@@ -5355,7 +5359,7 @@
       </p:grpSpPr>
       <p:sp>
         <p:nvSpPr>
-          <p:cNvPr id="233" name="Équipe et Plan de communication"/>
+          <p:cNvPr id="234" name="Équipe et Plan de communication"/>
           <p:cNvSpPr txBox="1"/>
           <p:nvPr>
             <p:ph type="title"/>
@@ -5363,8 +5367,8 @@
         </p:nvSpPr>
         <p:spPr>
           <a:xfrm>
-            <a:off x="1206495" y="3911600"/>
-            <a:ext cx="21971006" cy="4648200"/>
+            <a:off x="1206494" y="3911600"/>
+            <a:ext cx="21971008" cy="4648200"/>
           </a:xfrm>
           <a:prstGeom prst="rect">
             <a:avLst/>
@@ -5413,7 +5417,7 @@
       </p:grpSpPr>
       <p:pic>
         <p:nvPicPr>
-          <p:cNvPr id="235" name="0_EODEF6xTWVm5hv-3.jpeg" descr="0_EODEF6xTWVm5hv-3.jpeg"/>
+          <p:cNvPr id="236" name="0_EODEF6xTWVm5hv-3.jpeg" descr="0_EODEF6xTWVm5hv-3.jpeg"/>
           <p:cNvPicPr>
             <a:picLocks noChangeAspect="1"/>
           </p:cNvPicPr>
@@ -5432,8 +5436,8 @@
         </p:blipFill>
         <p:spPr>
           <a:xfrm>
-            <a:off x="12964146" y="1196740"/>
-            <a:ext cx="9778824" cy="6038578"/>
+            <a:off x="12964145" y="1196740"/>
+            <a:ext cx="9778826" cy="6038578"/>
           </a:xfrm>
           <a:prstGeom prst="rect">
             <a:avLst/>
@@ -5442,7 +5446,7 @@
       </p:pic>
       <p:sp>
         <p:nvSpPr>
-          <p:cNvPr id="236" name="Composition de l’équipe"/>
+          <p:cNvPr id="237" name="Composition de l’équipe"/>
           <p:cNvSpPr txBox="1"/>
           <p:nvPr>
             <p:ph type="title"/>
@@ -5451,7 +5455,7 @@
         <p:spPr>
           <a:xfrm>
             <a:off x="1206500" y="1551482"/>
-            <a:ext cx="9779000" cy="1689102"/>
+            <a:ext cx="9779000" cy="1689103"/>
           </a:xfrm>
           <a:prstGeom prst="rect">
             <a:avLst/>
@@ -5474,7 +5478,7 @@
       </p:sp>
       <p:sp>
         <p:nvSpPr>
-          <p:cNvPr id="237" name="Au vu des différentes tâches à accomplir…"/>
+          <p:cNvPr id="238" name="Au vu des différentes tâches à accomplir…"/>
           <p:cNvSpPr txBox="1"/>
           <p:nvPr>
             <p:ph type="body" sz="half" idx="1"/>
@@ -5483,7 +5487,7 @@
         <p:spPr>
           <a:xfrm>
             <a:off x="1206500" y="4248503"/>
-            <a:ext cx="9779000" cy="8256014"/>
+            <a:ext cx="9779000" cy="8256015"/>
           </a:xfrm>
           <a:prstGeom prst="rect">
             <a:avLst/>
@@ -5497,7 +5501,7 @@
               <a:spcBef>
                 <a:spcPts val="4600"/>
               </a:spcBef>
-              <a:defRPr sz="3920">
+              <a:defRPr sz="3900">
                 <a:latin typeface="Avenir Next Regular"/>
                 <a:ea typeface="Avenir Next Regular"/>
                 <a:cs typeface="Avenir Next Regular"/>
@@ -5515,7 +5519,7 @@
               </a:spcBef>
               <a:buSzTx/>
               <a:buNone/>
-              <a:defRPr sz="3920">
+              <a:defRPr sz="3900">
                 <a:latin typeface="Avenir Next Regular"/>
                 <a:ea typeface="Avenir Next Regular"/>
                 <a:cs typeface="Avenir Next Regular"/>
@@ -5533,7 +5537,7 @@
               </a:spcBef>
               <a:buSzTx/>
               <a:buNone/>
-              <a:defRPr sz="3920">
+              <a:defRPr sz="3900">
                 <a:latin typeface="Avenir Next Regular"/>
                 <a:ea typeface="Avenir Next Regular"/>
                 <a:cs typeface="Avenir Next Regular"/>
@@ -5551,7 +5555,7 @@
               </a:spcBef>
               <a:buSzTx/>
               <a:buNone/>
-              <a:defRPr sz="3920">
+              <a:defRPr sz="3900">
                 <a:latin typeface="Avenir Next Regular"/>
                 <a:ea typeface="Avenir Next Regular"/>
                 <a:cs typeface="Avenir Next Regular"/>
@@ -5566,7 +5570,7 @@
       </p:sp>
       <p:pic>
         <p:nvPicPr>
-          <p:cNvPr id="238" name="0_EODEF6xTWVm5hv-3.jpeg" descr="0_EODEF6xTWVm5hv-3.jpeg"/>
+          <p:cNvPr id="239" name="0_EODEF6xTWVm5hv-3.jpeg" descr="0_EODEF6xTWVm5hv-3.jpeg"/>
           <p:cNvPicPr>
             <a:picLocks noChangeAspect="1"/>
           </p:cNvPicPr>
@@ -5583,8 +5587,8 @@
         </p:blipFill>
         <p:spPr>
           <a:xfrm>
-            <a:off x="15096158" y="6817250"/>
-            <a:ext cx="5514792" cy="6398176"/>
+            <a:off x="15096157" y="6817249"/>
+            <a:ext cx="5514793" cy="6398177"/>
           </a:xfrm>
           <a:prstGeom prst="rect">
             <a:avLst/>
@@ -5622,7 +5626,7 @@
       </p:grpSpPr>
       <p:pic>
         <p:nvPicPr>
-          <p:cNvPr id="240" name="agile-methode.jpeg" descr="agile-methode.jpeg"/>
+          <p:cNvPr id="241" name="agile-methode.jpeg" descr="agile-methode.jpeg"/>
           <p:cNvPicPr>
             <a:picLocks noChangeAspect="1"/>
           </p:cNvPicPr>
@@ -5639,7 +5643,7 @@
         <p:spPr>
           <a:xfrm>
             <a:off x="11316634" y="8812399"/>
-            <a:ext cx="13172520" cy="4901103"/>
+            <a:ext cx="13172521" cy="4901104"/>
           </a:xfrm>
           <a:prstGeom prst="rect">
             <a:avLst/>
@@ -5651,7 +5655,7 @@
       </p:pic>
       <p:pic>
         <p:nvPicPr>
-          <p:cNvPr id="241" name="PrincipesAgiles.png" descr="PrincipesAgiles.png"/>
+          <p:cNvPr id="242" name="PrincipesAgiles.png" descr="PrincipesAgiles.png"/>
           <p:cNvPicPr>
             <a:picLocks noChangeAspect="1"/>
           </p:cNvPicPr>
@@ -5670,8 +5674,8 @@
         </p:blipFill>
         <p:spPr>
           <a:xfrm>
-            <a:off x="18437857" y="586320"/>
-            <a:ext cx="7723403" cy="9049411"/>
+            <a:off x="18437857" y="586319"/>
+            <a:ext cx="7723404" cy="9049413"/>
           </a:xfrm>
           <a:prstGeom prst="rect">
             <a:avLst/>
@@ -5680,7 +5684,7 @@
       </p:pic>
       <p:sp>
         <p:nvSpPr>
-          <p:cNvPr id="242" name="Méthode de travail"/>
+          <p:cNvPr id="243" name="Méthode de travail"/>
           <p:cNvSpPr txBox="1"/>
           <p:nvPr>
             <p:ph type="title"/>
@@ -5712,7 +5716,7 @@
       </p:sp>
       <p:sp>
         <p:nvSpPr>
-          <p:cNvPr id="243" name="La méthode agile offre une approche flexible et itérative. Elle favorise une collaboration continue entre l’équipe et vous.…"/>
+          <p:cNvPr id="244" name="La méthode agile offre une approche flexible et itérative. Elle favorise une collaboration continue entre l’équipe et vous.…"/>
           <p:cNvSpPr txBox="1"/>
           <p:nvPr>
             <p:ph type="body" sz="quarter" idx="1"/>
@@ -5766,14 +5770,14 @@
       </p:sp>
       <p:sp>
         <p:nvSpPr>
-          <p:cNvPr id="244" name="Méthode AGILE"/>
+          <p:cNvPr id="245" name="Méthode AGILE"/>
           <p:cNvSpPr txBox="1"/>
           <p:nvPr/>
         </p:nvSpPr>
         <p:spPr>
           <a:xfrm>
             <a:off x="898883" y="2592758"/>
-            <a:ext cx="8670602" cy="1050495"/>
+            <a:ext cx="8670602" cy="1050496"/>
           </a:xfrm>
           <a:prstGeom prst="rect">
             <a:avLst/>
@@ -5840,7 +5844,7 @@
       </p:grpSpPr>
       <p:sp>
         <p:nvSpPr>
-          <p:cNvPr id="246" name="Planification"/>
+          <p:cNvPr id="247" name="Planification"/>
           <p:cNvSpPr txBox="1"/>
           <p:nvPr>
             <p:ph type="title"/>
@@ -5858,7 +5862,7 @@
         <p:txBody>
           <a:bodyPr/>
           <a:lstStyle>
-            <a:lvl1pPr defTabSz="2316478">
+            <a:lvl1pPr defTabSz="2316477">
               <a:defRPr sz="9500"/>
             </a:lvl1pPr>
           </a:lstStyle>
@@ -5872,14 +5876,14 @@
       </p:sp>
       <p:sp>
         <p:nvSpPr>
-          <p:cNvPr id="247" name="Au vu de la charge de travail, nous prévoyons 3 sprints de 2 semaines.…"/>
+          <p:cNvPr id="248" name="Au vu de la charge de travail, nous prévoyons 3 sprints de 2 semaines.…"/>
           <p:cNvSpPr txBox="1"/>
           <p:nvPr/>
         </p:nvSpPr>
         <p:spPr>
           <a:xfrm>
-            <a:off x="726578" y="2883537"/>
-            <a:ext cx="22323502" cy="7948925"/>
+            <a:off x="726577" y="2883537"/>
+            <a:ext cx="22323504" cy="7948925"/>
           </a:xfrm>
           <a:prstGeom prst="rect">
             <a:avLst/>
@@ -5899,7 +5903,7 @@
           </a:bodyPr>
           <a:lstStyle/>
           <a:p>
-            <a:pPr defTabSz="320038">
+            <a:pPr defTabSz="320037">
               <a:spcBef>
                 <a:spcPts val="4200"/>
               </a:spcBef>
@@ -5918,7 +5922,7 @@
             </a:r>
           </a:p>
           <a:p>
-            <a:pPr defTabSz="320038">
+            <a:pPr defTabSz="320037">
               <a:spcBef>
                 <a:spcPts val="4200"/>
               </a:spcBef>
@@ -5937,7 +5941,7 @@
             </a:r>
           </a:p>
           <a:p>
-            <a:pPr defTabSz="320038">
+            <a:pPr defTabSz="320037">
               <a:spcBef>
                 <a:spcPts val="4200"/>
               </a:spcBef>
@@ -5956,7 +5960,7 @@
             </a:r>
           </a:p>
           <a:p>
-            <a:pPr defTabSz="320038">
+            <a:pPr defTabSz="320037">
               <a:spcBef>
                 <a:spcPts val="4200"/>
               </a:spcBef>
@@ -5978,14 +5982,14 @@
       </p:sp>
       <p:sp>
         <p:nvSpPr>
-          <p:cNvPr id="248" name="Lancement de la conception de Menu Maker prévue du —/—/2024 au —/—/2024"/>
+          <p:cNvPr id="249" name="Lancement de la conception de Menu Maker prévue du —/—/2024 au —/—/2024"/>
           <p:cNvSpPr txBox="1"/>
           <p:nvPr/>
         </p:nvSpPr>
         <p:spPr>
           <a:xfrm>
             <a:off x="798778" y="11407554"/>
-            <a:ext cx="16678928" cy="1029178"/>
+            <a:ext cx="16678928" cy="1029179"/>
           </a:xfrm>
           <a:prstGeom prst="rect">
             <a:avLst/>
@@ -6055,7 +6059,7 @@
       </p:grpSpPr>
       <p:pic>
         <p:nvPicPr>
-          <p:cNvPr id="250" name="6367dd4a5d859167c786b592_6259f7e78337c725752693cb_Sprint-planning-meeting.png" descr="6367dd4a5d859167c786b592_6259f7e78337c725752693cb_Sprint-planning-meeting.png"/>
+          <p:cNvPr id="251" name="6367dd4a5d859167c786b592_6259f7e78337c725752693cb_Sprint-planning-meeting.png" descr="6367dd4a5d859167c786b592_6259f7e78337c725752693cb_Sprint-planning-meeting.png"/>
           <p:cNvPicPr>
             <a:picLocks noChangeAspect="1"/>
           </p:cNvPicPr>
@@ -6084,7 +6088,7 @@
       </p:pic>
       <p:sp>
         <p:nvSpPr>
-          <p:cNvPr id="251" name="Collaboration et validation"/>
+          <p:cNvPr id="252" name="Collaboration et validation"/>
           <p:cNvSpPr txBox="1"/>
           <p:nvPr>
             <p:ph type="title"/>
@@ -6093,7 +6097,7 @@
         <p:spPr>
           <a:xfrm>
             <a:off x="1202483" y="1551482"/>
-            <a:ext cx="9779001" cy="1689102"/>
+            <a:ext cx="9779001" cy="1689103"/>
           </a:xfrm>
           <a:prstGeom prst="rect">
             <a:avLst/>
@@ -6116,7 +6120,7 @@
       </p:sp>
       <p:sp>
         <p:nvSpPr>
-          <p:cNvPr id="252" name="Chaque étape sera validée par le Product Owner avant que l’équipe ne passe à la suivante et une rencontre en visioconférence avec vous sera tenue chaque semaine.…"/>
+          <p:cNvPr id="253" name="Chaque étape sera validée par le Product Owner avant que l’équipe ne passe à la suivante et une rencontre en visioconférence avec vous sera tenue chaque semaine.…"/>
           <p:cNvSpPr txBox="1"/>
           <p:nvPr>
             <p:ph type="body" sz="half" idx="1"/>
@@ -6228,7 +6232,7 @@
       </p:grpSpPr>
       <p:sp>
         <p:nvSpPr>
-          <p:cNvPr id="254" name="Planification et communication"/>
+          <p:cNvPr id="255" name="Planification et communication"/>
           <p:cNvSpPr txBox="1"/>
           <p:nvPr>
             <p:ph type="title"/>
@@ -6246,7 +6250,7 @@
         <p:txBody>
           <a:bodyPr/>
           <a:lstStyle>
-            <a:lvl1pPr defTabSz="2316478">
+            <a:lvl1pPr defTabSz="2316477">
               <a:defRPr sz="9500"/>
             </a:lvl1pPr>
           </a:lstStyle>
@@ -6260,13 +6264,13 @@
       </p:sp>
       <p:graphicFrame>
         <p:nvGraphicFramePr>
-          <p:cNvPr id="255" name="Tableau 1"/>
+          <p:cNvPr id="256" name="Tableau 1"/>
           <p:cNvGraphicFramePr/>
           <p:nvPr/>
         </p:nvGraphicFramePr>
         <p:xfrm>
           <a:off x="2061454" y="5126292"/>
-          <a:ext cx="19455399" cy="5228783"/>
+          <a:ext cx="19455399" cy="5228784"/>
         </p:xfrm>
         <a:graphic xmlns:a="http://schemas.openxmlformats.org/drawingml/2006/main">
           <a:graphicData uri="http://schemas.openxmlformats.org/drawingml/2006/table">
@@ -6290,7 +6294,7 @@
                       </a:pPr>
                       <a:r>
                         <a:rPr sz="3200">
-                          <a:sym typeface="Produkt Extralight"/>
+                          <a:sym typeface="Helvetica"/>
                         </a:rPr>
                         <a:t>Sprint 1</a:t>
                       </a:r>
@@ -6312,7 +6316,7 @@
                       </a:pPr>
                       <a:r>
                         <a:rPr sz="3200">
-                          <a:sym typeface="Produkt Extralight"/>
+                          <a:sym typeface="Helvetica"/>
                         </a:rPr>
                         <a:t>Sprint 2</a:t>
                       </a:r>
@@ -6334,7 +6338,7 @@
                       </a:pPr>
                       <a:r>
                         <a:rPr sz="3200">
-                          <a:sym typeface="Produkt Extralight"/>
+                          <a:sym typeface="Helvetica"/>
                         </a:rPr>
                         <a:t>Sprint 3</a:t>
                       </a:r>
@@ -6358,7 +6362,7 @@
                       </a:pPr>
                       <a:r>
                         <a:rPr sz="3200">
-                          <a:sym typeface="Produkt Extralight"/>
+                          <a:sym typeface="Helvetica"/>
                         </a:rPr>
                         <a:t>Semaine 1 : Rencontre en visioconférence</a:t>
                       </a:r>
@@ -6380,7 +6384,7 @@
                       </a:pPr>
                       <a:r>
                         <a:rPr sz="3200">
-                          <a:sym typeface="Produkt Extralight"/>
+                          <a:sym typeface="Helvetica"/>
                         </a:rPr>
                         <a:t>Semaine 1 : Rencontre en visioconférence</a:t>
                       </a:r>
@@ -6402,7 +6406,7 @@
                       </a:pPr>
                       <a:r>
                         <a:rPr sz="3200">
-                          <a:sym typeface="Produkt Extralight"/>
+                          <a:sym typeface="Helvetica"/>
                         </a:rPr>
                         <a:t>Semaine 1 : Rencontre en visioconférence</a:t>
                       </a:r>
@@ -6426,7 +6430,7 @@
                       </a:pPr>
                       <a:r>
                         <a:rPr sz="3200">
-                          <a:sym typeface="Produkt Extralight"/>
+                          <a:sym typeface="Helvetica"/>
                         </a:rPr>
                         <a:t>Semaine 2 : Rencontre en présentiel pour la Sprint Review</a:t>
                       </a:r>
@@ -6448,7 +6452,7 @@
                       </a:pPr>
                       <a:r>
                         <a:rPr sz="3200">
-                          <a:sym typeface="Produkt Extralight"/>
+                          <a:sym typeface="Helvetica"/>
                         </a:rPr>
                         <a:t>Semaine 2 : Rencontre en présentiel pour la Sprint Review</a:t>
                       </a:r>
@@ -6470,7 +6474,7 @@
                       </a:pPr>
                       <a:r>
                         <a:rPr sz="3200">
-                          <a:sym typeface="Produkt Extralight"/>
+                          <a:sym typeface="Helvetica"/>
                         </a:rPr>
                         <a:t>Semaine 2 : Rencontre en présentiel pour la Sprint Review</a:t>
                       </a:r>
@@ -6489,14 +6493,14 @@
       </p:graphicFrame>
       <p:sp>
         <p:nvSpPr>
-          <p:cNvPr id="256" name="Lancement de la conception de Menu Maker prévue du —/—/2024 au —/—/2024"/>
+          <p:cNvPr id="257" name="Lancement de la conception de Menu Maker prévue du —/—/2024 au —/—/2024"/>
           <p:cNvSpPr txBox="1"/>
           <p:nvPr/>
         </p:nvSpPr>
         <p:spPr>
           <a:xfrm>
-            <a:off x="917261" y="2521257"/>
-            <a:ext cx="18425120" cy="1029178"/>
+            <a:off x="917260" y="2521256"/>
+            <a:ext cx="18425122" cy="1029179"/>
           </a:xfrm>
           <a:prstGeom prst="rect">
             <a:avLst/>
@@ -6563,7 +6567,7 @@
       </p:grpSpPr>
       <p:sp>
         <p:nvSpPr>
-          <p:cNvPr id="258" name="Fin de la présentation"/>
+          <p:cNvPr id="259" name="Fin de la présentation"/>
           <p:cNvSpPr txBox="1"/>
           <p:nvPr>
             <p:ph type="title" idx="4294967295"/>
@@ -6572,7 +6576,7 @@
         <p:spPr>
           <a:xfrm>
             <a:off x="1206500" y="1156329"/>
-            <a:ext cx="21971000" cy="1689102"/>
+            <a:ext cx="21971000" cy="1689103"/>
           </a:xfrm>
           <a:prstGeom prst="rect">
             <a:avLst/>
@@ -6581,7 +6585,7 @@
         <p:txBody>
           <a:bodyPr/>
           <a:lstStyle>
-            <a:lvl1pPr defTabSz="2316478">
+            <a:lvl1pPr defTabSz="2316477">
               <a:defRPr sz="9500"/>
             </a:lvl1pPr>
           </a:lstStyle>
@@ -6595,7 +6599,7 @@
       </p:sp>
       <p:sp>
         <p:nvSpPr>
-          <p:cNvPr id="259" name="En route vers Menu Maker"/>
+          <p:cNvPr id="260" name="En route vers Menu Maker"/>
           <p:cNvSpPr txBox="1"/>
           <p:nvPr>
             <p:ph type="body" sz="quarter" idx="4294967295"/>
@@ -6604,7 +6608,7 @@
         <p:spPr>
           <a:xfrm>
             <a:off x="1762092" y="11486687"/>
-            <a:ext cx="21676074" cy="1531880"/>
+            <a:ext cx="21676074" cy="1531881"/>
           </a:xfrm>
           <a:prstGeom prst="rect">
             <a:avLst/>
@@ -6640,7 +6644,7 @@
       </p:sp>
       <p:pic>
         <p:nvPicPr>
-          <p:cNvPr id="260" name="Capture d’écran 2024-01-09 à 20.14.27.png" descr="Capture d’écran 2024-01-09 à 20.14.27.png"/>
+          <p:cNvPr id="261" name="Capture d’écran 2024-01-09 à 20.14.27.png" descr="Capture d’écran 2024-01-09 à 20.14.27.png"/>
           <p:cNvPicPr>
             <a:picLocks noChangeAspect="1"/>
           </p:cNvPicPr>
@@ -6660,7 +6664,7 @@
         <p:spPr>
           <a:xfrm>
             <a:off x="5851525" y="3595770"/>
-            <a:ext cx="12680805" cy="7140577"/>
+            <a:ext cx="12680806" cy="7140578"/>
           </a:xfrm>
           <a:prstGeom prst="rect">
             <a:avLst/>
@@ -6704,7 +6708,7 @@
         <p:spPr>
           <a:xfrm>
             <a:off x="1157134" y="5101587"/>
-            <a:ext cx="22069732" cy="4590061"/>
+            <a:ext cx="22069732" cy="4590062"/>
           </a:xfrm>
           <a:prstGeom prst="rect">
             <a:avLst/>
@@ -6767,7 +6771,7 @@
         <p:txBody>
           <a:bodyPr/>
           <a:lstStyle>
-            <a:lvl1pPr defTabSz="2316478">
+            <a:lvl1pPr defTabSz="2316477">
               <a:defRPr sz="9500"/>
             </a:lvl1pPr>
           </a:lstStyle>
@@ -6816,7 +6820,7 @@
         <p:spPr>
           <a:xfrm>
             <a:off x="1917402" y="2447546"/>
-            <a:ext cx="7841269" cy="8256014"/>
+            <a:ext cx="7841268" cy="8256014"/>
           </a:xfrm>
           <a:prstGeom prst="rect">
             <a:avLst/>
@@ -6879,7 +6883,7 @@
         <p:spPr>
           <a:xfrm>
             <a:off x="18365381" y="4204110"/>
-            <a:ext cx="2861117" cy="3269848"/>
+            <a:ext cx="2861118" cy="3269849"/>
           </a:xfrm>
           <a:prstGeom prst="rect">
             <a:avLst/>
@@ -6909,7 +6913,7 @@
         <p:spPr>
           <a:xfrm>
             <a:off x="17151497" y="6092232"/>
-            <a:ext cx="2971686" cy="2125545"/>
+            <a:ext cx="2971687" cy="2125546"/>
           </a:xfrm>
           <a:prstGeom prst="rect">
             <a:avLst/>
@@ -6939,7 +6943,7 @@
         <p:spPr>
           <a:xfrm>
             <a:off x="19605341" y="6808144"/>
-            <a:ext cx="2583191" cy="1689099"/>
+            <a:ext cx="2583192" cy="1689100"/>
           </a:xfrm>
           <a:prstGeom prst="rect">
             <a:avLst/>
@@ -6969,7 +6973,7 @@
         <p:spPr>
           <a:xfrm>
             <a:off x="13202527" y="2586384"/>
-            <a:ext cx="2619558" cy="3269955"/>
+            <a:ext cx="2619559" cy="3269956"/>
           </a:xfrm>
           <a:prstGeom prst="rect">
             <a:avLst/>
@@ -6987,8 +6991,8 @@
         </p:nvSpPr>
         <p:spPr>
           <a:xfrm>
-            <a:off x="18038415" y="8901590"/>
-            <a:ext cx="3515005" cy="688976"/>
+            <a:off x="18038415" y="8901589"/>
+            <a:ext cx="3515005" cy="688977"/>
           </a:xfrm>
           <a:prstGeom prst="rect">
             <a:avLst/>
@@ -7039,7 +7043,7 @@
         <p:spPr>
           <a:xfrm>
             <a:off x="12867030" y="5941719"/>
-            <a:ext cx="3290370" cy="1267668"/>
+            <a:ext cx="3290371" cy="1267669"/>
           </a:xfrm>
           <a:prstGeom prst="rect">
             <a:avLst/>
@@ -7101,7 +7105,7 @@
         <p:spPr>
           <a:xfrm>
             <a:off x="13854132" y="8192571"/>
-            <a:ext cx="2619558" cy="3269954"/>
+            <a:ext cx="2619559" cy="3269955"/>
           </a:xfrm>
           <a:prstGeom prst="rect">
             <a:avLst/>
@@ -7120,7 +7124,7 @@
         <p:spPr>
           <a:xfrm>
             <a:off x="13406319" y="11711009"/>
-            <a:ext cx="3515005" cy="688976"/>
+            <a:ext cx="3515005" cy="688977"/>
           </a:xfrm>
           <a:prstGeom prst="rect">
             <a:avLst/>
@@ -7198,8 +7202,8 @@
         </p:nvSpPr>
         <p:spPr>
           <a:xfrm>
-            <a:off x="1206495" y="3911600"/>
-            <a:ext cx="21971006" cy="4648200"/>
+            <a:off x="1206494" y="3911600"/>
+            <a:ext cx="21971008" cy="4648200"/>
           </a:xfrm>
           <a:prstGeom prst="rect">
             <a:avLst/>
@@ -7260,15 +7264,15 @@
           <a:blip r:embed="rId2">
             <a:extLst/>
           </a:blip>
-          <a:srcRect l="59181" t="21292" r="2314" b="477"/>
+          <a:srcRect l="59181" t="21292" r="2314" b="476"/>
           <a:stretch>
             <a:fillRect/>
           </a:stretch>
         </p:blipFill>
         <p:spPr>
           <a:xfrm>
-            <a:off x="12874304" y="-1"/>
-            <a:ext cx="12001501" cy="13716002"/>
+            <a:off x="12874304" y="-2"/>
+            <a:ext cx="12001501" cy="13716003"/>
           </a:xfrm>
           <a:prstGeom prst="rect">
             <a:avLst/>
@@ -7285,8 +7289,8 @@
         </p:nvSpPr>
         <p:spPr>
           <a:xfrm>
-            <a:off x="1206500" y="1796141"/>
-            <a:ext cx="9779000" cy="1689102"/>
+            <a:off x="1206500" y="1796140"/>
+            <a:ext cx="9779000" cy="1689103"/>
           </a:xfrm>
           <a:prstGeom prst="rect">
             <a:avLst/>
@@ -7295,7 +7299,7 @@
         <p:txBody>
           <a:bodyPr/>
           <a:lstStyle>
-            <a:lvl1pPr defTabSz="2316478">
+            <a:lvl1pPr defTabSz="2316477">
               <a:defRPr sz="9500"/>
             </a:lvl1pPr>
           </a:lstStyle>
@@ -7318,7 +7322,7 @@
         <p:spPr>
           <a:xfrm>
             <a:off x="1206500" y="4248503"/>
-            <a:ext cx="9779000" cy="8256014"/>
+            <a:ext cx="9779000" cy="8256015"/>
           </a:xfrm>
           <a:prstGeom prst="rect">
             <a:avLst/>
@@ -7434,7 +7438,7 @@
         <p:txBody>
           <a:bodyPr/>
           <a:lstStyle>
-            <a:lvl1pPr defTabSz="2316478">
+            <a:lvl1pPr defTabSz="2316477">
               <a:defRPr sz="9500"/>
             </a:lvl1pPr>
           </a:lstStyle>
@@ -7457,7 +7461,7 @@
         <p:spPr>
           <a:xfrm>
             <a:off x="1206500" y="3824154"/>
-            <a:ext cx="9779000" cy="8256014"/>
+            <a:ext cx="9779000" cy="8256015"/>
           </a:xfrm>
           <a:prstGeom prst="rect">
             <a:avLst/>
@@ -7545,7 +7549,7 @@
         <p:spPr>
           <a:xfrm>
             <a:off x="11327658" y="6641782"/>
-            <a:ext cx="13659846" cy="6072469"/>
+            <a:ext cx="13659846" cy="6072470"/>
           </a:xfrm>
           <a:prstGeom prst="rect">
             <a:avLst/>
@@ -7574,7 +7578,7 @@
         <p:spPr>
           <a:xfrm>
             <a:off x="15868693" y="1263509"/>
-            <a:ext cx="4719955" cy="4214244"/>
+            <a:ext cx="4719956" cy="4214244"/>
           </a:xfrm>
           <a:prstGeom prst="rect">
             <a:avLst/>
@@ -7631,8 +7635,8 @@
         </p:blipFill>
         <p:spPr>
           <a:xfrm>
-            <a:off x="10625987" y="4669536"/>
-            <a:ext cx="13819588" cy="7979228"/>
+            <a:off x="10625986" y="4669535"/>
+            <a:ext cx="13819590" cy="7979229"/>
           </a:xfrm>
           <a:prstGeom prst="rect">
             <a:avLst/>
@@ -7679,7 +7683,7 @@
         <p:txBody>
           <a:bodyPr/>
           <a:lstStyle>
-            <a:lvl1pPr defTabSz="2316478">
+            <a:lvl1pPr defTabSz="2316477">
               <a:defRPr sz="9500"/>
             </a:lvl1pPr>
           </a:lstStyle>
@@ -7701,8 +7705,8 @@
         </p:nvSpPr>
         <p:spPr>
           <a:xfrm>
-            <a:off x="1206499" y="4177224"/>
-            <a:ext cx="9301852" cy="8914983"/>
+            <a:off x="1206498" y="4177224"/>
+            <a:ext cx="9301854" cy="8914984"/>
           </a:xfrm>
           <a:prstGeom prst="rect">
             <a:avLst/>
@@ -7776,8 +7780,8 @@
         </p:blipFill>
         <p:spPr>
           <a:xfrm rot="34913">
-            <a:off x="14777307" y="499873"/>
-            <a:ext cx="5155407" cy="3642016"/>
+            <a:off x="14777307" y="499872"/>
+            <a:ext cx="5155407" cy="3642018"/>
           </a:xfrm>
           <a:custGeom>
             <a:avLst/>
@@ -7836,6 +7840,37 @@
           </a:ln>
         </p:spPr>
       </p:pic>
+      <p:sp>
+        <p:nvSpPr>
+          <p:cNvPr id="205" name="Rectangle"/>
+          <p:cNvSpPr/>
+          <p:nvPr/>
+        </p:nvSpPr>
+        <p:spPr>
+          <a:xfrm>
+            <a:off x="10655787" y="5676600"/>
+            <a:ext cx="4207555" cy="2192484"/>
+          </a:xfrm>
+          <a:prstGeom prst="rect">
+            <a:avLst/>
+          </a:prstGeom>
+          <a:solidFill>
+            <a:srgbClr val="FFFFFF"/>
+          </a:solidFill>
+          <a:ln w="3175">
+            <a:solidFill>
+              <a:srgbClr val="FFFFFF"/>
+            </a:solidFill>
+          </a:ln>
+        </p:spPr>
+        <p:txBody>
+          <a:bodyPr lIns="50800" tIns="50800" rIns="50800" bIns="50800" anchor="ctr"/>
+          <a:lstStyle/>
+          <a:p>
+            <a:pPr/>
+          </a:p>
+        </p:txBody>
+      </p:sp>
     </p:spTree>
   </p:cSld>
   <p:clrMapOvr>
@@ -7864,7 +7899,7 @@
       </p:grpSpPr>
       <p:pic>
         <p:nvPicPr>
-          <p:cNvPr id="206" name="hierachy.png" descr="hierachy.png"/>
+          <p:cNvPr id="207" name="hierachy.png" descr="hierachy.png"/>
           <p:cNvPicPr>
             <a:picLocks noChangeAspect="1"/>
           </p:cNvPicPr>
@@ -7892,7 +7927,7 @@
       </p:pic>
       <p:sp>
         <p:nvSpPr>
-          <p:cNvPr id="207" name="MongoDB"/>
+          <p:cNvPr id="208" name="MongoDB"/>
           <p:cNvSpPr txBox="1"/>
           <p:nvPr>
             <p:ph type="body" sz="quarter" idx="1"/>
@@ -7923,7 +7958,7 @@
       </p:sp>
       <p:sp>
         <p:nvSpPr>
-          <p:cNvPr id="208" name="Base de donnée"/>
+          <p:cNvPr id="209" name="Base de donnée"/>
           <p:cNvSpPr txBox="1"/>
           <p:nvPr>
             <p:ph type="title"/>
@@ -7937,7 +7972,7 @@
         <p:txBody>
           <a:bodyPr/>
           <a:lstStyle>
-            <a:lvl1pPr defTabSz="2316478">
+            <a:lvl1pPr defTabSz="2316477">
               <a:defRPr sz="9500"/>
             </a:lvl1pPr>
           </a:lstStyle>
@@ -7951,7 +7986,7 @@
       </p:sp>
       <p:sp>
         <p:nvSpPr>
-          <p:cNvPr id="209" name="MongoDB est une base de données NoSQL qui permet de stocker les données nécessaires au fonctionnement du site.…"/>
+          <p:cNvPr id="210" name="MongoDB est une base de données NoSQL qui permet de stocker les données nécessaires au fonctionnement du site.…"/>
           <p:cNvSpPr txBox="1"/>
           <p:nvPr>
             <p:ph type="body" idx="22"/>
@@ -8013,7 +8048,7 @@
       </p:sp>
       <p:pic>
         <p:nvPicPr>
-          <p:cNvPr id="210" name="mongodb-logo-rgb.jpg" descr="mongodb-logo-rgb.jpg"/>
+          <p:cNvPr id="211" name="mongodb-logo-rgb.jpg" descr="mongodb-logo-rgb.jpg"/>
           <p:cNvPicPr>
             <a:picLocks noChangeAspect="1"/>
           </p:cNvPicPr>
@@ -8030,7 +8065,7 @@
         <p:spPr>
           <a:xfrm>
             <a:off x="14377547" y="1842296"/>
-            <a:ext cx="6894032" cy="1966803"/>
+            <a:ext cx="6894033" cy="1966804"/>
           </a:xfrm>
           <a:prstGeom prst="rect">
             <a:avLst/>
@@ -8068,7 +8103,7 @@
       </p:grpSpPr>
       <p:sp>
         <p:nvSpPr>
-          <p:cNvPr id="212" name="L’ensemble de ces technologies forment l’acronyme MERN. Cette solution est très appréciée dans le domaine du développement Web et s’adapte parfaitement à la conception du site Menu Maker by Qwenta."/>
+          <p:cNvPr id="213" name="L’ensemble de ces technologies forment l’acronyme MERN. Cette solution est très appréciée dans le domaine du développement Web et s’adapte parfaitement à la conception du site Menu Maker by Qwenta."/>
           <p:cNvSpPr txBox="1"/>
           <p:nvPr>
             <p:ph type="body" sz="quarter" idx="4294967295"/>
@@ -8076,8 +8111,8 @@
         </p:nvSpPr>
         <p:spPr>
           <a:xfrm>
-            <a:off x="1206500" y="10924172"/>
-            <a:ext cx="21971000" cy="2234483"/>
+            <a:off x="1206500" y="10924171"/>
+            <a:ext cx="21971000" cy="2234484"/>
           </a:xfrm>
           <a:prstGeom prst="rect">
             <a:avLst/>
@@ -8101,7 +8136,7 @@
       </p:sp>
       <p:pic>
         <p:nvPicPr>
-          <p:cNvPr id="213" name="MERN_Stack_9437df2ba9_62af1dd3fc.png" descr="MERN_Stack_9437df2ba9_62af1dd3fc.png"/>
+          <p:cNvPr id="214" name="MERN_Stack_9437df2ba9_62af1dd3fc.png" descr="MERN_Stack_9437df2ba9_62af1dd3fc.png"/>
           <p:cNvPicPr>
             <a:picLocks noChangeAspect="1"/>
           </p:cNvPicPr>
@@ -8120,8 +8155,8 @@
         </p:blipFill>
         <p:spPr>
           <a:xfrm>
-            <a:off x="5173707" y="2218571"/>
-            <a:ext cx="14036701" cy="7947912"/>
+            <a:off x="5173707" y="2218570"/>
+            <a:ext cx="14036701" cy="7947913"/>
           </a:xfrm>
           <a:prstGeom prst="rect">
             <a:avLst/>
@@ -8180,14 +8215,14 @@
     </a:clrScheme>
     <a:fontScheme name="36_DynamicWavesLight">
       <a:majorFont>
+        <a:latin typeface="Helvetica"/>
+        <a:ea typeface="Helvetica"/>
+        <a:cs typeface="Helvetica"/>
+      </a:majorFont>
+      <a:minorFont>
         <a:latin typeface="Helvetica Neue"/>
         <a:ea typeface="Helvetica Neue"/>
         <a:cs typeface="Helvetica Neue"/>
-      </a:majorFont>
-      <a:minorFont>
-        <a:latin typeface="Helvetica"/>
-        <a:ea typeface="Helvetica"/>
-        <a:cs typeface="Helvetica"/>
       </a:minorFont>
     </a:fontScheme>
     <a:fmtScheme name="36_DynamicWavesLight">
@@ -8328,7 +8363,7 @@
     <a:spDef>
       <a:spPr>
         <a:solidFill>
-          <a:srgbClr val="5F3E0C"/>
+          <a:srgbClr val="FFFFFF"/>
         </a:solidFill>
         <a:ln w="25400" cap="flat">
           <a:solidFill>
@@ -8368,10 +8403,10 @@
             </a:solidFill>
             <a:effectLst/>
             <a:uFillTx/>
-            <a:latin typeface="Produkt Extralight"/>
-            <a:ea typeface="Produkt Extralight"/>
-            <a:cs typeface="Produkt Extralight"/>
-            <a:sym typeface="Produkt Extralight"/>
+            <a:latin typeface="+mj-lt"/>
+            <a:ea typeface="+mj-ea"/>
+            <a:cs typeface="+mj-cs"/>
+            <a:sym typeface="Helvetica"/>
           </a:defRPr>
         </a:defPPr>
         <a:lvl1pPr marL="0" marR="0" indent="0" algn="l" defTabSz="914400" rtl="0" fontAlgn="auto" latinLnBrk="1" hangingPunct="0">
@@ -8939,10 +8974,10 @@
             </a:solidFill>
             <a:effectLst/>
             <a:uFillTx/>
-            <a:latin typeface="Produkt Extralight"/>
-            <a:ea typeface="Produkt Extralight"/>
-            <a:cs typeface="Produkt Extralight"/>
-            <a:sym typeface="Produkt Extralight"/>
+            <a:latin typeface="+mj-lt"/>
+            <a:ea typeface="+mj-ea"/>
+            <a:cs typeface="+mj-cs"/>
+            <a:sym typeface="Helvetica"/>
           </a:defRPr>
         </a:defPPr>
         <a:lvl1pPr marL="0" marR="0" indent="0" algn="l" defTabSz="914400" rtl="0" fontAlgn="auto" latinLnBrk="1" hangingPunct="0">
@@ -9234,14 +9269,14 @@
     </a:clrScheme>
     <a:fontScheme name="36_DynamicWavesLight">
       <a:majorFont>
+        <a:latin typeface="Helvetica"/>
+        <a:ea typeface="Helvetica"/>
+        <a:cs typeface="Helvetica"/>
+      </a:majorFont>
+      <a:minorFont>
         <a:latin typeface="Helvetica Neue"/>
         <a:ea typeface="Helvetica Neue"/>
         <a:cs typeface="Helvetica Neue"/>
-      </a:majorFont>
-      <a:minorFont>
-        <a:latin typeface="Helvetica"/>
-        <a:ea typeface="Helvetica"/>
-        <a:cs typeface="Helvetica"/>
       </a:minorFont>
     </a:fontScheme>
     <a:fmtScheme name="36_DynamicWavesLight">
@@ -9382,7 +9417,7 @@
     <a:spDef>
       <a:spPr>
         <a:solidFill>
-          <a:srgbClr val="5F3E0C"/>
+          <a:srgbClr val="FFFFFF"/>
         </a:solidFill>
         <a:ln w="25400" cap="flat">
           <a:solidFill>
@@ -9422,10 +9457,10 @@
             </a:solidFill>
             <a:effectLst/>
             <a:uFillTx/>
-            <a:latin typeface="Produkt Extralight"/>
-            <a:ea typeface="Produkt Extralight"/>
-            <a:cs typeface="Produkt Extralight"/>
-            <a:sym typeface="Produkt Extralight"/>
+            <a:latin typeface="+mj-lt"/>
+            <a:ea typeface="+mj-ea"/>
+            <a:cs typeface="+mj-cs"/>
+            <a:sym typeface="Helvetica"/>
           </a:defRPr>
         </a:defPPr>
         <a:lvl1pPr marL="0" marR="0" indent="0" algn="l" defTabSz="914400" rtl="0" fontAlgn="auto" latinLnBrk="1" hangingPunct="0">
@@ -9993,10 +10028,10 @@
             </a:solidFill>
             <a:effectLst/>
             <a:uFillTx/>
-            <a:latin typeface="Produkt Extralight"/>
-            <a:ea typeface="Produkt Extralight"/>
-            <a:cs typeface="Produkt Extralight"/>
-            <a:sym typeface="Produkt Extralight"/>
+            <a:latin typeface="+mj-lt"/>
+            <a:ea typeface="+mj-ea"/>
+            <a:cs typeface="+mj-cs"/>
+            <a:sym typeface="Helvetica"/>
           </a:defRPr>
         </a:defPPr>
         <a:lvl1pPr marL="0" marR="0" indent="0" algn="l" defTabSz="914400" rtl="0" fontAlgn="auto" latinLnBrk="1" hangingPunct="0">
